--- a/doc/중간보고서발표-NCNP.pptx
+++ b/doc/중간보고서발표-NCNP.pptx
@@ -10,8 +10,8 @@
   <p:sldIdLst>
     <p:sldId id="352" r:id="rId2"/>
     <p:sldId id="373" r:id="rId3"/>
-    <p:sldId id="376" r:id="rId4"/>
-    <p:sldId id="377" r:id="rId5"/>
+    <p:sldId id="377" r:id="rId4"/>
+    <p:sldId id="417" r:id="rId5"/>
     <p:sldId id="340" r:id="rId6"/>
     <p:sldId id="411" r:id="rId7"/>
     <p:sldId id="412" r:id="rId8"/>
@@ -54,26 +54,30 @@
   <p:notesSz cx="6858000" cy="9144000"/>
   <p:embeddedFontLst>
     <p:embeddedFont>
-      <p:font typeface="나눔고딕 ExtraBold" panose="020D0904000000000000" pitchFamily="50" charset="-127"/>
-      <p:bold r:id="rId44"/>
+      <p:font typeface="맑은 고딕" panose="020B0503020000020004" pitchFamily="50" charset="-127"/>
+      <p:regular r:id="rId44"/>
+      <p:bold r:id="rId45"/>
     </p:embeddedFont>
     <p:embeddedFont>
-      <p:font typeface="Arial Unicode MS" panose="020B0600000101010101" charset="-127"/>
-      <p:regular r:id="rId45"/>
-    </p:embeddedFont>
-    <p:embeddedFont>
-      <p:font typeface="배달의민족 주아" panose="02020603020101020101" pitchFamily="18" charset="-127"/>
+      <p:font typeface="1훈나무그늘 M" panose="02020603020101020101" pitchFamily="18" charset="-127"/>
       <p:regular r:id="rId46"/>
     </p:embeddedFont>
     <p:embeddedFont>
-      <p:font typeface="나눔고딕" panose="020D0604000000000000" pitchFamily="50" charset="-127"/>
+      <p:font typeface="나눔고딕" panose="020B0600000101010101" charset="-127"/>
       <p:regular r:id="rId47"/>
       <p:bold r:id="rId48"/>
     </p:embeddedFont>
     <p:embeddedFont>
-      <p:font typeface="맑은 고딕" panose="020B0503020000020004" pitchFamily="50" charset="-127"/>
-      <p:regular r:id="rId49"/>
-      <p:bold r:id="rId50"/>
+      <p:font typeface="나눔고딕 ExtraBold" panose="020B0600000101010101" charset="-127"/>
+      <p:bold r:id="rId49"/>
+    </p:embeddedFont>
+    <p:embeddedFont>
+      <p:font typeface="배달의민족 주아" panose="020B0600000101010101" charset="-127"/>
+      <p:regular r:id="rId50"/>
+    </p:embeddedFont>
+    <p:embeddedFont>
+      <p:font typeface="Arial Unicode MS" panose="020B0600000101010101" charset="-127"/>
+      <p:regular r:id="rId51"/>
     </p:embeddedFont>
   </p:embeddedFontLst>
   <p:defaultTextStyle>
@@ -2465,7 +2469,7 @@
     </p:spTree>
     <p:extLst>
       <p:ext uri="{BB962C8B-B14F-4D97-AF65-F5344CB8AC3E}">
-        <p14:creationId xmlns:p14="http://schemas.microsoft.com/office/powerpoint/2010/main" val="2242462619"/>
+        <p14:creationId xmlns:p14="http://schemas.microsoft.com/office/powerpoint/2010/main" val="858556515"/>
       </p:ext>
     </p:extLst>
   </p:cSld>
@@ -3389,7 +3393,7 @@
     </p:spTree>
     <p:extLst>
       <p:ext uri="{BB962C8B-B14F-4D97-AF65-F5344CB8AC3E}">
-        <p14:creationId xmlns:p14="http://schemas.microsoft.com/office/powerpoint/2010/main" val="858556515"/>
+        <p14:creationId xmlns:p14="http://schemas.microsoft.com/office/powerpoint/2010/main" val="856650515"/>
       </p:ext>
     </p:extLst>
   </p:cSld>
@@ -25329,10 +25333,10 @@
       </p:grpSpPr>
       <p:sp>
         <p:nvSpPr>
-          <p:cNvPr id="104" name="직사각형 103">
+          <p:cNvPr id="30" name="직사각형 29">
             <a:extLst>
               <a:ext uri="{FF2B5EF4-FFF2-40B4-BE49-F238E27FC236}">
-                <a16:creationId xmlns:a16="http://schemas.microsoft.com/office/drawing/2014/main" id="{4105E275-FFB6-4D51-B381-9E915A079912}"/>
+                <a16:creationId xmlns:a16="http://schemas.microsoft.com/office/drawing/2014/main" id="{9F339B8F-6A2D-432B-806F-3C9E5D4BBAF3}"/>
               </a:ext>
             </a:extLst>
           </p:cNvPr>
@@ -25606,12 +25610,266 @@
           </a:p>
         </p:txBody>
       </p:sp>
+      <p:sp>
+        <p:nvSpPr>
+          <p:cNvPr id="20" name="타원 19">
+            <a:extLst>
+              <a:ext uri="{FF2B5EF4-FFF2-40B4-BE49-F238E27FC236}">
+                <a16:creationId xmlns:a16="http://schemas.microsoft.com/office/drawing/2014/main" id="{A5456FC4-AD8D-480C-AE37-065E6632F6D3}"/>
+              </a:ext>
+            </a:extLst>
+          </p:cNvPr>
+          <p:cNvSpPr/>
+          <p:nvPr/>
+        </p:nvSpPr>
+        <p:spPr>
+          <a:xfrm>
+            <a:off x="3419872" y="1777380"/>
+            <a:ext cx="2304256" cy="2232248"/>
+          </a:xfrm>
+          <a:prstGeom prst="ellipse">
+            <a:avLst/>
+          </a:prstGeom>
+          <a:solidFill>
+            <a:schemeClr val="bg1"/>
+          </a:solidFill>
+          <a:ln w="76200">
+            <a:solidFill>
+              <a:srgbClr val="FAC11E"/>
+            </a:solidFill>
+          </a:ln>
+        </p:spPr>
+        <p:style>
+          <a:lnRef idx="2">
+            <a:schemeClr val="accent1">
+              <a:shade val="50000"/>
+            </a:schemeClr>
+          </a:lnRef>
+          <a:fillRef idx="1">
+            <a:schemeClr val="accent1"/>
+          </a:fillRef>
+          <a:effectRef idx="0">
+            <a:schemeClr val="accent1"/>
+          </a:effectRef>
+          <a:fontRef idx="minor">
+            <a:schemeClr val="lt1"/>
+          </a:fontRef>
+        </p:style>
+        <p:txBody>
+          <a:bodyPr rtlCol="0" anchor="ctr"/>
+          <a:lstStyle/>
+          <a:p>
+            <a:pPr algn="just"/>
+            <a:endParaRPr lang="ko-KR" altLang="en-US" dirty="0"/>
+          </a:p>
+        </p:txBody>
+      </p:sp>
+      <p:sp>
+        <p:nvSpPr>
+          <p:cNvPr id="21" name="타원 20">
+            <a:extLst>
+              <a:ext uri="{FF2B5EF4-FFF2-40B4-BE49-F238E27FC236}">
+                <a16:creationId xmlns:a16="http://schemas.microsoft.com/office/drawing/2014/main" id="{5587B60E-FED1-4FEB-AF2D-98E74784F3FB}"/>
+              </a:ext>
+            </a:extLst>
+          </p:cNvPr>
+          <p:cNvSpPr/>
+          <p:nvPr/>
+        </p:nvSpPr>
+        <p:spPr>
+          <a:xfrm>
+            <a:off x="6300192" y="1777380"/>
+            <a:ext cx="2304256" cy="2232248"/>
+          </a:xfrm>
+          <a:prstGeom prst="ellipse">
+            <a:avLst/>
+          </a:prstGeom>
+          <a:solidFill>
+            <a:schemeClr val="bg1"/>
+          </a:solidFill>
+          <a:ln w="76200">
+            <a:solidFill>
+              <a:srgbClr val="0DA2B6"/>
+            </a:solidFill>
+          </a:ln>
+        </p:spPr>
+        <p:style>
+          <a:lnRef idx="2">
+            <a:schemeClr val="accent1">
+              <a:shade val="50000"/>
+            </a:schemeClr>
+          </a:lnRef>
+          <a:fillRef idx="1">
+            <a:schemeClr val="accent1"/>
+          </a:fillRef>
+          <a:effectRef idx="0">
+            <a:schemeClr val="accent1"/>
+          </a:effectRef>
+          <a:fontRef idx="minor">
+            <a:schemeClr val="lt1"/>
+          </a:fontRef>
+        </p:style>
+        <p:txBody>
+          <a:bodyPr rtlCol="0" anchor="ctr"/>
+          <a:lstStyle/>
+          <a:p>
+            <a:pPr algn="just"/>
+            <a:endParaRPr lang="ko-KR" altLang="en-US" dirty="0"/>
+          </a:p>
+        </p:txBody>
+      </p:sp>
       <p:pic>
         <p:nvPicPr>
-          <p:cNvPr id="39" name="그림 38">
+          <p:cNvPr id="1026" name="Picture 2" descr="ê´ë ¨ ì´ë¯¸ì§">
             <a:extLst>
               <a:ext uri="{FF2B5EF4-FFF2-40B4-BE49-F238E27FC236}">
-                <a16:creationId xmlns:a16="http://schemas.microsoft.com/office/drawing/2014/main" id="{057B2505-E4D8-401F-B407-D176FAB67235}"/>
+                <a16:creationId xmlns:a16="http://schemas.microsoft.com/office/drawing/2014/main" id="{8073022D-EE4F-4F36-904A-2C14BC6F862C}"/>
+              </a:ext>
+            </a:extLst>
+          </p:cNvPr>
+          <p:cNvPicPr>
+            <a:picLocks noChangeAspect="1" noChangeArrowheads="1"/>
+          </p:cNvPicPr>
+          <p:nvPr/>
+        </p:nvPicPr>
+        <p:blipFill rotWithShape="1">
+          <a:blip r:embed="rId3">
+            <a:extLst>
+              <a:ext uri="{28A0092B-C50C-407E-A947-70E740481C1C}">
+                <a14:useLocalDpi xmlns:a14="http://schemas.microsoft.com/office/drawing/2010/main" val="0"/>
+              </a:ext>
+            </a:extLst>
+          </a:blip>
+          <a:srcRect b="13489"/>
+          <a:stretch/>
+        </p:blipFill>
+        <p:spPr bwMode="auto">
+          <a:xfrm>
+            <a:off x="6657999" y="1993404"/>
+            <a:ext cx="1588641" cy="1612567"/>
+          </a:xfrm>
+          <a:prstGeom prst="rect">
+            <a:avLst/>
+          </a:prstGeom>
+          <a:noFill/>
+          <a:extLst>
+            <a:ext uri="{909E8E84-426E-40DD-AFC4-6F175D3DCCD1}">
+              <a14:hiddenFill xmlns:a14="http://schemas.microsoft.com/office/drawing/2010/main">
+                <a:solidFill>
+                  <a:srgbClr val="FFFFFF"/>
+                </a:solidFill>
+              </a14:hiddenFill>
+            </a:ext>
+          </a:extLst>
+        </p:spPr>
+      </p:pic>
+      <p:pic>
+        <p:nvPicPr>
+          <p:cNvPr id="11" name="Picture 2" descr="ì´ë¯¸ì§ ê²ìê²°ê³¼">
+            <a:extLst>
+              <a:ext uri="{FF2B5EF4-FFF2-40B4-BE49-F238E27FC236}">
+                <a16:creationId xmlns:a16="http://schemas.microsoft.com/office/drawing/2014/main" id="{C321AB5B-A2FF-459A-8AB1-4F138221E80F}"/>
+              </a:ext>
+            </a:extLst>
+          </p:cNvPr>
+          <p:cNvPicPr>
+            <a:picLocks noChangeAspect="1" noChangeArrowheads="1"/>
+          </p:cNvPicPr>
+          <p:nvPr/>
+        </p:nvPicPr>
+        <p:blipFill>
+          <a:blip r:embed="rId4" cstate="print">
+            <a:extLst>
+              <a:ext uri="{28A0092B-C50C-407E-A947-70E740481C1C}">
+                <a14:useLocalDpi xmlns:a14="http://schemas.microsoft.com/office/drawing/2010/main" val="0"/>
+              </a:ext>
+            </a:extLst>
+          </a:blip>
+          <a:srcRect/>
+          <a:stretch>
+            <a:fillRect/>
+          </a:stretch>
+        </p:blipFill>
+        <p:spPr bwMode="auto">
+          <a:xfrm>
+            <a:off x="3546564" y="2668925"/>
+            <a:ext cx="2050871" cy="449158"/>
+          </a:xfrm>
+          <a:prstGeom prst="rect">
+            <a:avLst/>
+          </a:prstGeom>
+          <a:noFill/>
+          <a:extLst>
+            <a:ext uri="{909E8E84-426E-40DD-AFC4-6F175D3DCCD1}">
+              <a14:hiddenFill xmlns:a14="http://schemas.microsoft.com/office/drawing/2010/main">
+                <a:solidFill>
+                  <a:srgbClr val="FFFFFF"/>
+                </a:solidFill>
+              </a14:hiddenFill>
+            </a:ext>
+          </a:extLst>
+        </p:spPr>
+      </p:pic>
+      <p:sp>
+        <p:nvSpPr>
+          <p:cNvPr id="2" name="타원 1">
+            <a:extLst>
+              <a:ext uri="{FF2B5EF4-FFF2-40B4-BE49-F238E27FC236}">
+                <a16:creationId xmlns:a16="http://schemas.microsoft.com/office/drawing/2014/main" id="{B16703AA-E986-4274-927A-4A1F20465F64}"/>
+              </a:ext>
+            </a:extLst>
+          </p:cNvPr>
+          <p:cNvSpPr/>
+          <p:nvPr/>
+        </p:nvSpPr>
+        <p:spPr>
+          <a:xfrm>
+            <a:off x="539552" y="1777380"/>
+            <a:ext cx="2304256" cy="2232248"/>
+          </a:xfrm>
+          <a:prstGeom prst="ellipse">
+            <a:avLst/>
+          </a:prstGeom>
+          <a:solidFill>
+            <a:schemeClr val="bg1"/>
+          </a:solidFill>
+          <a:ln w="76200">
+            <a:solidFill>
+              <a:srgbClr val="F16461"/>
+            </a:solidFill>
+          </a:ln>
+        </p:spPr>
+        <p:style>
+          <a:lnRef idx="2">
+            <a:schemeClr val="accent1">
+              <a:shade val="50000"/>
+            </a:schemeClr>
+          </a:lnRef>
+          <a:fillRef idx="1">
+            <a:schemeClr val="accent1"/>
+          </a:fillRef>
+          <a:effectRef idx="0">
+            <a:schemeClr val="accent1"/>
+          </a:effectRef>
+          <a:fontRef idx="minor">
+            <a:schemeClr val="lt1"/>
+          </a:fontRef>
+        </p:style>
+        <p:txBody>
+          <a:bodyPr rtlCol="0" anchor="ctr"/>
+          <a:lstStyle/>
+          <a:p>
+            <a:pPr algn="just"/>
+            <a:endParaRPr lang="ko-KR" altLang="en-US" dirty="0"/>
+          </a:p>
+        </p:txBody>
+      </p:sp>
+      <p:pic>
+        <p:nvPicPr>
+          <p:cNvPr id="4" name="그림 3">
+            <a:extLst>
+              <a:ext uri="{FF2B5EF4-FFF2-40B4-BE49-F238E27FC236}">
+                <a16:creationId xmlns:a16="http://schemas.microsoft.com/office/drawing/2014/main" id="{2C7FF65D-0B18-454E-BAD3-B29E31BFC22C}"/>
               </a:ext>
             </a:extLst>
           </p:cNvPr>
@@ -25621,7 +25879,7 @@
           <p:nvPr/>
         </p:nvPicPr>
         <p:blipFill>
-          <a:blip r:embed="rId3" cstate="print">
+          <a:blip r:embed="rId5" cstate="print">
             <a:extLst>
               <a:ext uri="{28A0092B-C50C-407E-A947-70E740481C1C}">
                 <a14:useLocalDpi xmlns:a14="http://schemas.microsoft.com/office/drawing/2010/main" val="0"/>
@@ -25634,8 +25892,8 @@
         </p:blipFill>
         <p:spPr>
           <a:xfrm>
-            <a:off x="315163" y="2990415"/>
-            <a:ext cx="885200" cy="885200"/>
+            <a:off x="1402685" y="1993404"/>
+            <a:ext cx="628877" cy="785671"/>
           </a:xfrm>
           <a:prstGeom prst="rect">
             <a:avLst/>
@@ -25644,10 +25902,10 @@
       </p:pic>
       <p:pic>
         <p:nvPicPr>
-          <p:cNvPr id="40" name="그림 39">
+          <p:cNvPr id="14" name="그림 13">
             <a:extLst>
               <a:ext uri="{FF2B5EF4-FFF2-40B4-BE49-F238E27FC236}">
-                <a16:creationId xmlns:a16="http://schemas.microsoft.com/office/drawing/2014/main" id="{1BBF8227-2075-4B33-8643-B61008A5029C}"/>
+                <a16:creationId xmlns:a16="http://schemas.microsoft.com/office/drawing/2014/main" id="{5EEBA61A-3211-45DC-9B86-C088113E6350}"/>
               </a:ext>
             </a:extLst>
           </p:cNvPr>
@@ -25657,7 +25915,7 @@
           <p:nvPr/>
         </p:nvPicPr>
         <p:blipFill>
-          <a:blip r:embed="rId4" cstate="print">
+          <a:blip r:embed="rId6" cstate="print">
             <a:extLst>
               <a:ext uri="{28A0092B-C50C-407E-A947-70E740481C1C}">
                 <a14:useLocalDpi xmlns:a14="http://schemas.microsoft.com/office/drawing/2010/main" val="0"/>
@@ -25670,8 +25928,8 @@
         </p:blipFill>
         <p:spPr>
           <a:xfrm>
-            <a:off x="1992452" y="1461416"/>
-            <a:ext cx="1325700" cy="984924"/>
+            <a:off x="935583" y="3130514"/>
+            <a:ext cx="467102" cy="471616"/>
           </a:xfrm>
           <a:prstGeom prst="rect">
             <a:avLst/>
@@ -25680,10 +25938,10 @@
       </p:pic>
       <p:pic>
         <p:nvPicPr>
-          <p:cNvPr id="41" name="그림 40">
+          <p:cNvPr id="15" name="그림 14">
             <a:extLst>
               <a:ext uri="{FF2B5EF4-FFF2-40B4-BE49-F238E27FC236}">
-                <a16:creationId xmlns:a16="http://schemas.microsoft.com/office/drawing/2014/main" id="{AC9326C8-8E18-4D46-B75B-390D3C54D989}"/>
+                <a16:creationId xmlns:a16="http://schemas.microsoft.com/office/drawing/2014/main" id="{627934CE-A9A6-40EE-872D-6A0E61AC5563}"/>
               </a:ext>
             </a:extLst>
           </p:cNvPr>
@@ -25693,7 +25951,7 @@
           <p:nvPr/>
         </p:nvPicPr>
         <p:blipFill>
-          <a:blip r:embed="rId5" cstate="print">
+          <a:blip r:embed="rId6" cstate="print">
             <a:extLst>
               <a:ext uri="{28A0092B-C50C-407E-A947-70E740481C1C}">
                 <a14:useLocalDpi xmlns:a14="http://schemas.microsoft.com/office/drawing/2010/main" val="0"/>
@@ -25706,8 +25964,44 @@
         </p:blipFill>
         <p:spPr>
           <a:xfrm>
-            <a:off x="4949739" y="1629216"/>
-            <a:ext cx="643111" cy="649324"/>
+            <a:off x="1475915" y="3130514"/>
+            <a:ext cx="467102" cy="471616"/>
+          </a:xfrm>
+          <a:prstGeom prst="rect">
+            <a:avLst/>
+          </a:prstGeom>
+        </p:spPr>
+      </p:pic>
+      <p:pic>
+        <p:nvPicPr>
+          <p:cNvPr id="16" name="그림 15">
+            <a:extLst>
+              <a:ext uri="{FF2B5EF4-FFF2-40B4-BE49-F238E27FC236}">
+                <a16:creationId xmlns:a16="http://schemas.microsoft.com/office/drawing/2014/main" id="{9172EBEA-4421-4776-91D4-9E2DD2F10779}"/>
+              </a:ext>
+            </a:extLst>
+          </p:cNvPr>
+          <p:cNvPicPr>
+            <a:picLocks noChangeAspect="1"/>
+          </p:cNvPicPr>
+          <p:nvPr/>
+        </p:nvPicPr>
+        <p:blipFill>
+          <a:blip r:embed="rId6" cstate="print">
+            <a:extLst>
+              <a:ext uri="{28A0092B-C50C-407E-A947-70E740481C1C}">
+                <a14:useLocalDpi xmlns:a14="http://schemas.microsoft.com/office/drawing/2010/main" val="0"/>
+              </a:ext>
+            </a:extLst>
+          </a:blip>
+          <a:stretch>
+            <a:fillRect/>
+          </a:stretch>
+        </p:blipFill>
+        <p:spPr>
+          <a:xfrm>
+            <a:off x="2016247" y="3128021"/>
+            <a:ext cx="467102" cy="471616"/>
           </a:xfrm>
           <a:prstGeom prst="rect">
             <a:avLst/>
@@ -25716,33 +26010,32 @@
       </p:pic>
       <p:cxnSp>
         <p:nvCxnSpPr>
-          <p:cNvPr id="7" name="연결선: 꺾임 6">
+          <p:cNvPr id="7" name="직선 화살표 연결선 6">
             <a:extLst>
               <a:ext uri="{FF2B5EF4-FFF2-40B4-BE49-F238E27FC236}">
-                <a16:creationId xmlns:a16="http://schemas.microsoft.com/office/drawing/2014/main" id="{E07835CE-9028-4124-99EB-AFCF80F8D885}"/>
+                <a16:creationId xmlns:a16="http://schemas.microsoft.com/office/drawing/2014/main" id="{0DC66472-B482-49F5-804C-486E0A9EDC18}"/>
               </a:ext>
             </a:extLst>
           </p:cNvPr>
           <p:cNvCxnSpPr>
             <a:cxnSpLocks/>
-            <a:stCxn id="39" idx="3"/>
-            <a:endCxn id="40" idx="1"/>
+            <a:stCxn id="4" idx="2"/>
+            <a:endCxn id="14" idx="0"/>
           </p:cNvCxnSpPr>
           <p:nvPr/>
         </p:nvCxnSpPr>
         <p:spPr>
-          <a:xfrm flipV="1">
-            <a:off x="1200363" y="1953878"/>
-            <a:ext cx="792089" cy="1479137"/>
-          </a:xfrm>
-          <a:prstGeom prst="bentConnector3">
-            <a:avLst/>
-          </a:prstGeom>
-          <a:ln w="38100">
+          <a:xfrm flipH="1">
+            <a:off x="1169134" y="2779075"/>
+            <a:ext cx="547990" cy="351439"/>
+          </a:xfrm>
+          <a:prstGeom prst="straightConnector1">
+            <a:avLst/>
+          </a:prstGeom>
+          <a:ln w="19050">
             <a:solidFill>
               <a:srgbClr val="0DA2B6"/>
             </a:solidFill>
-            <a:headEnd type="triangle"/>
             <a:tailEnd type="triangle"/>
           </a:ln>
         </p:spPr>
@@ -25763,336 +26056,30 @@
       </p:cxnSp>
       <p:cxnSp>
         <p:nvCxnSpPr>
-          <p:cNvPr id="48" name="직선 화살표 연결선 47">
+          <p:cNvPr id="23" name="직선 화살표 연결선 22">
             <a:extLst>
               <a:ext uri="{FF2B5EF4-FFF2-40B4-BE49-F238E27FC236}">
-                <a16:creationId xmlns:a16="http://schemas.microsoft.com/office/drawing/2014/main" id="{1C316F03-2A1F-4805-8C90-3CF97CB71D97}"/>
+                <a16:creationId xmlns:a16="http://schemas.microsoft.com/office/drawing/2014/main" id="{ACC661DC-6F15-4D11-92E0-4795A4E90FC0}"/>
               </a:ext>
             </a:extLst>
           </p:cNvPr>
           <p:cNvCxnSpPr>
             <a:cxnSpLocks/>
-            <a:stCxn id="40" idx="3"/>
-            <a:endCxn id="41" idx="1"/>
+            <a:endCxn id="15" idx="0"/>
           </p:cNvCxnSpPr>
           <p:nvPr/>
         </p:nvCxnSpPr>
         <p:spPr>
           <a:xfrm>
-            <a:off x="3318152" y="1953878"/>
-            <a:ext cx="1631587" cy="0"/>
+            <a:off x="1709466" y="2777829"/>
+            <a:ext cx="0" cy="352685"/>
           </a:xfrm>
           <a:prstGeom prst="straightConnector1">
             <a:avLst/>
           </a:prstGeom>
-          <a:ln w="38100">
+          <a:ln w="19050">
             <a:solidFill>
-              <a:srgbClr val="FAC11E"/>
-            </a:solidFill>
-            <a:headEnd type="triangle"/>
-            <a:tailEnd type="triangle"/>
-          </a:ln>
-        </p:spPr>
-        <p:style>
-          <a:lnRef idx="1">
-            <a:schemeClr val="accent1"/>
-          </a:lnRef>
-          <a:fillRef idx="0">
-            <a:schemeClr val="accent1"/>
-          </a:fillRef>
-          <a:effectRef idx="0">
-            <a:schemeClr val="accent1"/>
-          </a:effectRef>
-          <a:fontRef idx="minor">
-            <a:schemeClr val="tx1"/>
-          </a:fontRef>
-        </p:style>
-      </p:cxnSp>
-      <p:sp>
-        <p:nvSpPr>
-          <p:cNvPr id="52" name="직사각형 51">
-            <a:extLst>
-              <a:ext uri="{FF2B5EF4-FFF2-40B4-BE49-F238E27FC236}">
-                <a16:creationId xmlns:a16="http://schemas.microsoft.com/office/drawing/2014/main" id="{7EBEECDD-1F88-41AE-A62E-E146E383E611}"/>
-              </a:ext>
-            </a:extLst>
-          </p:cNvPr>
-          <p:cNvSpPr/>
-          <p:nvPr/>
-        </p:nvSpPr>
-        <p:spPr>
-          <a:xfrm>
-            <a:off x="6662998" y="1779958"/>
-            <a:ext cx="1162101" cy="347837"/>
-          </a:xfrm>
-          <a:prstGeom prst="rect">
-            <a:avLst/>
-          </a:prstGeom>
-          <a:solidFill>
-            <a:schemeClr val="bg1"/>
-          </a:solidFill>
-          <a:ln w="38100">
-            <a:solidFill>
-              <a:srgbClr val="F16461"/>
-            </a:solidFill>
-          </a:ln>
-        </p:spPr>
-        <p:style>
-          <a:lnRef idx="2">
-            <a:schemeClr val="accent1">
-              <a:shade val="50000"/>
-            </a:schemeClr>
-          </a:lnRef>
-          <a:fillRef idx="1">
-            <a:schemeClr val="accent1"/>
-          </a:fillRef>
-          <a:effectRef idx="0">
-            <a:schemeClr val="accent1"/>
-          </a:effectRef>
-          <a:fontRef idx="minor">
-            <a:schemeClr val="lt1"/>
-          </a:fontRef>
-        </p:style>
-        <p:txBody>
-          <a:bodyPr rtlCol="0" anchor="ctr"/>
-          <a:lstStyle/>
-          <a:p>
-            <a:pPr algn="ctr"/>
-            <a:r>
-              <a:rPr lang="ko-KR" altLang="en-US" dirty="0">
-                <a:solidFill>
-                  <a:srgbClr val="F16461"/>
-                </a:solidFill>
-                <a:latin typeface="나눔고딕 ExtraBold" panose="020D0904000000000000" pitchFamily="50" charset="-127"/>
-                <a:ea typeface="나눔고딕 ExtraBold" panose="020D0904000000000000" pitchFamily="50" charset="-127"/>
-              </a:rPr>
-              <a:t>정적 분석</a:t>
-            </a:r>
-          </a:p>
-        </p:txBody>
-      </p:sp>
-      <p:sp>
-        <p:nvSpPr>
-          <p:cNvPr id="53" name="직사각형 52">
-            <a:extLst>
-              <a:ext uri="{FF2B5EF4-FFF2-40B4-BE49-F238E27FC236}">
-                <a16:creationId xmlns:a16="http://schemas.microsoft.com/office/drawing/2014/main" id="{9D92761D-3AFD-4E03-AC53-2391D46DC808}"/>
-              </a:ext>
-            </a:extLst>
-          </p:cNvPr>
-          <p:cNvSpPr/>
-          <p:nvPr/>
-        </p:nvSpPr>
-        <p:spPr>
-          <a:xfrm>
-            <a:off x="6662998" y="2666209"/>
-            <a:ext cx="1162101" cy="347837"/>
-          </a:xfrm>
-          <a:prstGeom prst="rect">
-            <a:avLst/>
-          </a:prstGeom>
-          <a:solidFill>
-            <a:schemeClr val="bg1"/>
-          </a:solidFill>
-          <a:ln w="38100">
-            <a:solidFill>
-              <a:srgbClr val="F16461"/>
-            </a:solidFill>
-          </a:ln>
-        </p:spPr>
-        <p:style>
-          <a:lnRef idx="2">
-            <a:schemeClr val="accent1">
-              <a:shade val="50000"/>
-            </a:schemeClr>
-          </a:lnRef>
-          <a:fillRef idx="1">
-            <a:schemeClr val="accent1"/>
-          </a:fillRef>
-          <a:effectRef idx="0">
-            <a:schemeClr val="accent1"/>
-          </a:effectRef>
-          <a:fontRef idx="minor">
-            <a:schemeClr val="lt1"/>
-          </a:fontRef>
-        </p:style>
-        <p:txBody>
-          <a:bodyPr rtlCol="0" anchor="ctr"/>
-          <a:lstStyle/>
-          <a:p>
-            <a:pPr algn="ctr"/>
-            <a:r>
-              <a:rPr lang="ko-KR" altLang="en-US" dirty="0">
-                <a:solidFill>
-                  <a:srgbClr val="F16461"/>
-                </a:solidFill>
-                <a:latin typeface="나눔고딕 ExtraBold" panose="020D0904000000000000" pitchFamily="50" charset="-127"/>
-                <a:ea typeface="나눔고딕 ExtraBold" panose="020D0904000000000000" pitchFamily="50" charset="-127"/>
-              </a:rPr>
-              <a:t>동적 분석</a:t>
-            </a:r>
-          </a:p>
-        </p:txBody>
-      </p:sp>
-      <p:sp>
-        <p:nvSpPr>
-          <p:cNvPr id="54" name="직사각형 53">
-            <a:extLst>
-              <a:ext uri="{FF2B5EF4-FFF2-40B4-BE49-F238E27FC236}">
-                <a16:creationId xmlns:a16="http://schemas.microsoft.com/office/drawing/2014/main" id="{6B53F2DB-E53B-4C65-926C-E02C108FF91F}"/>
-              </a:ext>
-            </a:extLst>
-          </p:cNvPr>
-          <p:cNvSpPr/>
-          <p:nvPr/>
-        </p:nvSpPr>
-        <p:spPr>
-          <a:xfrm>
-            <a:off x="7650015" y="4246538"/>
-            <a:ext cx="1162101" cy="347837"/>
-          </a:xfrm>
-          <a:prstGeom prst="rect">
-            <a:avLst/>
-          </a:prstGeom>
-          <a:solidFill>
-            <a:schemeClr val="bg1"/>
-          </a:solidFill>
-          <a:ln w="38100">
-            <a:solidFill>
-              <a:srgbClr val="F16461"/>
-            </a:solidFill>
-          </a:ln>
-        </p:spPr>
-        <p:style>
-          <a:lnRef idx="2">
-            <a:schemeClr val="accent1">
-              <a:shade val="50000"/>
-            </a:schemeClr>
-          </a:lnRef>
-          <a:fillRef idx="1">
-            <a:schemeClr val="accent1"/>
-          </a:fillRef>
-          <a:effectRef idx="0">
-            <a:schemeClr val="accent1"/>
-          </a:effectRef>
-          <a:fontRef idx="minor">
-            <a:schemeClr val="lt1"/>
-          </a:fontRef>
-        </p:style>
-        <p:txBody>
-          <a:bodyPr rtlCol="0" anchor="ctr"/>
-          <a:lstStyle/>
-          <a:p>
-            <a:pPr algn="ctr"/>
-            <a:r>
-              <a:rPr lang="ko-KR" altLang="en-US" dirty="0">
-                <a:solidFill>
-                  <a:srgbClr val="F16461"/>
-                </a:solidFill>
-                <a:latin typeface="나눔고딕 ExtraBold" panose="020D0904000000000000" pitchFamily="50" charset="-127"/>
-                <a:ea typeface="나눔고딕 ExtraBold" panose="020D0904000000000000" pitchFamily="50" charset="-127"/>
-              </a:rPr>
-              <a:t>딥 러닝</a:t>
-            </a:r>
-          </a:p>
-        </p:txBody>
-      </p:sp>
-      <p:sp>
-        <p:nvSpPr>
-          <p:cNvPr id="62" name="직사각형 61">
-            <a:extLst>
-              <a:ext uri="{FF2B5EF4-FFF2-40B4-BE49-F238E27FC236}">
-                <a16:creationId xmlns:a16="http://schemas.microsoft.com/office/drawing/2014/main" id="{00630605-1151-4370-8919-73F3164FFCC9}"/>
-              </a:ext>
-            </a:extLst>
-          </p:cNvPr>
-          <p:cNvSpPr/>
-          <p:nvPr/>
-        </p:nvSpPr>
-        <p:spPr>
-          <a:xfrm>
-            <a:off x="3552734" y="1779959"/>
-            <a:ext cx="1162101" cy="347837"/>
-          </a:xfrm>
-          <a:prstGeom prst="rect">
-            <a:avLst/>
-          </a:prstGeom>
-          <a:solidFill>
-            <a:schemeClr val="bg1"/>
-          </a:solidFill>
-          <a:ln w="38100">
-            <a:solidFill>
-              <a:srgbClr val="FAC11E"/>
-            </a:solidFill>
-          </a:ln>
-        </p:spPr>
-        <p:style>
-          <a:lnRef idx="2">
-            <a:schemeClr val="accent1">
-              <a:shade val="50000"/>
-            </a:schemeClr>
-          </a:lnRef>
-          <a:fillRef idx="1">
-            <a:schemeClr val="accent1"/>
-          </a:fillRef>
-          <a:effectRef idx="0">
-            <a:schemeClr val="accent1"/>
-          </a:effectRef>
-          <a:fontRef idx="minor">
-            <a:schemeClr val="lt1"/>
-          </a:fontRef>
-        </p:style>
-        <p:txBody>
-          <a:bodyPr rtlCol="0" anchor="ctr"/>
-          <a:lstStyle/>
-          <a:p>
-            <a:pPr algn="ctr"/>
-            <a:r>
-              <a:rPr lang="ko-KR" altLang="en-US" dirty="0" err="1">
-                <a:solidFill>
-                  <a:srgbClr val="FAC11E"/>
-                </a:solidFill>
-                <a:latin typeface="나눔고딕 ExtraBold" panose="020D0904000000000000" pitchFamily="50" charset="-127"/>
-                <a:ea typeface="나눔고딕 ExtraBold" panose="020D0904000000000000" pitchFamily="50" charset="-127"/>
-              </a:rPr>
-              <a:t>라벨링</a:t>
-            </a:r>
-            <a:endParaRPr lang="ko-KR" altLang="en-US" dirty="0">
-              <a:solidFill>
-                <a:srgbClr val="FAC11E"/>
-              </a:solidFill>
-              <a:latin typeface="나눔고딕 ExtraBold" panose="020D0904000000000000" pitchFamily="50" charset="-127"/>
-              <a:ea typeface="나눔고딕 ExtraBold" panose="020D0904000000000000" pitchFamily="50" charset="-127"/>
-            </a:endParaRPr>
-          </a:p>
-        </p:txBody>
-      </p:sp>
-      <p:cxnSp>
-        <p:nvCxnSpPr>
-          <p:cNvPr id="78" name="직선 화살표 연결선 77">
-            <a:extLst>
-              <a:ext uri="{FF2B5EF4-FFF2-40B4-BE49-F238E27FC236}">
-                <a16:creationId xmlns:a16="http://schemas.microsoft.com/office/drawing/2014/main" id="{F6B9006C-4410-49B2-8965-B350B66343F4}"/>
-              </a:ext>
-            </a:extLst>
-          </p:cNvPr>
-          <p:cNvCxnSpPr>
-            <a:stCxn id="41" idx="3"/>
-            <a:endCxn id="52" idx="1"/>
-          </p:cNvCxnSpPr>
-          <p:nvPr/>
-        </p:nvCxnSpPr>
-        <p:spPr>
-          <a:xfrm flipV="1">
-            <a:off x="5592850" y="1953877"/>
-            <a:ext cx="1070148" cy="1"/>
-          </a:xfrm>
-          <a:prstGeom prst="straightConnector1">
-            <a:avLst/>
-          </a:prstGeom>
-          <a:ln w="38100">
-            <a:solidFill>
-              <a:srgbClr val="F16461"/>
+              <a:srgbClr val="0DA2B6"/>
             </a:solidFill>
             <a:tailEnd type="triangle"/>
           </a:ln>
@@ -26114,30 +26101,30 @@
       </p:cxnSp>
       <p:cxnSp>
         <p:nvCxnSpPr>
-          <p:cNvPr id="81" name="연결선: 꺾임 80">
+          <p:cNvPr id="26" name="직선 화살표 연결선 25">
             <a:extLst>
               <a:ext uri="{FF2B5EF4-FFF2-40B4-BE49-F238E27FC236}">
-                <a16:creationId xmlns:a16="http://schemas.microsoft.com/office/drawing/2014/main" id="{E7F405FA-855E-459C-ABF7-186F80CB0A20}"/>
+                <a16:creationId xmlns:a16="http://schemas.microsoft.com/office/drawing/2014/main" id="{3AC07202-9CF7-4B3C-8BFF-F9B39EDD75F1}"/>
               </a:ext>
             </a:extLst>
           </p:cNvPr>
           <p:cNvCxnSpPr>
-            <a:cxnSpLocks/>
-            <a:endCxn id="53" idx="1"/>
+            <a:stCxn id="4" idx="2"/>
+            <a:endCxn id="16" idx="0"/>
           </p:cNvCxnSpPr>
           <p:nvPr/>
         </p:nvCxnSpPr>
         <p:spPr>
-          <a:xfrm rot="16200000" flipH="1">
-            <a:off x="5932685" y="2109815"/>
-            <a:ext cx="909332" cy="551294"/>
-          </a:xfrm>
-          <a:prstGeom prst="bentConnector2">
-            <a:avLst/>
-          </a:prstGeom>
-          <a:ln w="38100">
+          <a:xfrm>
+            <a:off x="1717124" y="2779075"/>
+            <a:ext cx="532674" cy="348946"/>
+          </a:xfrm>
+          <a:prstGeom prst="straightConnector1">
+            <a:avLst/>
+          </a:prstGeom>
+          <a:ln w="19050">
             <a:solidFill>
-              <a:srgbClr val="F16461"/>
+              <a:srgbClr val="0DA2B6"/>
             </a:solidFill>
             <a:tailEnd type="triangle"/>
           </a:ln>
@@ -26157,255 +26144,12 @@
           </a:fontRef>
         </p:style>
       </p:cxnSp>
-      <p:cxnSp>
-        <p:nvCxnSpPr>
-          <p:cNvPr id="84" name="연결선: 꺾임 83">
+      <p:sp>
+        <p:nvSpPr>
+          <p:cNvPr id="29" name="직사각형 28">
             <a:extLst>
               <a:ext uri="{FF2B5EF4-FFF2-40B4-BE49-F238E27FC236}">
-                <a16:creationId xmlns:a16="http://schemas.microsoft.com/office/drawing/2014/main" id="{1D50F331-F9C1-41E7-A59E-431543BEA269}"/>
-              </a:ext>
-            </a:extLst>
-          </p:cNvPr>
-          <p:cNvCxnSpPr>
-            <a:cxnSpLocks/>
-            <a:stCxn id="52" idx="3"/>
-          </p:cNvCxnSpPr>
-          <p:nvPr/>
-        </p:nvCxnSpPr>
-        <p:spPr>
-          <a:xfrm>
-            <a:off x="7825099" y="1953877"/>
-            <a:ext cx="572564" cy="2292661"/>
-          </a:xfrm>
-          <a:prstGeom prst="bentConnector2">
-            <a:avLst/>
-          </a:prstGeom>
-          <a:ln w="38100">
-            <a:solidFill>
-              <a:srgbClr val="F16461"/>
-            </a:solidFill>
-            <a:tailEnd type="triangle"/>
-          </a:ln>
-        </p:spPr>
-        <p:style>
-          <a:lnRef idx="1">
-            <a:schemeClr val="accent1"/>
-          </a:lnRef>
-          <a:fillRef idx="0">
-            <a:schemeClr val="accent1"/>
-          </a:fillRef>
-          <a:effectRef idx="0">
-            <a:schemeClr val="accent1"/>
-          </a:effectRef>
-          <a:fontRef idx="minor">
-            <a:schemeClr val="tx1"/>
-          </a:fontRef>
-        </p:style>
-      </p:cxnSp>
-      <p:pic>
-        <p:nvPicPr>
-          <p:cNvPr id="43" name="그림 42">
-            <a:extLst>
-              <a:ext uri="{FF2B5EF4-FFF2-40B4-BE49-F238E27FC236}">
-                <a16:creationId xmlns:a16="http://schemas.microsoft.com/office/drawing/2014/main" id="{417AC2A2-1FF5-4E26-AD03-B6F854E0DB52}"/>
-              </a:ext>
-            </a:extLst>
-          </p:cNvPr>
-          <p:cNvPicPr>
-            <a:picLocks noChangeAspect="1"/>
-          </p:cNvPicPr>
-          <p:nvPr/>
-        </p:nvPicPr>
-        <p:blipFill>
-          <a:blip r:embed="rId6" cstate="print">
-            <a:extLst>
-              <a:ext uri="{28A0092B-C50C-407E-A947-70E740481C1C}">
-                <a14:useLocalDpi xmlns:a14="http://schemas.microsoft.com/office/drawing/2010/main" val="0"/>
-              </a:ext>
-            </a:extLst>
-          </a:blip>
-          <a:stretch>
-            <a:fillRect/>
-          </a:stretch>
-        </p:blipFill>
-        <p:spPr>
-          <a:xfrm>
-            <a:off x="8165533" y="1718068"/>
-            <a:ext cx="467102" cy="471616"/>
-          </a:xfrm>
-          <a:prstGeom prst="rect">
-            <a:avLst/>
-          </a:prstGeom>
-        </p:spPr>
-      </p:pic>
-      <p:cxnSp>
-        <p:nvCxnSpPr>
-          <p:cNvPr id="89" name="직선 연결선 88">
-            <a:extLst>
-              <a:ext uri="{FF2B5EF4-FFF2-40B4-BE49-F238E27FC236}">
-                <a16:creationId xmlns:a16="http://schemas.microsoft.com/office/drawing/2014/main" id="{652A94C8-2B61-4BA1-94E8-5F0C12796712}"/>
-              </a:ext>
-            </a:extLst>
-          </p:cNvPr>
-          <p:cNvCxnSpPr>
-            <a:cxnSpLocks/>
-            <a:stCxn id="53" idx="3"/>
-          </p:cNvCxnSpPr>
-          <p:nvPr/>
-        </p:nvCxnSpPr>
-        <p:spPr>
-          <a:xfrm>
-            <a:off x="7825099" y="2840128"/>
-            <a:ext cx="528196" cy="0"/>
-          </a:xfrm>
-          <a:prstGeom prst="line">
-            <a:avLst/>
-          </a:prstGeom>
-          <a:ln w="38100">
-            <a:solidFill>
-              <a:srgbClr val="F16461"/>
-            </a:solidFill>
-          </a:ln>
-        </p:spPr>
-        <p:style>
-          <a:lnRef idx="1">
-            <a:schemeClr val="accent1"/>
-          </a:lnRef>
-          <a:fillRef idx="0">
-            <a:schemeClr val="accent1"/>
-          </a:fillRef>
-          <a:effectRef idx="0">
-            <a:schemeClr val="accent1"/>
-          </a:effectRef>
-          <a:fontRef idx="minor">
-            <a:schemeClr val="tx1"/>
-          </a:fontRef>
-        </p:style>
-      </p:cxnSp>
-      <p:pic>
-        <p:nvPicPr>
-          <p:cNvPr id="42" name="그림 41">
-            <a:extLst>
-              <a:ext uri="{FF2B5EF4-FFF2-40B4-BE49-F238E27FC236}">
-                <a16:creationId xmlns:a16="http://schemas.microsoft.com/office/drawing/2014/main" id="{8BFC90A3-6E51-40FD-9F98-79F2C1703B35}"/>
-              </a:ext>
-            </a:extLst>
-          </p:cNvPr>
-          <p:cNvPicPr>
-            <a:picLocks noChangeAspect="1"/>
-          </p:cNvPicPr>
-          <p:nvPr/>
-        </p:nvPicPr>
-        <p:blipFill>
-          <a:blip r:embed="rId6" cstate="print">
-            <a:extLst>
-              <a:ext uri="{28A0092B-C50C-407E-A947-70E740481C1C}">
-                <a14:useLocalDpi xmlns:a14="http://schemas.microsoft.com/office/drawing/2010/main" val="0"/>
-              </a:ext>
-            </a:extLst>
-          </a:blip>
-          <a:stretch>
-            <a:fillRect/>
-          </a:stretch>
-        </p:blipFill>
-        <p:spPr>
-          <a:xfrm>
-            <a:off x="8162691" y="2602884"/>
-            <a:ext cx="469944" cy="474485"/>
-          </a:xfrm>
-          <a:prstGeom prst="rect">
-            <a:avLst/>
-          </a:prstGeom>
-        </p:spPr>
-      </p:pic>
-      <p:cxnSp>
-        <p:nvCxnSpPr>
-          <p:cNvPr id="95" name="연결선: 꺾임 94">
-            <a:extLst>
-              <a:ext uri="{FF2B5EF4-FFF2-40B4-BE49-F238E27FC236}">
-                <a16:creationId xmlns:a16="http://schemas.microsoft.com/office/drawing/2014/main" id="{50D9C62E-82DC-4771-AB12-647F09003343}"/>
-              </a:ext>
-            </a:extLst>
-          </p:cNvPr>
-          <p:cNvCxnSpPr>
-            <a:cxnSpLocks/>
-            <a:stCxn id="54" idx="1"/>
-            <a:endCxn id="41" idx="2"/>
-          </p:cNvCxnSpPr>
-          <p:nvPr/>
-        </p:nvCxnSpPr>
-        <p:spPr>
-          <a:xfrm rot="10800000">
-            <a:off x="5271295" y="2278541"/>
-            <a:ext cx="2378720" cy="2141917"/>
-          </a:xfrm>
-          <a:prstGeom prst="bentConnector2">
-            <a:avLst/>
-          </a:prstGeom>
-          <a:ln w="38100">
-            <a:solidFill>
-              <a:srgbClr val="F16461"/>
-            </a:solidFill>
-            <a:tailEnd type="triangle"/>
-          </a:ln>
-        </p:spPr>
-        <p:style>
-          <a:lnRef idx="1">
-            <a:schemeClr val="accent1"/>
-          </a:lnRef>
-          <a:fillRef idx="0">
-            <a:schemeClr val="accent1"/>
-          </a:fillRef>
-          <a:effectRef idx="0">
-            <a:schemeClr val="accent1"/>
-          </a:effectRef>
-          <a:fontRef idx="minor">
-            <a:schemeClr val="tx1"/>
-          </a:fontRef>
-        </p:style>
-      </p:cxnSp>
-      <p:pic>
-        <p:nvPicPr>
-          <p:cNvPr id="44" name="그림 43">
-            <a:extLst>
-              <a:ext uri="{FF2B5EF4-FFF2-40B4-BE49-F238E27FC236}">
-                <a16:creationId xmlns:a16="http://schemas.microsoft.com/office/drawing/2014/main" id="{152571FD-5EAC-4DF0-AFD7-20B01039FB81}"/>
-              </a:ext>
-            </a:extLst>
-          </p:cNvPr>
-          <p:cNvPicPr>
-            <a:picLocks noChangeAspect="1"/>
-          </p:cNvPicPr>
-          <p:nvPr/>
-        </p:nvPicPr>
-        <p:blipFill>
-          <a:blip r:embed="rId7" cstate="print">
-            <a:extLst>
-              <a:ext uri="{28A0092B-C50C-407E-A947-70E740481C1C}">
-                <a14:useLocalDpi xmlns:a14="http://schemas.microsoft.com/office/drawing/2010/main" val="0"/>
-              </a:ext>
-            </a:extLst>
-          </a:blip>
-          <a:stretch>
-            <a:fillRect/>
-          </a:stretch>
-        </p:blipFill>
-        <p:spPr>
-          <a:xfrm>
-            <a:off x="6309693" y="4183215"/>
-            <a:ext cx="469943" cy="474485"/>
-          </a:xfrm>
-          <a:prstGeom prst="rect">
-            <a:avLst/>
-          </a:prstGeom>
-        </p:spPr>
-      </p:pic>
-      <p:sp>
-        <p:nvSpPr>
-          <p:cNvPr id="103" name="직사각형 102">
-            <a:extLst>
-              <a:ext uri="{FF2B5EF4-FFF2-40B4-BE49-F238E27FC236}">
-                <a16:creationId xmlns:a16="http://schemas.microsoft.com/office/drawing/2014/main" id="{E310E447-7A96-4220-846A-59DBF4CEE540}"/>
+                <a16:creationId xmlns:a16="http://schemas.microsoft.com/office/drawing/2014/main" id="{9C55AA23-A468-4BA6-9E8F-99C4B408C512}"/>
               </a:ext>
             </a:extLst>
           </p:cNvPr>
@@ -26460,7 +26204,7 @@
     </p:spTree>
     <p:extLst>
       <p:ext uri="{BB962C8B-B14F-4D97-AF65-F5344CB8AC3E}">
-        <p14:creationId xmlns:p14="http://schemas.microsoft.com/office/powerpoint/2010/main" val="1645657423"/>
+        <p14:creationId xmlns:p14="http://schemas.microsoft.com/office/powerpoint/2010/main" val="2642028484"/>
       </p:ext>
     </p:extLst>
   </p:cSld>
@@ -33711,10 +33455,10 @@
       </p:grpSpPr>
       <p:sp>
         <p:nvSpPr>
-          <p:cNvPr id="30" name="직사각형 29">
+          <p:cNvPr id="104" name="직사각형 103">
             <a:extLst>
               <a:ext uri="{FF2B5EF4-FFF2-40B4-BE49-F238E27FC236}">
-                <a16:creationId xmlns:a16="http://schemas.microsoft.com/office/drawing/2014/main" id="{9F339B8F-6A2D-432B-806F-3C9E5D4BBAF3}"/>
+                <a16:creationId xmlns:a16="http://schemas.microsoft.com/office/drawing/2014/main" id="{4105E275-FFB6-4D51-B381-9E915A079912}"/>
               </a:ext>
             </a:extLst>
           </p:cNvPr>
@@ -33988,266 +33732,12 @@
           </a:p>
         </p:txBody>
       </p:sp>
-      <p:sp>
-        <p:nvSpPr>
-          <p:cNvPr id="20" name="타원 19">
-            <a:extLst>
-              <a:ext uri="{FF2B5EF4-FFF2-40B4-BE49-F238E27FC236}">
-                <a16:creationId xmlns:a16="http://schemas.microsoft.com/office/drawing/2014/main" id="{A5456FC4-AD8D-480C-AE37-065E6632F6D3}"/>
-              </a:ext>
-            </a:extLst>
-          </p:cNvPr>
-          <p:cNvSpPr/>
-          <p:nvPr/>
-        </p:nvSpPr>
-        <p:spPr>
-          <a:xfrm>
-            <a:off x="3419872" y="1777380"/>
-            <a:ext cx="2304256" cy="2232248"/>
-          </a:xfrm>
-          <a:prstGeom prst="ellipse">
-            <a:avLst/>
-          </a:prstGeom>
-          <a:solidFill>
-            <a:schemeClr val="bg1"/>
-          </a:solidFill>
-          <a:ln w="76200">
-            <a:solidFill>
-              <a:srgbClr val="FAC11E"/>
-            </a:solidFill>
-          </a:ln>
-        </p:spPr>
-        <p:style>
-          <a:lnRef idx="2">
-            <a:schemeClr val="accent1">
-              <a:shade val="50000"/>
-            </a:schemeClr>
-          </a:lnRef>
-          <a:fillRef idx="1">
-            <a:schemeClr val="accent1"/>
-          </a:fillRef>
-          <a:effectRef idx="0">
-            <a:schemeClr val="accent1"/>
-          </a:effectRef>
-          <a:fontRef idx="minor">
-            <a:schemeClr val="lt1"/>
-          </a:fontRef>
-        </p:style>
-        <p:txBody>
-          <a:bodyPr rtlCol="0" anchor="ctr"/>
-          <a:lstStyle/>
-          <a:p>
-            <a:pPr algn="just"/>
-            <a:endParaRPr lang="ko-KR" altLang="en-US" dirty="0"/>
-          </a:p>
-        </p:txBody>
-      </p:sp>
-      <p:sp>
-        <p:nvSpPr>
-          <p:cNvPr id="21" name="타원 20">
-            <a:extLst>
-              <a:ext uri="{FF2B5EF4-FFF2-40B4-BE49-F238E27FC236}">
-                <a16:creationId xmlns:a16="http://schemas.microsoft.com/office/drawing/2014/main" id="{5587B60E-FED1-4FEB-AF2D-98E74784F3FB}"/>
-              </a:ext>
-            </a:extLst>
-          </p:cNvPr>
-          <p:cNvSpPr/>
-          <p:nvPr/>
-        </p:nvSpPr>
-        <p:spPr>
-          <a:xfrm>
-            <a:off x="6300192" y="1777380"/>
-            <a:ext cx="2304256" cy="2232248"/>
-          </a:xfrm>
-          <a:prstGeom prst="ellipse">
-            <a:avLst/>
-          </a:prstGeom>
-          <a:solidFill>
-            <a:schemeClr val="bg1"/>
-          </a:solidFill>
-          <a:ln w="76200">
-            <a:solidFill>
-              <a:srgbClr val="0DA2B6"/>
-            </a:solidFill>
-          </a:ln>
-        </p:spPr>
-        <p:style>
-          <a:lnRef idx="2">
-            <a:schemeClr val="accent1">
-              <a:shade val="50000"/>
-            </a:schemeClr>
-          </a:lnRef>
-          <a:fillRef idx="1">
-            <a:schemeClr val="accent1"/>
-          </a:fillRef>
-          <a:effectRef idx="0">
-            <a:schemeClr val="accent1"/>
-          </a:effectRef>
-          <a:fontRef idx="minor">
-            <a:schemeClr val="lt1"/>
-          </a:fontRef>
-        </p:style>
-        <p:txBody>
-          <a:bodyPr rtlCol="0" anchor="ctr"/>
-          <a:lstStyle/>
-          <a:p>
-            <a:pPr algn="just"/>
-            <a:endParaRPr lang="ko-KR" altLang="en-US" dirty="0"/>
-          </a:p>
-        </p:txBody>
-      </p:sp>
       <p:pic>
         <p:nvPicPr>
-          <p:cNvPr id="1026" name="Picture 2" descr="ê´ë ¨ ì´ë¯¸ì§">
+          <p:cNvPr id="39" name="그림 38">
             <a:extLst>
               <a:ext uri="{FF2B5EF4-FFF2-40B4-BE49-F238E27FC236}">
-                <a16:creationId xmlns:a16="http://schemas.microsoft.com/office/drawing/2014/main" id="{8073022D-EE4F-4F36-904A-2C14BC6F862C}"/>
-              </a:ext>
-            </a:extLst>
-          </p:cNvPr>
-          <p:cNvPicPr>
-            <a:picLocks noChangeAspect="1" noChangeArrowheads="1"/>
-          </p:cNvPicPr>
-          <p:nvPr/>
-        </p:nvPicPr>
-        <p:blipFill rotWithShape="1">
-          <a:blip r:embed="rId3">
-            <a:extLst>
-              <a:ext uri="{28A0092B-C50C-407E-A947-70E740481C1C}">
-                <a14:useLocalDpi xmlns:a14="http://schemas.microsoft.com/office/drawing/2010/main" val="0"/>
-              </a:ext>
-            </a:extLst>
-          </a:blip>
-          <a:srcRect b="13489"/>
-          <a:stretch/>
-        </p:blipFill>
-        <p:spPr bwMode="auto">
-          <a:xfrm>
-            <a:off x="6657999" y="1993404"/>
-            <a:ext cx="1588641" cy="1612567"/>
-          </a:xfrm>
-          <a:prstGeom prst="rect">
-            <a:avLst/>
-          </a:prstGeom>
-          <a:noFill/>
-          <a:extLst>
-            <a:ext uri="{909E8E84-426E-40DD-AFC4-6F175D3DCCD1}">
-              <a14:hiddenFill xmlns:a14="http://schemas.microsoft.com/office/drawing/2010/main">
-                <a:solidFill>
-                  <a:srgbClr val="FFFFFF"/>
-                </a:solidFill>
-              </a14:hiddenFill>
-            </a:ext>
-          </a:extLst>
-        </p:spPr>
-      </p:pic>
-      <p:pic>
-        <p:nvPicPr>
-          <p:cNvPr id="11" name="Picture 2" descr="ì´ë¯¸ì§ ê²ìê²°ê³¼">
-            <a:extLst>
-              <a:ext uri="{FF2B5EF4-FFF2-40B4-BE49-F238E27FC236}">
-                <a16:creationId xmlns:a16="http://schemas.microsoft.com/office/drawing/2014/main" id="{C321AB5B-A2FF-459A-8AB1-4F138221E80F}"/>
-              </a:ext>
-            </a:extLst>
-          </p:cNvPr>
-          <p:cNvPicPr>
-            <a:picLocks noChangeAspect="1" noChangeArrowheads="1"/>
-          </p:cNvPicPr>
-          <p:nvPr/>
-        </p:nvPicPr>
-        <p:blipFill>
-          <a:blip r:embed="rId4" cstate="print">
-            <a:extLst>
-              <a:ext uri="{28A0092B-C50C-407E-A947-70E740481C1C}">
-                <a14:useLocalDpi xmlns:a14="http://schemas.microsoft.com/office/drawing/2010/main" val="0"/>
-              </a:ext>
-            </a:extLst>
-          </a:blip>
-          <a:srcRect/>
-          <a:stretch>
-            <a:fillRect/>
-          </a:stretch>
-        </p:blipFill>
-        <p:spPr bwMode="auto">
-          <a:xfrm>
-            <a:off x="3546564" y="2668925"/>
-            <a:ext cx="2050871" cy="449158"/>
-          </a:xfrm>
-          <a:prstGeom prst="rect">
-            <a:avLst/>
-          </a:prstGeom>
-          <a:noFill/>
-          <a:extLst>
-            <a:ext uri="{909E8E84-426E-40DD-AFC4-6F175D3DCCD1}">
-              <a14:hiddenFill xmlns:a14="http://schemas.microsoft.com/office/drawing/2010/main">
-                <a:solidFill>
-                  <a:srgbClr val="FFFFFF"/>
-                </a:solidFill>
-              </a14:hiddenFill>
-            </a:ext>
-          </a:extLst>
-        </p:spPr>
-      </p:pic>
-      <p:sp>
-        <p:nvSpPr>
-          <p:cNvPr id="2" name="타원 1">
-            <a:extLst>
-              <a:ext uri="{FF2B5EF4-FFF2-40B4-BE49-F238E27FC236}">
-                <a16:creationId xmlns:a16="http://schemas.microsoft.com/office/drawing/2014/main" id="{B16703AA-E986-4274-927A-4A1F20465F64}"/>
-              </a:ext>
-            </a:extLst>
-          </p:cNvPr>
-          <p:cNvSpPr/>
-          <p:nvPr/>
-        </p:nvSpPr>
-        <p:spPr>
-          <a:xfrm>
-            <a:off x="539552" y="1777380"/>
-            <a:ext cx="2304256" cy="2232248"/>
-          </a:xfrm>
-          <a:prstGeom prst="ellipse">
-            <a:avLst/>
-          </a:prstGeom>
-          <a:solidFill>
-            <a:schemeClr val="bg1"/>
-          </a:solidFill>
-          <a:ln w="76200">
-            <a:solidFill>
-              <a:srgbClr val="F16461"/>
-            </a:solidFill>
-          </a:ln>
-        </p:spPr>
-        <p:style>
-          <a:lnRef idx="2">
-            <a:schemeClr val="accent1">
-              <a:shade val="50000"/>
-            </a:schemeClr>
-          </a:lnRef>
-          <a:fillRef idx="1">
-            <a:schemeClr val="accent1"/>
-          </a:fillRef>
-          <a:effectRef idx="0">
-            <a:schemeClr val="accent1"/>
-          </a:effectRef>
-          <a:fontRef idx="minor">
-            <a:schemeClr val="lt1"/>
-          </a:fontRef>
-        </p:style>
-        <p:txBody>
-          <a:bodyPr rtlCol="0" anchor="ctr"/>
-          <a:lstStyle/>
-          <a:p>
-            <a:pPr algn="just"/>
-            <a:endParaRPr lang="ko-KR" altLang="en-US" dirty="0"/>
-          </a:p>
-        </p:txBody>
-      </p:sp>
-      <p:pic>
-        <p:nvPicPr>
-          <p:cNvPr id="4" name="그림 3">
-            <a:extLst>
-              <a:ext uri="{FF2B5EF4-FFF2-40B4-BE49-F238E27FC236}">
-                <a16:creationId xmlns:a16="http://schemas.microsoft.com/office/drawing/2014/main" id="{2C7FF65D-0B18-454E-BAD3-B29E31BFC22C}"/>
+                <a16:creationId xmlns:a16="http://schemas.microsoft.com/office/drawing/2014/main" id="{057B2505-E4D8-401F-B407-D176FAB67235}"/>
               </a:ext>
             </a:extLst>
           </p:cNvPr>
@@ -34257,7 +33747,7 @@
           <p:nvPr/>
         </p:nvPicPr>
         <p:blipFill>
-          <a:blip r:embed="rId5" cstate="print">
+          <a:blip r:embed="rId3" cstate="print">
             <a:extLst>
               <a:ext uri="{28A0092B-C50C-407E-A947-70E740481C1C}">
                 <a14:useLocalDpi xmlns:a14="http://schemas.microsoft.com/office/drawing/2010/main" val="0"/>
@@ -34270,8 +33760,8 @@
         </p:blipFill>
         <p:spPr>
           <a:xfrm>
-            <a:off x="1402685" y="1993404"/>
-            <a:ext cx="628877" cy="785671"/>
+            <a:off x="315163" y="2990415"/>
+            <a:ext cx="885200" cy="885200"/>
           </a:xfrm>
           <a:prstGeom prst="rect">
             <a:avLst/>
@@ -34280,10 +33770,10 @@
       </p:pic>
       <p:pic>
         <p:nvPicPr>
-          <p:cNvPr id="14" name="그림 13">
+          <p:cNvPr id="40" name="그림 39">
             <a:extLst>
               <a:ext uri="{FF2B5EF4-FFF2-40B4-BE49-F238E27FC236}">
-                <a16:creationId xmlns:a16="http://schemas.microsoft.com/office/drawing/2014/main" id="{5EEBA61A-3211-45DC-9B86-C088113E6350}"/>
+                <a16:creationId xmlns:a16="http://schemas.microsoft.com/office/drawing/2014/main" id="{1BBF8227-2075-4B33-8643-B61008A5029C}"/>
               </a:ext>
             </a:extLst>
           </p:cNvPr>
@@ -34293,7 +33783,7 @@
           <p:nvPr/>
         </p:nvPicPr>
         <p:blipFill>
-          <a:blip r:embed="rId6" cstate="print">
+          <a:blip r:embed="rId4" cstate="print">
             <a:extLst>
               <a:ext uri="{28A0092B-C50C-407E-A947-70E740481C1C}">
                 <a14:useLocalDpi xmlns:a14="http://schemas.microsoft.com/office/drawing/2010/main" val="0"/>
@@ -34306,8 +33796,8 @@
         </p:blipFill>
         <p:spPr>
           <a:xfrm>
-            <a:off x="935583" y="3130514"/>
-            <a:ext cx="467102" cy="471616"/>
+            <a:off x="1992452" y="1461416"/>
+            <a:ext cx="1325700" cy="984924"/>
           </a:xfrm>
           <a:prstGeom prst="rect">
             <a:avLst/>
@@ -34316,10 +33806,10 @@
       </p:pic>
       <p:pic>
         <p:nvPicPr>
-          <p:cNvPr id="15" name="그림 14">
+          <p:cNvPr id="41" name="그림 40">
             <a:extLst>
               <a:ext uri="{FF2B5EF4-FFF2-40B4-BE49-F238E27FC236}">
-                <a16:creationId xmlns:a16="http://schemas.microsoft.com/office/drawing/2014/main" id="{627934CE-A9A6-40EE-872D-6A0E61AC5563}"/>
+                <a16:creationId xmlns:a16="http://schemas.microsoft.com/office/drawing/2014/main" id="{AC9326C8-8E18-4D46-B75B-390D3C54D989}"/>
               </a:ext>
             </a:extLst>
           </p:cNvPr>
@@ -34329,7 +33819,7 @@
           <p:nvPr/>
         </p:nvPicPr>
         <p:blipFill>
-          <a:blip r:embed="rId6" cstate="print">
+          <a:blip r:embed="rId5" cstate="print">
             <a:extLst>
               <a:ext uri="{28A0092B-C50C-407E-A947-70E740481C1C}">
                 <a14:useLocalDpi xmlns:a14="http://schemas.microsoft.com/office/drawing/2010/main" val="0"/>
@@ -34342,44 +33832,8 @@
         </p:blipFill>
         <p:spPr>
           <a:xfrm>
-            <a:off x="1475915" y="3130514"/>
-            <a:ext cx="467102" cy="471616"/>
-          </a:xfrm>
-          <a:prstGeom prst="rect">
-            <a:avLst/>
-          </a:prstGeom>
-        </p:spPr>
-      </p:pic>
-      <p:pic>
-        <p:nvPicPr>
-          <p:cNvPr id="16" name="그림 15">
-            <a:extLst>
-              <a:ext uri="{FF2B5EF4-FFF2-40B4-BE49-F238E27FC236}">
-                <a16:creationId xmlns:a16="http://schemas.microsoft.com/office/drawing/2014/main" id="{9172EBEA-4421-4776-91D4-9E2DD2F10779}"/>
-              </a:ext>
-            </a:extLst>
-          </p:cNvPr>
-          <p:cNvPicPr>
-            <a:picLocks noChangeAspect="1"/>
-          </p:cNvPicPr>
-          <p:nvPr/>
-        </p:nvPicPr>
-        <p:blipFill>
-          <a:blip r:embed="rId6" cstate="print">
-            <a:extLst>
-              <a:ext uri="{28A0092B-C50C-407E-A947-70E740481C1C}">
-                <a14:useLocalDpi xmlns:a14="http://schemas.microsoft.com/office/drawing/2010/main" val="0"/>
-              </a:ext>
-            </a:extLst>
-          </a:blip>
-          <a:stretch>
-            <a:fillRect/>
-          </a:stretch>
-        </p:blipFill>
-        <p:spPr>
-          <a:xfrm>
-            <a:off x="2016247" y="3128021"/>
-            <a:ext cx="467102" cy="471616"/>
+            <a:off x="4949739" y="1629216"/>
+            <a:ext cx="643111" cy="649324"/>
           </a:xfrm>
           <a:prstGeom prst="rect">
             <a:avLst/>
@@ -34388,32 +33842,33 @@
       </p:pic>
       <p:cxnSp>
         <p:nvCxnSpPr>
-          <p:cNvPr id="7" name="직선 화살표 연결선 6">
+          <p:cNvPr id="7" name="연결선: 꺾임 6">
             <a:extLst>
               <a:ext uri="{FF2B5EF4-FFF2-40B4-BE49-F238E27FC236}">
-                <a16:creationId xmlns:a16="http://schemas.microsoft.com/office/drawing/2014/main" id="{0DC66472-B482-49F5-804C-486E0A9EDC18}"/>
+                <a16:creationId xmlns:a16="http://schemas.microsoft.com/office/drawing/2014/main" id="{E07835CE-9028-4124-99EB-AFCF80F8D885}"/>
               </a:ext>
             </a:extLst>
           </p:cNvPr>
           <p:cNvCxnSpPr>
             <a:cxnSpLocks/>
-            <a:stCxn id="4" idx="2"/>
-            <a:endCxn id="14" idx="0"/>
+            <a:stCxn id="39" idx="3"/>
+            <a:endCxn id="40" idx="1"/>
           </p:cNvCxnSpPr>
           <p:nvPr/>
         </p:nvCxnSpPr>
         <p:spPr>
-          <a:xfrm flipH="1">
-            <a:off x="1169134" y="2779075"/>
-            <a:ext cx="547990" cy="351439"/>
-          </a:xfrm>
-          <a:prstGeom prst="straightConnector1">
-            <a:avLst/>
-          </a:prstGeom>
-          <a:ln w="19050">
+          <a:xfrm flipV="1">
+            <a:off x="1200363" y="1953878"/>
+            <a:ext cx="792089" cy="1479137"/>
+          </a:xfrm>
+          <a:prstGeom prst="bentConnector3">
+            <a:avLst/>
+          </a:prstGeom>
+          <a:ln w="38100">
             <a:solidFill>
               <a:srgbClr val="0DA2B6"/>
             </a:solidFill>
+            <a:headEnd type="triangle"/>
             <a:tailEnd type="triangle"/>
           </a:ln>
         </p:spPr>
@@ -34434,30 +33889,336 @@
       </p:cxnSp>
       <p:cxnSp>
         <p:nvCxnSpPr>
-          <p:cNvPr id="23" name="직선 화살표 연결선 22">
+          <p:cNvPr id="48" name="직선 화살표 연결선 47">
             <a:extLst>
               <a:ext uri="{FF2B5EF4-FFF2-40B4-BE49-F238E27FC236}">
-                <a16:creationId xmlns:a16="http://schemas.microsoft.com/office/drawing/2014/main" id="{ACC661DC-6F15-4D11-92E0-4795A4E90FC0}"/>
+                <a16:creationId xmlns:a16="http://schemas.microsoft.com/office/drawing/2014/main" id="{1C316F03-2A1F-4805-8C90-3CF97CB71D97}"/>
               </a:ext>
             </a:extLst>
           </p:cNvPr>
           <p:cNvCxnSpPr>
             <a:cxnSpLocks/>
-            <a:endCxn id="15" idx="0"/>
+            <a:stCxn id="40" idx="3"/>
+            <a:endCxn id="41" idx="1"/>
           </p:cNvCxnSpPr>
           <p:nvPr/>
         </p:nvCxnSpPr>
         <p:spPr>
           <a:xfrm>
-            <a:off x="1709466" y="2777829"/>
-            <a:ext cx="0" cy="352685"/>
+            <a:off x="3318152" y="1953878"/>
+            <a:ext cx="1631587" cy="0"/>
           </a:xfrm>
           <a:prstGeom prst="straightConnector1">
             <a:avLst/>
           </a:prstGeom>
-          <a:ln w="19050">
+          <a:ln w="38100">
             <a:solidFill>
-              <a:srgbClr val="0DA2B6"/>
+              <a:srgbClr val="FAC11E"/>
+            </a:solidFill>
+            <a:headEnd type="triangle"/>
+            <a:tailEnd type="triangle"/>
+          </a:ln>
+        </p:spPr>
+        <p:style>
+          <a:lnRef idx="1">
+            <a:schemeClr val="accent1"/>
+          </a:lnRef>
+          <a:fillRef idx="0">
+            <a:schemeClr val="accent1"/>
+          </a:fillRef>
+          <a:effectRef idx="0">
+            <a:schemeClr val="accent1"/>
+          </a:effectRef>
+          <a:fontRef idx="minor">
+            <a:schemeClr val="tx1"/>
+          </a:fontRef>
+        </p:style>
+      </p:cxnSp>
+      <p:sp>
+        <p:nvSpPr>
+          <p:cNvPr id="52" name="직사각형 51">
+            <a:extLst>
+              <a:ext uri="{FF2B5EF4-FFF2-40B4-BE49-F238E27FC236}">
+                <a16:creationId xmlns:a16="http://schemas.microsoft.com/office/drawing/2014/main" id="{7EBEECDD-1F88-41AE-A62E-E146E383E611}"/>
+              </a:ext>
+            </a:extLst>
+          </p:cNvPr>
+          <p:cNvSpPr/>
+          <p:nvPr/>
+        </p:nvSpPr>
+        <p:spPr>
+          <a:xfrm>
+            <a:off x="6662998" y="1779958"/>
+            <a:ext cx="1162101" cy="347837"/>
+          </a:xfrm>
+          <a:prstGeom prst="rect">
+            <a:avLst/>
+          </a:prstGeom>
+          <a:solidFill>
+            <a:schemeClr val="bg1"/>
+          </a:solidFill>
+          <a:ln w="38100">
+            <a:solidFill>
+              <a:srgbClr val="F16461"/>
+            </a:solidFill>
+          </a:ln>
+        </p:spPr>
+        <p:style>
+          <a:lnRef idx="2">
+            <a:schemeClr val="accent1">
+              <a:shade val="50000"/>
+            </a:schemeClr>
+          </a:lnRef>
+          <a:fillRef idx="1">
+            <a:schemeClr val="accent1"/>
+          </a:fillRef>
+          <a:effectRef idx="0">
+            <a:schemeClr val="accent1"/>
+          </a:effectRef>
+          <a:fontRef idx="minor">
+            <a:schemeClr val="lt1"/>
+          </a:fontRef>
+        </p:style>
+        <p:txBody>
+          <a:bodyPr rtlCol="0" anchor="ctr"/>
+          <a:lstStyle/>
+          <a:p>
+            <a:pPr algn="ctr"/>
+            <a:r>
+              <a:rPr lang="ko-KR" altLang="en-US" dirty="0">
+                <a:solidFill>
+                  <a:srgbClr val="F16461"/>
+                </a:solidFill>
+                <a:latin typeface="나눔고딕 ExtraBold" panose="020D0904000000000000" pitchFamily="50" charset="-127"/>
+                <a:ea typeface="나눔고딕 ExtraBold" panose="020D0904000000000000" pitchFamily="50" charset="-127"/>
+              </a:rPr>
+              <a:t>정적 분석</a:t>
+            </a:r>
+          </a:p>
+        </p:txBody>
+      </p:sp>
+      <p:sp>
+        <p:nvSpPr>
+          <p:cNvPr id="53" name="직사각형 52">
+            <a:extLst>
+              <a:ext uri="{FF2B5EF4-FFF2-40B4-BE49-F238E27FC236}">
+                <a16:creationId xmlns:a16="http://schemas.microsoft.com/office/drawing/2014/main" id="{9D92761D-3AFD-4E03-AC53-2391D46DC808}"/>
+              </a:ext>
+            </a:extLst>
+          </p:cNvPr>
+          <p:cNvSpPr/>
+          <p:nvPr/>
+        </p:nvSpPr>
+        <p:spPr>
+          <a:xfrm>
+            <a:off x="6662998" y="2666209"/>
+            <a:ext cx="1162101" cy="347837"/>
+          </a:xfrm>
+          <a:prstGeom prst="rect">
+            <a:avLst/>
+          </a:prstGeom>
+          <a:solidFill>
+            <a:schemeClr val="bg1"/>
+          </a:solidFill>
+          <a:ln w="38100">
+            <a:solidFill>
+              <a:srgbClr val="F16461"/>
+            </a:solidFill>
+          </a:ln>
+        </p:spPr>
+        <p:style>
+          <a:lnRef idx="2">
+            <a:schemeClr val="accent1">
+              <a:shade val="50000"/>
+            </a:schemeClr>
+          </a:lnRef>
+          <a:fillRef idx="1">
+            <a:schemeClr val="accent1"/>
+          </a:fillRef>
+          <a:effectRef idx="0">
+            <a:schemeClr val="accent1"/>
+          </a:effectRef>
+          <a:fontRef idx="minor">
+            <a:schemeClr val="lt1"/>
+          </a:fontRef>
+        </p:style>
+        <p:txBody>
+          <a:bodyPr rtlCol="0" anchor="ctr"/>
+          <a:lstStyle/>
+          <a:p>
+            <a:pPr algn="ctr"/>
+            <a:r>
+              <a:rPr lang="ko-KR" altLang="en-US" dirty="0">
+                <a:solidFill>
+                  <a:srgbClr val="F16461"/>
+                </a:solidFill>
+                <a:latin typeface="나눔고딕 ExtraBold" panose="020D0904000000000000" pitchFamily="50" charset="-127"/>
+                <a:ea typeface="나눔고딕 ExtraBold" panose="020D0904000000000000" pitchFamily="50" charset="-127"/>
+              </a:rPr>
+              <a:t>동적 분석</a:t>
+            </a:r>
+          </a:p>
+        </p:txBody>
+      </p:sp>
+      <p:sp>
+        <p:nvSpPr>
+          <p:cNvPr id="54" name="직사각형 53">
+            <a:extLst>
+              <a:ext uri="{FF2B5EF4-FFF2-40B4-BE49-F238E27FC236}">
+                <a16:creationId xmlns:a16="http://schemas.microsoft.com/office/drawing/2014/main" id="{6B53F2DB-E53B-4C65-926C-E02C108FF91F}"/>
+              </a:ext>
+            </a:extLst>
+          </p:cNvPr>
+          <p:cNvSpPr/>
+          <p:nvPr/>
+        </p:nvSpPr>
+        <p:spPr>
+          <a:xfrm>
+            <a:off x="7650015" y="4246538"/>
+            <a:ext cx="1162101" cy="347837"/>
+          </a:xfrm>
+          <a:prstGeom prst="rect">
+            <a:avLst/>
+          </a:prstGeom>
+          <a:solidFill>
+            <a:schemeClr val="bg1"/>
+          </a:solidFill>
+          <a:ln w="38100">
+            <a:solidFill>
+              <a:srgbClr val="F16461"/>
+            </a:solidFill>
+          </a:ln>
+        </p:spPr>
+        <p:style>
+          <a:lnRef idx="2">
+            <a:schemeClr val="accent1">
+              <a:shade val="50000"/>
+            </a:schemeClr>
+          </a:lnRef>
+          <a:fillRef idx="1">
+            <a:schemeClr val="accent1"/>
+          </a:fillRef>
+          <a:effectRef idx="0">
+            <a:schemeClr val="accent1"/>
+          </a:effectRef>
+          <a:fontRef idx="minor">
+            <a:schemeClr val="lt1"/>
+          </a:fontRef>
+        </p:style>
+        <p:txBody>
+          <a:bodyPr rtlCol="0" anchor="ctr"/>
+          <a:lstStyle/>
+          <a:p>
+            <a:pPr algn="ctr"/>
+            <a:r>
+              <a:rPr lang="ko-KR" altLang="en-US" dirty="0">
+                <a:solidFill>
+                  <a:srgbClr val="F16461"/>
+                </a:solidFill>
+                <a:latin typeface="나눔고딕 ExtraBold" panose="020D0904000000000000" pitchFamily="50" charset="-127"/>
+                <a:ea typeface="나눔고딕 ExtraBold" panose="020D0904000000000000" pitchFamily="50" charset="-127"/>
+              </a:rPr>
+              <a:t>딥 러닝</a:t>
+            </a:r>
+          </a:p>
+        </p:txBody>
+      </p:sp>
+      <p:sp>
+        <p:nvSpPr>
+          <p:cNvPr id="62" name="직사각형 61">
+            <a:extLst>
+              <a:ext uri="{FF2B5EF4-FFF2-40B4-BE49-F238E27FC236}">
+                <a16:creationId xmlns:a16="http://schemas.microsoft.com/office/drawing/2014/main" id="{00630605-1151-4370-8919-73F3164FFCC9}"/>
+              </a:ext>
+            </a:extLst>
+          </p:cNvPr>
+          <p:cNvSpPr/>
+          <p:nvPr/>
+        </p:nvSpPr>
+        <p:spPr>
+          <a:xfrm>
+            <a:off x="3552734" y="1779959"/>
+            <a:ext cx="1162101" cy="347837"/>
+          </a:xfrm>
+          <a:prstGeom prst="rect">
+            <a:avLst/>
+          </a:prstGeom>
+          <a:solidFill>
+            <a:schemeClr val="bg1"/>
+          </a:solidFill>
+          <a:ln w="38100">
+            <a:solidFill>
+              <a:srgbClr val="FAC11E"/>
+            </a:solidFill>
+          </a:ln>
+        </p:spPr>
+        <p:style>
+          <a:lnRef idx="2">
+            <a:schemeClr val="accent1">
+              <a:shade val="50000"/>
+            </a:schemeClr>
+          </a:lnRef>
+          <a:fillRef idx="1">
+            <a:schemeClr val="accent1"/>
+          </a:fillRef>
+          <a:effectRef idx="0">
+            <a:schemeClr val="accent1"/>
+          </a:effectRef>
+          <a:fontRef idx="minor">
+            <a:schemeClr val="lt1"/>
+          </a:fontRef>
+        </p:style>
+        <p:txBody>
+          <a:bodyPr rtlCol="0" anchor="ctr"/>
+          <a:lstStyle/>
+          <a:p>
+            <a:pPr algn="ctr"/>
+            <a:r>
+              <a:rPr lang="ko-KR" altLang="en-US" dirty="0" err="1">
+                <a:solidFill>
+                  <a:srgbClr val="FAC11E"/>
+                </a:solidFill>
+                <a:latin typeface="나눔고딕 ExtraBold" panose="020D0904000000000000" pitchFamily="50" charset="-127"/>
+                <a:ea typeface="나눔고딕 ExtraBold" panose="020D0904000000000000" pitchFamily="50" charset="-127"/>
+              </a:rPr>
+              <a:t>라벨링</a:t>
+            </a:r>
+            <a:endParaRPr lang="ko-KR" altLang="en-US" dirty="0">
+              <a:solidFill>
+                <a:srgbClr val="FAC11E"/>
+              </a:solidFill>
+              <a:latin typeface="나눔고딕 ExtraBold" panose="020D0904000000000000" pitchFamily="50" charset="-127"/>
+              <a:ea typeface="나눔고딕 ExtraBold" panose="020D0904000000000000" pitchFamily="50" charset="-127"/>
+            </a:endParaRPr>
+          </a:p>
+        </p:txBody>
+      </p:sp>
+      <p:cxnSp>
+        <p:nvCxnSpPr>
+          <p:cNvPr id="78" name="직선 화살표 연결선 77">
+            <a:extLst>
+              <a:ext uri="{FF2B5EF4-FFF2-40B4-BE49-F238E27FC236}">
+                <a16:creationId xmlns:a16="http://schemas.microsoft.com/office/drawing/2014/main" id="{F6B9006C-4410-49B2-8965-B350B66343F4}"/>
+              </a:ext>
+            </a:extLst>
+          </p:cNvPr>
+          <p:cNvCxnSpPr>
+            <a:stCxn id="41" idx="3"/>
+            <a:endCxn id="52" idx="1"/>
+          </p:cNvCxnSpPr>
+          <p:nvPr/>
+        </p:nvCxnSpPr>
+        <p:spPr>
+          <a:xfrm flipV="1">
+            <a:off x="5592850" y="1953877"/>
+            <a:ext cx="1070148" cy="1"/>
+          </a:xfrm>
+          <a:prstGeom prst="straightConnector1">
+            <a:avLst/>
+          </a:prstGeom>
+          <a:ln w="38100">
+            <a:solidFill>
+              <a:srgbClr val="F16461"/>
             </a:solidFill>
             <a:tailEnd type="triangle"/>
           </a:ln>
@@ -34479,30 +34240,30 @@
       </p:cxnSp>
       <p:cxnSp>
         <p:nvCxnSpPr>
-          <p:cNvPr id="26" name="직선 화살표 연결선 25">
+          <p:cNvPr id="81" name="연결선: 꺾임 80">
             <a:extLst>
               <a:ext uri="{FF2B5EF4-FFF2-40B4-BE49-F238E27FC236}">
-                <a16:creationId xmlns:a16="http://schemas.microsoft.com/office/drawing/2014/main" id="{3AC07202-9CF7-4B3C-8BFF-F9B39EDD75F1}"/>
+                <a16:creationId xmlns:a16="http://schemas.microsoft.com/office/drawing/2014/main" id="{E7F405FA-855E-459C-ABF7-186F80CB0A20}"/>
               </a:ext>
             </a:extLst>
           </p:cNvPr>
           <p:cNvCxnSpPr>
-            <a:stCxn id="4" idx="2"/>
-            <a:endCxn id="16" idx="0"/>
+            <a:cxnSpLocks/>
+            <a:endCxn id="53" idx="1"/>
           </p:cNvCxnSpPr>
           <p:nvPr/>
         </p:nvCxnSpPr>
         <p:spPr>
-          <a:xfrm>
-            <a:off x="1717124" y="2779075"/>
-            <a:ext cx="532674" cy="348946"/>
-          </a:xfrm>
-          <a:prstGeom prst="straightConnector1">
-            <a:avLst/>
-          </a:prstGeom>
-          <a:ln w="19050">
+          <a:xfrm rot="16200000" flipH="1">
+            <a:off x="5932685" y="2109815"/>
+            <a:ext cx="909332" cy="551294"/>
+          </a:xfrm>
+          <a:prstGeom prst="bentConnector2">
+            <a:avLst/>
+          </a:prstGeom>
+          <a:ln w="38100">
             <a:solidFill>
-              <a:srgbClr val="0DA2B6"/>
+              <a:srgbClr val="F16461"/>
             </a:solidFill>
             <a:tailEnd type="triangle"/>
           </a:ln>
@@ -34522,12 +34283,255 @@
           </a:fontRef>
         </p:style>
       </p:cxnSp>
-      <p:sp>
-        <p:nvSpPr>
-          <p:cNvPr id="29" name="직사각형 28">
+      <p:cxnSp>
+        <p:nvCxnSpPr>
+          <p:cNvPr id="84" name="연결선: 꺾임 83">
             <a:extLst>
               <a:ext uri="{FF2B5EF4-FFF2-40B4-BE49-F238E27FC236}">
-                <a16:creationId xmlns:a16="http://schemas.microsoft.com/office/drawing/2014/main" id="{9C55AA23-A468-4BA6-9E8F-99C4B408C512}"/>
+                <a16:creationId xmlns:a16="http://schemas.microsoft.com/office/drawing/2014/main" id="{1D50F331-F9C1-41E7-A59E-431543BEA269}"/>
+              </a:ext>
+            </a:extLst>
+          </p:cNvPr>
+          <p:cNvCxnSpPr>
+            <a:cxnSpLocks/>
+            <a:stCxn id="52" idx="3"/>
+          </p:cNvCxnSpPr>
+          <p:nvPr/>
+        </p:nvCxnSpPr>
+        <p:spPr>
+          <a:xfrm>
+            <a:off x="7825099" y="1953877"/>
+            <a:ext cx="572564" cy="2292661"/>
+          </a:xfrm>
+          <a:prstGeom prst="bentConnector2">
+            <a:avLst/>
+          </a:prstGeom>
+          <a:ln w="38100">
+            <a:solidFill>
+              <a:srgbClr val="F16461"/>
+            </a:solidFill>
+            <a:tailEnd type="triangle"/>
+          </a:ln>
+        </p:spPr>
+        <p:style>
+          <a:lnRef idx="1">
+            <a:schemeClr val="accent1"/>
+          </a:lnRef>
+          <a:fillRef idx="0">
+            <a:schemeClr val="accent1"/>
+          </a:fillRef>
+          <a:effectRef idx="0">
+            <a:schemeClr val="accent1"/>
+          </a:effectRef>
+          <a:fontRef idx="minor">
+            <a:schemeClr val="tx1"/>
+          </a:fontRef>
+        </p:style>
+      </p:cxnSp>
+      <p:pic>
+        <p:nvPicPr>
+          <p:cNvPr id="43" name="그림 42">
+            <a:extLst>
+              <a:ext uri="{FF2B5EF4-FFF2-40B4-BE49-F238E27FC236}">
+                <a16:creationId xmlns:a16="http://schemas.microsoft.com/office/drawing/2014/main" id="{417AC2A2-1FF5-4E26-AD03-B6F854E0DB52}"/>
+              </a:ext>
+            </a:extLst>
+          </p:cNvPr>
+          <p:cNvPicPr>
+            <a:picLocks noChangeAspect="1"/>
+          </p:cNvPicPr>
+          <p:nvPr/>
+        </p:nvPicPr>
+        <p:blipFill>
+          <a:blip r:embed="rId6" cstate="print">
+            <a:extLst>
+              <a:ext uri="{28A0092B-C50C-407E-A947-70E740481C1C}">
+                <a14:useLocalDpi xmlns:a14="http://schemas.microsoft.com/office/drawing/2010/main" val="0"/>
+              </a:ext>
+            </a:extLst>
+          </a:blip>
+          <a:stretch>
+            <a:fillRect/>
+          </a:stretch>
+        </p:blipFill>
+        <p:spPr>
+          <a:xfrm>
+            <a:off x="8165533" y="1718068"/>
+            <a:ext cx="467102" cy="471616"/>
+          </a:xfrm>
+          <a:prstGeom prst="rect">
+            <a:avLst/>
+          </a:prstGeom>
+        </p:spPr>
+      </p:pic>
+      <p:cxnSp>
+        <p:nvCxnSpPr>
+          <p:cNvPr id="89" name="직선 연결선 88">
+            <a:extLst>
+              <a:ext uri="{FF2B5EF4-FFF2-40B4-BE49-F238E27FC236}">
+                <a16:creationId xmlns:a16="http://schemas.microsoft.com/office/drawing/2014/main" id="{652A94C8-2B61-4BA1-94E8-5F0C12796712}"/>
+              </a:ext>
+            </a:extLst>
+          </p:cNvPr>
+          <p:cNvCxnSpPr>
+            <a:cxnSpLocks/>
+            <a:stCxn id="53" idx="3"/>
+          </p:cNvCxnSpPr>
+          <p:nvPr/>
+        </p:nvCxnSpPr>
+        <p:spPr>
+          <a:xfrm>
+            <a:off x="7825099" y="2840128"/>
+            <a:ext cx="528196" cy="0"/>
+          </a:xfrm>
+          <a:prstGeom prst="line">
+            <a:avLst/>
+          </a:prstGeom>
+          <a:ln w="38100">
+            <a:solidFill>
+              <a:srgbClr val="F16461"/>
+            </a:solidFill>
+          </a:ln>
+        </p:spPr>
+        <p:style>
+          <a:lnRef idx="1">
+            <a:schemeClr val="accent1"/>
+          </a:lnRef>
+          <a:fillRef idx="0">
+            <a:schemeClr val="accent1"/>
+          </a:fillRef>
+          <a:effectRef idx="0">
+            <a:schemeClr val="accent1"/>
+          </a:effectRef>
+          <a:fontRef idx="minor">
+            <a:schemeClr val="tx1"/>
+          </a:fontRef>
+        </p:style>
+      </p:cxnSp>
+      <p:pic>
+        <p:nvPicPr>
+          <p:cNvPr id="42" name="그림 41">
+            <a:extLst>
+              <a:ext uri="{FF2B5EF4-FFF2-40B4-BE49-F238E27FC236}">
+                <a16:creationId xmlns:a16="http://schemas.microsoft.com/office/drawing/2014/main" id="{8BFC90A3-6E51-40FD-9F98-79F2C1703B35}"/>
+              </a:ext>
+            </a:extLst>
+          </p:cNvPr>
+          <p:cNvPicPr>
+            <a:picLocks noChangeAspect="1"/>
+          </p:cNvPicPr>
+          <p:nvPr/>
+        </p:nvPicPr>
+        <p:blipFill>
+          <a:blip r:embed="rId6" cstate="print">
+            <a:extLst>
+              <a:ext uri="{28A0092B-C50C-407E-A947-70E740481C1C}">
+                <a14:useLocalDpi xmlns:a14="http://schemas.microsoft.com/office/drawing/2010/main" val="0"/>
+              </a:ext>
+            </a:extLst>
+          </a:blip>
+          <a:stretch>
+            <a:fillRect/>
+          </a:stretch>
+        </p:blipFill>
+        <p:spPr>
+          <a:xfrm>
+            <a:off x="8162691" y="2602884"/>
+            <a:ext cx="469944" cy="474485"/>
+          </a:xfrm>
+          <a:prstGeom prst="rect">
+            <a:avLst/>
+          </a:prstGeom>
+        </p:spPr>
+      </p:pic>
+      <p:cxnSp>
+        <p:nvCxnSpPr>
+          <p:cNvPr id="95" name="연결선: 꺾임 94">
+            <a:extLst>
+              <a:ext uri="{FF2B5EF4-FFF2-40B4-BE49-F238E27FC236}">
+                <a16:creationId xmlns:a16="http://schemas.microsoft.com/office/drawing/2014/main" id="{50D9C62E-82DC-4771-AB12-647F09003343}"/>
+              </a:ext>
+            </a:extLst>
+          </p:cNvPr>
+          <p:cNvCxnSpPr>
+            <a:cxnSpLocks/>
+            <a:stCxn id="54" idx="1"/>
+            <a:endCxn id="41" idx="2"/>
+          </p:cNvCxnSpPr>
+          <p:nvPr/>
+        </p:nvCxnSpPr>
+        <p:spPr>
+          <a:xfrm rot="10800000">
+            <a:off x="5271295" y="2278541"/>
+            <a:ext cx="2378720" cy="2141917"/>
+          </a:xfrm>
+          <a:prstGeom prst="bentConnector2">
+            <a:avLst/>
+          </a:prstGeom>
+          <a:ln w="38100">
+            <a:solidFill>
+              <a:srgbClr val="F16461"/>
+            </a:solidFill>
+            <a:tailEnd type="triangle"/>
+          </a:ln>
+        </p:spPr>
+        <p:style>
+          <a:lnRef idx="1">
+            <a:schemeClr val="accent1"/>
+          </a:lnRef>
+          <a:fillRef idx="0">
+            <a:schemeClr val="accent1"/>
+          </a:fillRef>
+          <a:effectRef idx="0">
+            <a:schemeClr val="accent1"/>
+          </a:effectRef>
+          <a:fontRef idx="minor">
+            <a:schemeClr val="tx1"/>
+          </a:fontRef>
+        </p:style>
+      </p:cxnSp>
+      <p:pic>
+        <p:nvPicPr>
+          <p:cNvPr id="44" name="그림 43">
+            <a:extLst>
+              <a:ext uri="{FF2B5EF4-FFF2-40B4-BE49-F238E27FC236}">
+                <a16:creationId xmlns:a16="http://schemas.microsoft.com/office/drawing/2014/main" id="{152571FD-5EAC-4DF0-AFD7-20B01039FB81}"/>
+              </a:ext>
+            </a:extLst>
+          </p:cNvPr>
+          <p:cNvPicPr>
+            <a:picLocks noChangeAspect="1"/>
+          </p:cNvPicPr>
+          <p:nvPr/>
+        </p:nvPicPr>
+        <p:blipFill>
+          <a:blip r:embed="rId7" cstate="print">
+            <a:extLst>
+              <a:ext uri="{28A0092B-C50C-407E-A947-70E740481C1C}">
+                <a14:useLocalDpi xmlns:a14="http://schemas.microsoft.com/office/drawing/2010/main" val="0"/>
+              </a:ext>
+            </a:extLst>
+          </a:blip>
+          <a:stretch>
+            <a:fillRect/>
+          </a:stretch>
+        </p:blipFill>
+        <p:spPr>
+          <a:xfrm>
+            <a:off x="6309693" y="4183215"/>
+            <a:ext cx="469943" cy="474485"/>
+          </a:xfrm>
+          <a:prstGeom prst="rect">
+            <a:avLst/>
+          </a:prstGeom>
+        </p:spPr>
+      </p:pic>
+      <p:sp>
+        <p:nvSpPr>
+          <p:cNvPr id="103" name="직사각형 102">
+            <a:extLst>
+              <a:ext uri="{FF2B5EF4-FFF2-40B4-BE49-F238E27FC236}">
+                <a16:creationId xmlns:a16="http://schemas.microsoft.com/office/drawing/2014/main" id="{E310E447-7A96-4220-846A-59DBF4CEE540}"/>
               </a:ext>
             </a:extLst>
           </p:cNvPr>
@@ -34582,7 +34586,7 @@
     </p:spTree>
     <p:extLst>
       <p:ext uri="{BB962C8B-B14F-4D97-AF65-F5344CB8AC3E}">
-        <p14:creationId xmlns:p14="http://schemas.microsoft.com/office/powerpoint/2010/main" val="2642028484"/>
+        <p14:creationId xmlns:p14="http://schemas.microsoft.com/office/powerpoint/2010/main" val="3955342593"/>
       </p:ext>
     </p:extLst>
   </p:cSld>

--- a/doc/중간보고서발표-NCNP.pptx
+++ b/doc/중간보고서발표-NCNP.pptx
@@ -39178,7 +39178,7 @@
         <p:spPr>
           <a:xfrm>
             <a:off x="4685131" y="3773859"/>
-            <a:ext cx="3534301" cy="307777"/>
+            <a:ext cx="3170420" cy="307777"/>
           </a:xfrm>
           <a:prstGeom prst="rect">
             <a:avLst/>
@@ -39193,6 +39193,42 @@
           </a:bodyPr>
           <a:lstStyle/>
           <a:p>
+            <a:r>
+              <a:rPr lang="en-US" altLang="ko-KR" sz="1400" b="1" spc="-130" dirty="0" smtClean="0">
+                <a:ln>
+                  <a:solidFill>
+                    <a:schemeClr val="accent1">
+                      <a:alpha val="0"/>
+                    </a:schemeClr>
+                  </a:solidFill>
+                </a:ln>
+                <a:solidFill>
+                  <a:schemeClr val="bg1"/>
+                </a:solidFill>
+                <a:latin typeface="나눔고딕" panose="020D0604000000000000" pitchFamily="50" charset="-127"/>
+                <a:ea typeface="나눔고딕" panose="020D0604000000000000" pitchFamily="50" charset="-127"/>
+                <a:cs typeface="Arial Unicode MS" panose="020B0604020202020204" pitchFamily="50" charset="-127"/>
+              </a:rPr>
+              <a:t>REST API</a:t>
+            </a:r>
+            <a:r>
+              <a:rPr lang="ko-KR" altLang="en-US" sz="1400" b="1" spc="-130" dirty="0" smtClean="0">
+                <a:ln>
+                  <a:solidFill>
+                    <a:schemeClr val="accent1">
+                      <a:alpha val="0"/>
+                    </a:schemeClr>
+                  </a:solidFill>
+                </a:ln>
+                <a:solidFill>
+                  <a:schemeClr val="bg1"/>
+                </a:solidFill>
+                <a:latin typeface="나눔고딕" panose="020D0604000000000000" pitchFamily="50" charset="-127"/>
+                <a:ea typeface="나눔고딕" panose="020D0604000000000000" pitchFamily="50" charset="-127"/>
+                <a:cs typeface="Arial Unicode MS" panose="020B0604020202020204" pitchFamily="50" charset="-127"/>
+              </a:rPr>
+              <a:t>를 </a:t>
+            </a:r>
             <a:r>
               <a:rPr lang="ko-KR" altLang="en-US" sz="1400" b="1" spc="-130" dirty="0">
                 <a:ln>
@@ -39209,7 +39245,7 @@
                 <a:ea typeface="나눔고딕" panose="020D0604000000000000" pitchFamily="50" charset="-127"/>
                 <a:cs typeface="Arial Unicode MS" panose="020B0604020202020204" pitchFamily="50" charset="-127"/>
               </a:rPr>
-              <a:t>웹 인터페이스를 이용하여 파일을 업로드하는 방법</a:t>
+              <a:t>이용하여 파일을 업로드하는 방법</a:t>
             </a:r>
           </a:p>
         </p:txBody>

--- a/doc/중간보고서발표-NCNP.pptx
+++ b/doc/중간보고서발표-NCNP.pptx
@@ -5,13 +5,13 @@
     <p:sldMasterId id="2147483648" r:id="rId1"/>
   </p:sldMasterIdLst>
   <p:notesMasterIdLst>
-    <p:notesMasterId r:id="rId43"/>
+    <p:notesMasterId r:id="rId42"/>
   </p:notesMasterIdLst>
   <p:sldIdLst>
     <p:sldId id="352" r:id="rId2"/>
     <p:sldId id="373" r:id="rId3"/>
     <p:sldId id="377" r:id="rId4"/>
-    <p:sldId id="417" r:id="rId5"/>
+    <p:sldId id="376" r:id="rId5"/>
     <p:sldId id="340" r:id="rId6"/>
     <p:sldId id="411" r:id="rId7"/>
     <p:sldId id="412" r:id="rId8"/>
@@ -47,37 +47,36 @@
     <p:sldId id="408" r:id="rId38"/>
     <p:sldId id="410" r:id="rId39"/>
     <p:sldId id="409" r:id="rId40"/>
-    <p:sldId id="416" r:id="rId41"/>
-    <p:sldId id="395" r:id="rId42"/>
+    <p:sldId id="395" r:id="rId41"/>
   </p:sldIdLst>
   <p:sldSz cx="9144000" cy="5715000" type="screen16x10"/>
   <p:notesSz cx="6858000" cy="9144000"/>
   <p:embeddedFontLst>
     <p:embeddedFont>
+      <p:font typeface="나눔고딕" panose="020B0600000101010101" charset="-127"/>
+      <p:regular r:id="rId43"/>
+      <p:bold r:id="rId44"/>
+    </p:embeddedFont>
+    <p:embeddedFont>
       <p:font typeface="맑은 고딕" panose="020B0503020000020004" pitchFamily="50" charset="-127"/>
-      <p:regular r:id="rId44"/>
-      <p:bold r:id="rId45"/>
+      <p:regular r:id="rId45"/>
+      <p:bold r:id="rId46"/>
+    </p:embeddedFont>
+    <p:embeddedFont>
+      <p:font typeface="나눔고딕 ExtraBold" panose="020B0600000101010101" charset="-127"/>
+      <p:bold r:id="rId47"/>
+    </p:embeddedFont>
+    <p:embeddedFont>
+      <p:font typeface="배달의민족 주아" panose="020B0600000101010101" charset="-127"/>
+      <p:regular r:id="rId48"/>
+    </p:embeddedFont>
+    <p:embeddedFont>
+      <p:font typeface="Arial Unicode MS" panose="020B0600000101010101" charset="-127"/>
+      <p:regular r:id="rId49"/>
     </p:embeddedFont>
     <p:embeddedFont>
       <p:font typeface="1훈나무그늘 M" panose="02020603020101020101" pitchFamily="18" charset="-127"/>
-      <p:regular r:id="rId46"/>
-    </p:embeddedFont>
-    <p:embeddedFont>
-      <p:font typeface="나눔고딕" panose="020B0600000101010101" charset="-127"/>
-      <p:regular r:id="rId47"/>
-      <p:bold r:id="rId48"/>
-    </p:embeddedFont>
-    <p:embeddedFont>
-      <p:font typeface="나눔고딕 ExtraBold" panose="020B0600000101010101" charset="-127"/>
-      <p:bold r:id="rId49"/>
-    </p:embeddedFont>
-    <p:embeddedFont>
-      <p:font typeface="배달의민족 주아" panose="020B0600000101010101" charset="-127"/>
       <p:regular r:id="rId50"/>
-    </p:embeddedFont>
-    <p:embeddedFont>
-      <p:font typeface="Arial Unicode MS" panose="020B0600000101010101" charset="-127"/>
-      <p:regular r:id="rId51"/>
     </p:embeddedFont>
   </p:embeddedFontLst>
   <p:defaultTextStyle>
@@ -280,7 +279,7 @@
           <a:p>
             <a:fld id="{36DA74B0-DC8D-4523-AFD8-325A8336B315}" type="datetimeFigureOut">
               <a:rPr lang="ko-KR" altLang="en-US" smtClean="0"/>
-              <a:t>2018-04-12</a:t>
+              <a:t>2018-04-13</a:t>
             </a:fld>
             <a:endParaRPr lang="ko-KR" altLang="en-US"/>
           </a:p>
@@ -591,6 +590,30 @@
           <a:bodyPr/>
           <a:lstStyle/>
           <a:p>
+            <a:r>
+              <a:rPr lang="ko-KR" altLang="en-US" dirty="0" smtClean="0"/>
+              <a:t>안녕하세요</a:t>
+            </a:r>
+            <a:r>
+              <a:rPr lang="en-US" altLang="ko-KR" dirty="0" smtClean="0"/>
+              <a:t>, </a:t>
+            </a:r>
+            <a:r>
+              <a:rPr lang="ko-KR" altLang="en-US" dirty="0" smtClean="0"/>
+              <a:t>마스크 프로젝트를 진행하는 </a:t>
+            </a:r>
+            <a:r>
+              <a:rPr lang="en-US" altLang="ko-KR" dirty="0" smtClean="0"/>
+              <a:t>NCNP </a:t>
+            </a:r>
+            <a:r>
+              <a:rPr lang="ko-KR" altLang="en-US" dirty="0" smtClean="0"/>
+              <a:t>팀입니다</a:t>
+            </a:r>
+            <a:r>
+              <a:rPr lang="en-US" altLang="ko-KR" dirty="0" smtClean="0"/>
+              <a:t>.</a:t>
+            </a:r>
             <a:endParaRPr lang="ko-KR" altLang="en-US" dirty="0"/>
           </a:p>
         </p:txBody>
@@ -675,6 +698,37 @@
           <a:bodyPr/>
           <a:lstStyle/>
           <a:p>
+            <a:r>
+              <a:rPr lang="ko-KR" altLang="en-US" b="1" baseline="0" dirty="0" smtClean="0"/>
+              <a:t>또한 효율적인 분석을 위해 분석을 진행하는 게스트 인스턴스의 개수를 여러 개로 느림으로써</a:t>
+            </a:r>
+            <a:endParaRPr lang="en-US" altLang="ko-KR" b="1" baseline="0" dirty="0" smtClean="0"/>
+          </a:p>
+          <a:p>
+            <a:r>
+              <a:rPr lang="ko-KR" altLang="en-US" b="1" baseline="0" dirty="0" smtClean="0"/>
+              <a:t>분석할 </a:t>
+            </a:r>
+            <a:r>
+              <a:rPr lang="en-US" altLang="ko-KR" b="1" baseline="0" dirty="0" smtClean="0"/>
+              <a:t>N</a:t>
+            </a:r>
+            <a:r>
+              <a:rPr lang="ko-KR" altLang="en-US" b="1" baseline="0" dirty="0" smtClean="0"/>
+              <a:t>개에 대한 분석 시간을 </a:t>
+            </a:r>
+            <a:r>
+              <a:rPr lang="en-US" altLang="ko-KR" b="1" baseline="0" dirty="0" smtClean="0"/>
+              <a:t>1/N</a:t>
+            </a:r>
+            <a:r>
+              <a:rPr lang="ko-KR" altLang="en-US" b="1" baseline="0" dirty="0" smtClean="0"/>
+              <a:t>으로 줄였습니다</a:t>
+            </a:r>
+            <a:r>
+              <a:rPr lang="en-US" altLang="ko-KR" b="1" baseline="0" dirty="0" smtClean="0"/>
+              <a:t>.</a:t>
+            </a:r>
             <a:endParaRPr lang="en-US" altLang="ko-KR" b="1" baseline="0" dirty="0"/>
           </a:p>
         </p:txBody>
@@ -759,6 +813,18 @@
           <a:bodyPr/>
           <a:lstStyle/>
           <a:p>
+            <a:r>
+              <a:rPr lang="ko-KR" altLang="en-US" dirty="0" err="1" smtClean="0"/>
+              <a:t>동적분석</a:t>
+            </a:r>
+            <a:r>
+              <a:rPr lang="ko-KR" altLang="en-US" dirty="0" smtClean="0"/>
+              <a:t> 리포트로부터 생성되는 정보들은 다음과 같습니다</a:t>
+            </a:r>
+            <a:r>
+              <a:rPr lang="en-US" altLang="ko-KR" dirty="0" smtClean="0"/>
+              <a:t>.</a:t>
+            </a:r>
             <a:endParaRPr lang="ko-KR" altLang="en-US" dirty="0"/>
           </a:p>
         </p:txBody>
@@ -843,7 +909,18 @@
           <a:bodyPr/>
           <a:lstStyle/>
           <a:p>
-            <a:endParaRPr lang="ko-KR" altLang="en-US" dirty="0"/>
+            <a:r>
+              <a:rPr lang="ko-KR" altLang="en-US" dirty="0"/>
+              <a:t>이거 제일 중요한 </a:t>
+            </a:r>
+            <a:r>
+              <a:rPr lang="en-US" altLang="ko-KR" dirty="0"/>
+              <a:t>3</a:t>
+            </a:r>
+            <a:r>
+              <a:rPr lang="ko-KR" altLang="en-US" dirty="0"/>
+              <a:t>가지 우선</a:t>
+            </a:r>
           </a:p>
         </p:txBody>
       </p:sp>
@@ -1011,7 +1088,18 @@
           <a:bodyPr/>
           <a:lstStyle/>
           <a:p>
-            <a:endParaRPr lang="ko-KR" altLang="en-US" dirty="0"/>
+            <a:r>
+              <a:rPr lang="ko-KR" altLang="en-US" dirty="0"/>
+              <a:t>이거 제일 중요한 </a:t>
+            </a:r>
+            <a:r>
+              <a:rPr lang="en-US" altLang="ko-KR" dirty="0"/>
+              <a:t>3</a:t>
+            </a:r>
+            <a:r>
+              <a:rPr lang="ko-KR" altLang="en-US" dirty="0"/>
+              <a:t>가지 우선</a:t>
+            </a:r>
           </a:p>
         </p:txBody>
       </p:sp>
@@ -1095,7 +1183,18 @@
           <a:bodyPr/>
           <a:lstStyle/>
           <a:p>
-            <a:endParaRPr lang="ko-KR" altLang="en-US" dirty="0"/>
+            <a:r>
+              <a:rPr lang="ko-KR" altLang="en-US" dirty="0"/>
+              <a:t>이거 제일 중요한 </a:t>
+            </a:r>
+            <a:r>
+              <a:rPr lang="en-US" altLang="ko-KR" dirty="0"/>
+              <a:t>3</a:t>
+            </a:r>
+            <a:r>
+              <a:rPr lang="ko-KR" altLang="en-US" dirty="0"/>
+              <a:t>가지 우선</a:t>
+            </a:r>
           </a:p>
         </p:txBody>
       </p:sp>
@@ -1179,6 +1278,41 @@
           <a:bodyPr/>
           <a:lstStyle/>
           <a:p>
+            <a:r>
+              <a:rPr lang="ko-KR" altLang="en-US" b="1" baseline="0" dirty="0" smtClean="0"/>
+              <a:t>다음은 </a:t>
+            </a:r>
+            <a:r>
+              <a:rPr lang="ko-KR" altLang="en-US" b="1" baseline="0" dirty="0" err="1" smtClean="0"/>
+              <a:t>라벨링입니다</a:t>
+            </a:r>
+            <a:endParaRPr lang="en-US" altLang="ko-KR" b="1" baseline="0" dirty="0" smtClean="0"/>
+          </a:p>
+          <a:p>
+            <a:r>
+              <a:rPr lang="ko-KR" altLang="en-US" b="1" baseline="0" dirty="0" smtClean="0"/>
+              <a:t>악성코드를 탐지했을 때 해당 악성코드의 정적</a:t>
+            </a:r>
+            <a:r>
+              <a:rPr lang="en-US" altLang="ko-KR" b="1" baseline="0" dirty="0" smtClean="0"/>
+              <a:t>, </a:t>
+            </a:r>
+            <a:r>
+              <a:rPr lang="ko-KR" altLang="en-US" b="1" baseline="0" dirty="0" smtClean="0"/>
+              <a:t>동적 분석 결과를 이용하여 악성코드 유형을 분류하는 작업을</a:t>
+            </a:r>
+            <a:r>
+              <a:rPr lang="en-US" altLang="ko-KR" b="1" baseline="0" dirty="0" smtClean="0"/>
+              <a:t> </a:t>
+            </a:r>
+            <a:r>
+              <a:rPr lang="ko-KR" altLang="en-US" b="1" baseline="0" dirty="0" smtClean="0"/>
+              <a:t>진행합니다</a:t>
+            </a:r>
+            <a:r>
+              <a:rPr lang="en-US" altLang="ko-KR" b="1" baseline="0" dirty="0" smtClean="0"/>
+              <a:t>.</a:t>
+            </a:r>
             <a:endParaRPr lang="en-US" altLang="ko-KR" b="1" baseline="0" dirty="0"/>
           </a:p>
         </p:txBody>
@@ -1263,6 +1397,30 @@
           <a:bodyPr/>
           <a:lstStyle/>
           <a:p>
+            <a:r>
+              <a:rPr lang="ko-KR" altLang="en-US" b="1" baseline="0" dirty="0" smtClean="0"/>
+              <a:t>저희 프로젝트에서는 보안 인증 기관인 </a:t>
+            </a:r>
+            <a:r>
+              <a:rPr lang="en-US" altLang="ko-KR" b="1" baseline="0" dirty="0" smtClean="0"/>
+              <a:t>AV-Test, VB 100 </a:t>
+            </a:r>
+            <a:r>
+              <a:rPr lang="ko-KR" altLang="en-US" b="1" baseline="0" dirty="0" smtClean="0"/>
+              <a:t>등에서 높은 점수를 받은 </a:t>
+            </a:r>
+            <a:r>
+              <a:rPr lang="ko-KR" altLang="en-US" b="1" baseline="0" dirty="0" err="1" smtClean="0"/>
+              <a:t>카스퍼스키</a:t>
+            </a:r>
+            <a:r>
+              <a:rPr lang="ko-KR" altLang="en-US" b="1" baseline="0" dirty="0" smtClean="0"/>
+              <a:t> 랩의 카스퍼스키의 라벨을 활용합니다</a:t>
+            </a:r>
+            <a:r>
+              <a:rPr lang="en-US" altLang="ko-KR" b="1" baseline="0" dirty="0" smtClean="0"/>
+              <a:t>.</a:t>
+            </a:r>
             <a:endParaRPr lang="en-US" altLang="ko-KR" b="1" baseline="0" dirty="0"/>
           </a:p>
         </p:txBody>
@@ -1347,6 +1505,40 @@
           <a:bodyPr/>
           <a:lstStyle/>
           <a:p>
+            <a:r>
+              <a:rPr lang="ko-KR" altLang="en-US" b="1" baseline="0" dirty="0" smtClean="0"/>
+              <a:t>카스퍼스키에서는 악성코드를 가장 일반적으로 다음과 같이 </a:t>
+            </a:r>
+            <a:r>
+              <a:rPr lang="en-US" altLang="ko-KR" b="1" baseline="0" dirty="0" smtClean="0"/>
+              <a:t>7</a:t>
+            </a:r>
+            <a:r>
+              <a:rPr lang="ko-KR" altLang="en-US" b="1" baseline="0" dirty="0" smtClean="0"/>
+              <a:t>가지를 분류하고 있습니다</a:t>
+            </a:r>
+            <a:r>
+              <a:rPr lang="en-US" altLang="ko-KR" b="1" baseline="0" dirty="0" smtClean="0"/>
+              <a:t>.</a:t>
+            </a:r>
+          </a:p>
+          <a:p>
+            <a:r>
+              <a:rPr lang="ko-KR" altLang="en-US" b="1" baseline="0" dirty="0" smtClean="0"/>
+              <a:t>그래서 저희 프로젝트에도 이 </a:t>
+            </a:r>
+            <a:r>
+              <a:rPr lang="en-US" altLang="ko-KR" b="1" baseline="0" dirty="0" smtClean="0"/>
+              <a:t>7</a:t>
+            </a:r>
+            <a:r>
+              <a:rPr lang="ko-KR" altLang="en-US" b="1" baseline="0" dirty="0" smtClean="0"/>
+              <a:t>가지의 라벨을 이용하여 악성코드를 분류하고 있습니다</a:t>
+            </a:r>
+            <a:r>
+              <a:rPr lang="en-US" altLang="ko-KR" b="1" baseline="0" dirty="0" smtClean="0"/>
+              <a:t>.</a:t>
+            </a:r>
             <a:endParaRPr lang="en-US" altLang="ko-KR" b="1" baseline="0" dirty="0"/>
           </a:p>
         </p:txBody>
@@ -1431,6 +1623,22 @@
           <a:bodyPr/>
           <a:lstStyle/>
           <a:p>
+            <a:r>
+              <a:rPr lang="ko-KR" altLang="en-US" b="1" baseline="0" dirty="0" smtClean="0"/>
+              <a:t>저희는 </a:t>
+            </a:r>
+            <a:r>
+              <a:rPr lang="ko-KR" altLang="en-US" b="1" baseline="0" dirty="0" err="1" smtClean="0"/>
+              <a:t>카스퍼스키</a:t>
+            </a:r>
+            <a:r>
+              <a:rPr lang="ko-KR" altLang="en-US" b="1" baseline="0" dirty="0" smtClean="0"/>
+              <a:t> 라벨을 가져오기 위해 바이러스토탈 서비스를 이용합니다</a:t>
+            </a:r>
+            <a:r>
+              <a:rPr lang="en-US" altLang="ko-KR" b="1" baseline="0" dirty="0" smtClean="0"/>
+              <a:t>.</a:t>
+            </a:r>
             <a:endParaRPr lang="en-US" altLang="ko-KR" b="1" baseline="0" dirty="0"/>
           </a:p>
         </p:txBody>
@@ -1515,7 +1723,14 @@
           <a:bodyPr/>
           <a:lstStyle/>
           <a:p>
-            <a:endParaRPr lang="en-US" altLang="ko-KR" b="1" baseline="0" dirty="0"/>
+            <a:r>
+              <a:rPr lang="ko-KR" altLang="en-US" b="1" baseline="0" dirty="0" smtClean="0"/>
+              <a:t>기하급수적으로 증가하는 악성코드에 비해 악성코드 전문가의 수는 매우 부족합니다</a:t>
+            </a:r>
+            <a:r>
+              <a:rPr lang="en-US" altLang="ko-KR" b="1" baseline="0" dirty="0" smtClean="0"/>
+              <a:t>.</a:t>
+            </a:r>
           </a:p>
         </p:txBody>
       </p:sp>
@@ -1599,6 +1814,65 @@
           <a:bodyPr/>
           <a:lstStyle/>
           <a:p>
+            <a:r>
+              <a:rPr lang="ko-KR" altLang="en-US" b="1" baseline="0" dirty="0" smtClean="0"/>
+              <a:t>바이러스토탈에서는 </a:t>
+            </a:r>
+            <a:r>
+              <a:rPr lang="en-US" altLang="ko-KR" b="1" baseline="0" dirty="0" smtClean="0"/>
+              <a:t>API</a:t>
+            </a:r>
+            <a:r>
+              <a:rPr lang="ko-KR" altLang="en-US" b="1" baseline="0" dirty="0" smtClean="0"/>
+              <a:t>를 제공합니다</a:t>
+            </a:r>
+            <a:r>
+              <a:rPr lang="en-US" altLang="ko-KR" b="1" baseline="0" dirty="0" smtClean="0"/>
+              <a:t>. </a:t>
+            </a:r>
+            <a:r>
+              <a:rPr lang="ko-KR" altLang="en-US" b="1" baseline="0" dirty="0" smtClean="0"/>
+              <a:t>이러한 </a:t>
+            </a:r>
+            <a:r>
+              <a:rPr lang="en-US" altLang="ko-KR" b="1" baseline="0" dirty="0" smtClean="0"/>
+              <a:t>API</a:t>
+            </a:r>
+            <a:r>
+              <a:rPr lang="ko-KR" altLang="en-US" b="1" baseline="0" dirty="0" smtClean="0"/>
+              <a:t>를 이용하여 파일의 분석 결과를 요청할 수 있으며 요청의 응답으로는</a:t>
+            </a:r>
+            <a:endParaRPr lang="en-US" altLang="ko-KR" b="1" baseline="0" dirty="0" smtClean="0"/>
+          </a:p>
+          <a:p>
+            <a:r>
+              <a:rPr lang="en-US" altLang="ko-KR" b="1" baseline="0" dirty="0" err="1" smtClean="0"/>
+              <a:t>Json</a:t>
+            </a:r>
+            <a:r>
+              <a:rPr lang="en-US" altLang="ko-KR" b="1" baseline="0" dirty="0" smtClean="0"/>
+              <a:t> </a:t>
+            </a:r>
+            <a:r>
+              <a:rPr lang="ko-KR" altLang="en-US" b="1" baseline="0" dirty="0" smtClean="0"/>
+              <a:t>형태의 분석 결과를 받게 되고 해당 </a:t>
+            </a:r>
+            <a:r>
+              <a:rPr lang="en-US" altLang="ko-KR" b="1" baseline="0" dirty="0" err="1" smtClean="0"/>
+              <a:t>Json</a:t>
+            </a:r>
+            <a:r>
+              <a:rPr lang="en-US" altLang="ko-KR" b="1" baseline="0" dirty="0" smtClean="0"/>
+              <a:t> </a:t>
+            </a:r>
+            <a:r>
+              <a:rPr lang="ko-KR" altLang="en-US" b="1" baseline="0" dirty="0" smtClean="0"/>
+              <a:t>파일로부터 카스퍼스키의 탐지 결과를 얻어낼 수 있습니다</a:t>
+            </a:r>
+            <a:r>
+              <a:rPr lang="en-US" altLang="ko-KR" b="1" baseline="0" dirty="0" smtClean="0"/>
+              <a:t>.</a:t>
+            </a:r>
             <a:endParaRPr lang="en-US" altLang="ko-KR" b="1" baseline="0" dirty="0"/>
           </a:p>
         </p:txBody>
@@ -1683,6 +1957,36 @@
           <a:bodyPr/>
           <a:lstStyle/>
           <a:p>
+            <a:r>
+              <a:rPr lang="ko-KR" altLang="en-US" b="1" baseline="0" dirty="0" smtClean="0"/>
+              <a:t>또</a:t>
+            </a:r>
+            <a:r>
+              <a:rPr lang="en-US" altLang="ko-KR" b="1" baseline="0" dirty="0" smtClean="0"/>
+              <a:t>, </a:t>
+            </a:r>
+            <a:r>
+              <a:rPr lang="ko-KR" altLang="en-US" b="1" baseline="0" dirty="0" smtClean="0"/>
+              <a:t>저희가 가진 대량의 악성코드에 대한 바이러스토탈 리포트를 단일 인스턴스를 통해 받아오는 것은 효율적이지 않다고 판단하여 </a:t>
+            </a:r>
+            <a:endParaRPr lang="en-US" altLang="ko-KR" b="1" baseline="0" dirty="0" smtClean="0"/>
+          </a:p>
+          <a:p>
+            <a:r>
+              <a:rPr lang="ko-KR" altLang="en-US" b="1" baseline="0" dirty="0" smtClean="0"/>
+              <a:t>아마존 웹 서비스를 이용하여 분산된 환경에서 병렬적으로 분석하여 대량의 데이터에 대해 효과적으로 </a:t>
+            </a:r>
+            <a:endParaRPr lang="en-US" altLang="ko-KR" b="1" baseline="0" dirty="0" smtClean="0"/>
+          </a:p>
+          <a:p>
+            <a:r>
+              <a:rPr lang="ko-KR" altLang="en-US" b="1" baseline="0" dirty="0" smtClean="0"/>
+              <a:t>분석 결과를 받아올 수 있도록 합니다</a:t>
+            </a:r>
+            <a:r>
+              <a:rPr lang="en-US" altLang="ko-KR" b="1" baseline="0" dirty="0" smtClean="0"/>
+              <a:t>.</a:t>
+            </a:r>
             <a:endParaRPr lang="en-US" altLang="ko-KR" b="1" baseline="0" dirty="0"/>
           </a:p>
         </p:txBody>
@@ -1767,6 +2071,58 @@
           <a:bodyPr/>
           <a:lstStyle/>
           <a:p>
+            <a:r>
+              <a:rPr lang="ko-KR" altLang="en-US" dirty="0" smtClean="0"/>
+              <a:t>다음은 </a:t>
+            </a:r>
+            <a:r>
+              <a:rPr lang="ko-KR" altLang="en-US" dirty="0" err="1" smtClean="0"/>
+              <a:t>딥러닝입니다</a:t>
+            </a:r>
+            <a:r>
+              <a:rPr lang="en-US" altLang="ko-KR" dirty="0" smtClean="0"/>
+              <a:t>.</a:t>
+            </a:r>
+          </a:p>
+          <a:p>
+            <a:r>
+              <a:rPr lang="ko-KR" altLang="en-US" dirty="0" err="1" smtClean="0"/>
+              <a:t>딥러닝은</a:t>
+            </a:r>
+            <a:r>
+              <a:rPr lang="ko-KR" altLang="en-US" dirty="0" smtClean="0"/>
+              <a:t> 현재 </a:t>
+            </a:r>
+            <a:r>
+              <a:rPr lang="en-US" altLang="ko-KR" dirty="0" smtClean="0"/>
+              <a:t>IDA PRO</a:t>
+            </a:r>
+            <a:r>
+              <a:rPr lang="ko-KR" altLang="en-US" dirty="0" smtClean="0"/>
+              <a:t>를 이용해 추출한 </a:t>
+            </a:r>
+            <a:r>
+              <a:rPr lang="ko-KR" altLang="en-US" dirty="0" err="1" smtClean="0"/>
+              <a:t>오피코드</a:t>
+            </a:r>
+            <a:r>
+              <a:rPr lang="ko-KR" altLang="en-US" dirty="0" smtClean="0"/>
+              <a:t> 시퀀스를 가공해 만든 </a:t>
+            </a:r>
+            <a:r>
+              <a:rPr lang="ko-KR" altLang="en-US" dirty="0" err="1" smtClean="0"/>
+              <a:t>피쳐로</a:t>
+            </a:r>
+            <a:r>
+              <a:rPr lang="ko-KR" altLang="en-US" dirty="0" smtClean="0"/>
+              <a:t> 학습을 시켰습니다</a:t>
+            </a:r>
+            <a:r>
+              <a:rPr lang="en-US" altLang="ko-KR" dirty="0" smtClean="0"/>
+              <a:t>.</a:t>
+            </a:r>
+          </a:p>
+          <a:p>
             <a:endParaRPr lang="en-US" altLang="ko-KR" b="1" baseline="0" dirty="0"/>
           </a:p>
         </p:txBody>
@@ -1851,7 +2207,147 @@
           <a:bodyPr/>
           <a:lstStyle/>
           <a:p>
-            <a:endParaRPr lang="en-US" altLang="ko-KR" b="1" baseline="0" dirty="0"/>
+            <a:r>
+              <a:rPr lang="ko-KR" altLang="en-US" b="0" baseline="0" dirty="0" smtClean="0"/>
+              <a:t>심층 신경망의 입력 층 노드 개수는 </a:t>
+            </a:r>
+            <a:r>
+              <a:rPr lang="en-US" altLang="ko-KR" b="0" baseline="0" dirty="0" smtClean="0"/>
+              <a:t>12,288</a:t>
+            </a:r>
+            <a:r>
+              <a:rPr lang="ko-KR" altLang="en-US" b="0" baseline="0" dirty="0" smtClean="0"/>
+              <a:t>개이며</a:t>
+            </a:r>
+            <a:r>
+              <a:rPr lang="en-US" altLang="ko-KR" b="0" baseline="0" dirty="0" smtClean="0"/>
+              <a:t>,</a:t>
+            </a:r>
+            <a:r>
+              <a:rPr lang="ko-KR" altLang="en-US" b="0" baseline="0" dirty="0" err="1" smtClean="0"/>
+              <a:t>오피코드</a:t>
+            </a:r>
+            <a:r>
+              <a:rPr lang="ko-KR" altLang="en-US" b="0" baseline="0" dirty="0" smtClean="0"/>
+              <a:t> 시퀀스의</a:t>
+            </a:r>
+            <a:r>
+              <a:rPr lang="en-US" altLang="ko-KR" b="0" baseline="0" dirty="0" smtClean="0"/>
+              <a:t> 2, 3, 4 – gram</a:t>
+            </a:r>
+            <a:r>
+              <a:rPr lang="ko-KR" altLang="en-US" b="0" baseline="0" dirty="0" smtClean="0"/>
+              <a:t>을 </a:t>
+            </a:r>
+            <a:r>
+              <a:rPr lang="en-US" altLang="ko-KR" b="0" baseline="0" dirty="0" smtClean="0"/>
+              <a:t>Feature Hashing </a:t>
+            </a:r>
+            <a:r>
+              <a:rPr lang="ko-KR" altLang="en-US" b="0" baseline="0" dirty="0" smtClean="0"/>
+              <a:t>기법을 이용해 가공을 하였다</a:t>
+            </a:r>
+            <a:r>
+              <a:rPr lang="en-US" altLang="ko-KR" b="0" baseline="0" dirty="0" smtClean="0"/>
+              <a:t>. </a:t>
+            </a:r>
+          </a:p>
+          <a:p>
+            <a:r>
+              <a:rPr lang="ko-KR" altLang="en-US" b="0" baseline="0" dirty="0" smtClean="0"/>
+              <a:t>심층 신경망의 </a:t>
+            </a:r>
+            <a:r>
+              <a:rPr lang="ko-KR" altLang="en-US" b="0" baseline="0" dirty="0" err="1" smtClean="0"/>
+              <a:t>은닉층</a:t>
+            </a:r>
+            <a:r>
+              <a:rPr lang="ko-KR" altLang="en-US" b="0" baseline="0" dirty="0" smtClean="0"/>
+              <a:t> 개수는 총 </a:t>
+            </a:r>
+            <a:r>
+              <a:rPr lang="en-US" altLang="ko-KR" b="0" baseline="0" dirty="0" smtClean="0"/>
+              <a:t>5</a:t>
+            </a:r>
+            <a:r>
+              <a:rPr lang="ko-KR" altLang="en-US" b="0" baseline="0" dirty="0" smtClean="0"/>
+              <a:t>개이며 각각 </a:t>
+            </a:r>
+            <a:r>
+              <a:rPr lang="en-US" altLang="ko-KR" b="0" baseline="0" dirty="0" smtClean="0"/>
+              <a:t>4096, 1024, 256, 64, 16</a:t>
+            </a:r>
+            <a:r>
+              <a:rPr lang="ko-KR" altLang="en-US" b="0" baseline="0" dirty="0" smtClean="0"/>
+              <a:t>개의 노드를 가지고</a:t>
+            </a:r>
+            <a:r>
+              <a:rPr lang="en-US" altLang="ko-KR" b="0" baseline="0" dirty="0" smtClean="0"/>
+              <a:t>, </a:t>
+            </a:r>
+            <a:r>
+              <a:rPr lang="ko-KR" altLang="en-US" b="0" baseline="0" dirty="0" smtClean="0"/>
+              <a:t>활성화 함수로는 </a:t>
+            </a:r>
+            <a:r>
+              <a:rPr lang="en-US" altLang="ko-KR" b="0" baseline="0" dirty="0" err="1" smtClean="0"/>
+              <a:t>ReLU</a:t>
+            </a:r>
+            <a:r>
+              <a:rPr lang="ko-KR" altLang="en-US" b="0" baseline="0" dirty="0" smtClean="0"/>
+              <a:t>를 사용하였다</a:t>
+            </a:r>
+            <a:endParaRPr lang="en-US" altLang="ko-KR" b="0" baseline="0" dirty="0" smtClean="0"/>
+          </a:p>
+          <a:p>
+            <a:r>
+              <a:rPr lang="ko-KR" altLang="en-US" b="0" baseline="0" dirty="0" smtClean="0"/>
+              <a:t>제안하는 모델은 </a:t>
+            </a:r>
+            <a:r>
+              <a:rPr lang="en-US" altLang="ko-KR" b="0" baseline="0" dirty="0" smtClean="0"/>
+              <a:t>30%</a:t>
+            </a:r>
+            <a:r>
+              <a:rPr lang="ko-KR" altLang="en-US" b="0" baseline="0" dirty="0" smtClean="0"/>
+              <a:t>의 정보를 잊어버리도록 설정하였으며 마지막 </a:t>
+            </a:r>
+            <a:r>
+              <a:rPr lang="ko-KR" altLang="en-US" b="0" baseline="0" dirty="0" err="1" smtClean="0"/>
+              <a:t>은닉층을</a:t>
+            </a:r>
+            <a:r>
+              <a:rPr lang="ko-KR" altLang="en-US" b="0" baseline="0" dirty="0" smtClean="0"/>
+              <a:t> 거쳐 </a:t>
+            </a:r>
+            <a:r>
+              <a:rPr lang="ko-KR" altLang="en-US" b="0" baseline="0" dirty="0" err="1" smtClean="0"/>
+              <a:t>출력층에</a:t>
+            </a:r>
+            <a:r>
+              <a:rPr lang="ko-KR" altLang="en-US" b="0" baseline="0" dirty="0" smtClean="0"/>
+              <a:t> 도달할 때 소프트 맥스 함수를 이용하여 </a:t>
+            </a:r>
+            <a:endParaRPr lang="en-US" altLang="ko-KR" b="0" baseline="0" dirty="0" smtClean="0"/>
+          </a:p>
+          <a:p>
+            <a:r>
+              <a:rPr lang="ko-KR" altLang="en-US" b="0" baseline="0" dirty="0" smtClean="0"/>
+              <a:t>주어진 파일이 정상 또는 악성에 속할 확률로 변환한 뒤</a:t>
+            </a:r>
+            <a:r>
+              <a:rPr lang="en-US" altLang="ko-KR" b="0" baseline="0" dirty="0" smtClean="0"/>
+              <a:t>, </a:t>
+            </a:r>
+            <a:r>
+              <a:rPr lang="ko-KR" altLang="en-US" b="0" baseline="0" dirty="0" smtClean="0"/>
+              <a:t>더 높은 확률을 선택하여 정상과 악성을 판별한다</a:t>
+            </a:r>
+            <a:r>
+              <a:rPr lang="en-US" altLang="ko-KR" b="0" baseline="0" dirty="0" smtClean="0"/>
+              <a:t>.</a:t>
+            </a:r>
+            <a:endParaRPr lang="en-US" altLang="ko-KR" b="0" baseline="0" dirty="0"/>
           </a:p>
         </p:txBody>
       </p:sp>
@@ -1935,6 +2431,66 @@
           <a:bodyPr/>
           <a:lstStyle/>
           <a:p>
+            <a:r>
+              <a:rPr lang="ko-KR" altLang="en-US" b="1" baseline="0" dirty="0" smtClean="0"/>
+              <a:t>다음은 </a:t>
+            </a:r>
+            <a:r>
+              <a:rPr lang="ko-KR" altLang="en-US" b="1" baseline="0" dirty="0" err="1" smtClean="0"/>
+              <a:t>데이타처리</a:t>
+            </a:r>
+            <a:r>
+              <a:rPr lang="ko-KR" altLang="en-US" b="1" baseline="0" dirty="0" smtClean="0"/>
+              <a:t> 입니다</a:t>
+            </a:r>
+            <a:r>
+              <a:rPr lang="en-US" altLang="ko-KR" b="1" baseline="0" dirty="0" smtClean="0"/>
+              <a:t>.</a:t>
+            </a:r>
+          </a:p>
+          <a:p>
+            <a:r>
+              <a:rPr lang="ko-KR" altLang="en-US" b="1" baseline="0" dirty="0" smtClean="0"/>
+              <a:t>저희는 서비스를 위해 대량의 악성코드를 갖고 있습니다</a:t>
+            </a:r>
+            <a:r>
+              <a:rPr lang="en-US" altLang="ko-KR" b="1" baseline="0" dirty="0" smtClean="0"/>
+              <a:t>. </a:t>
+            </a:r>
+            <a:r>
+              <a:rPr lang="ko-KR" altLang="en-US" b="1" baseline="0" dirty="0" smtClean="0"/>
+              <a:t>샘플은 정적</a:t>
+            </a:r>
+            <a:r>
+              <a:rPr lang="en-US" altLang="ko-KR" b="1" baseline="0" dirty="0" smtClean="0"/>
+              <a:t>,</a:t>
+            </a:r>
+            <a:r>
+              <a:rPr lang="ko-KR" altLang="en-US" b="1" baseline="0" dirty="0" smtClean="0"/>
+              <a:t>동적 분석에 이용되며 분석된 데이터는 서비스에 활용됩니다</a:t>
+            </a:r>
+            <a:r>
+              <a:rPr lang="en-US" altLang="ko-KR" b="1" baseline="0" dirty="0" smtClean="0"/>
+              <a:t>.</a:t>
+            </a:r>
+          </a:p>
+          <a:p>
+            <a:r>
+              <a:rPr lang="ko-KR" altLang="en-US" b="1" baseline="0" dirty="0" smtClean="0"/>
+              <a:t>데이터 사용에 대한 </a:t>
+            </a:r>
+            <a:r>
+              <a:rPr lang="ko-KR" altLang="en-US" b="1" baseline="0" dirty="0" err="1" smtClean="0"/>
+              <a:t>시간비용을</a:t>
+            </a:r>
+            <a:r>
+              <a:rPr lang="ko-KR" altLang="en-US" b="1" baseline="0" dirty="0" smtClean="0"/>
+              <a:t> 최소화하기 위해 데이타베이스를 사용하였습니다</a:t>
+            </a:r>
+            <a:r>
+              <a:rPr lang="en-US" altLang="ko-KR" b="1" baseline="0" dirty="0" smtClean="0"/>
+              <a:t>.</a:t>
+            </a:r>
             <a:endParaRPr lang="en-US" altLang="ko-KR" b="1" baseline="0" dirty="0"/>
           </a:p>
         </p:txBody>
@@ -2019,6 +2575,93 @@
           <a:bodyPr/>
           <a:lstStyle/>
           <a:p>
+            <a:r>
+              <a:rPr lang="ko-KR" altLang="en-US" b="1" baseline="0" dirty="0" smtClean="0"/>
+              <a:t>저희 데이타베이스는 몽고</a:t>
+            </a:r>
+            <a:r>
+              <a:rPr lang="en-US" altLang="ko-KR" b="1" baseline="0" dirty="0" err="1" smtClean="0"/>
+              <a:t>db</a:t>
+            </a:r>
+            <a:r>
+              <a:rPr lang="ko-KR" altLang="en-US" b="1" baseline="0" dirty="0" smtClean="0"/>
+              <a:t>를 사용합니다</a:t>
+            </a:r>
+            <a:r>
+              <a:rPr lang="en-US" altLang="ko-KR" b="1" baseline="0" dirty="0" smtClean="0"/>
+              <a:t>. </a:t>
+            </a:r>
+          </a:p>
+          <a:p>
+            <a:r>
+              <a:rPr lang="ko-KR" altLang="en-US" b="1" baseline="0" dirty="0" smtClean="0"/>
+              <a:t>첫째</a:t>
+            </a:r>
+            <a:r>
+              <a:rPr lang="en-US" altLang="ko-KR" b="1" baseline="0" dirty="0" smtClean="0"/>
+              <a:t>, </a:t>
+            </a:r>
+            <a:r>
+              <a:rPr lang="ko-KR" altLang="en-US" b="1" baseline="0" dirty="0" smtClean="0"/>
+              <a:t>저희는 필드가 늘어날 수 있기 때문에 필드의 유연성을 우선 고려하였기 때문에 </a:t>
+            </a:r>
+            <a:r>
+              <a:rPr lang="ko-KR" altLang="en-US" b="1" baseline="0" dirty="0" err="1" smtClean="0"/>
+              <a:t>몽고디비를</a:t>
+            </a:r>
+            <a:r>
+              <a:rPr lang="ko-KR" altLang="en-US" b="1" baseline="0" dirty="0" smtClean="0"/>
+              <a:t> 선택했습니다</a:t>
+            </a:r>
+            <a:r>
+              <a:rPr lang="en-US" altLang="ko-KR" b="1" baseline="0" dirty="0" smtClean="0"/>
+              <a:t>.</a:t>
+            </a:r>
+          </a:p>
+          <a:p>
+            <a:r>
+              <a:rPr lang="ko-KR" altLang="en-US" b="1" baseline="0" dirty="0" smtClean="0"/>
+              <a:t>둘째</a:t>
+            </a:r>
+            <a:r>
+              <a:rPr lang="en-US" altLang="ko-KR" b="1" baseline="0" dirty="0" smtClean="0"/>
+              <a:t>, </a:t>
+            </a:r>
+            <a:r>
+              <a:rPr lang="ko-KR" altLang="en-US" b="1" baseline="0" dirty="0" smtClean="0"/>
+              <a:t>또한 데이터의 삭제가 거의 일어나지 않고</a:t>
+            </a:r>
+            <a:r>
+              <a:rPr lang="en-US" altLang="ko-KR" b="1" baseline="0" dirty="0" smtClean="0"/>
+              <a:t>, </a:t>
+            </a:r>
+            <a:r>
+              <a:rPr lang="ko-KR" altLang="en-US" b="1" baseline="0" dirty="0" smtClean="0"/>
+              <a:t>분석 결과를 저장 또는 읽기 형태의 데이터 접근이 주를 이루기 때문에 </a:t>
+            </a:r>
+            <a:endParaRPr lang="en-US" altLang="ko-KR" b="1" baseline="0" dirty="0" smtClean="0"/>
+          </a:p>
+          <a:p>
+            <a:r>
+              <a:rPr lang="ko-KR" altLang="en-US" b="1" baseline="0" dirty="0" smtClean="0"/>
+              <a:t>이러한 부분에서 강점을 갖고 있는 몽고</a:t>
+            </a:r>
+            <a:r>
+              <a:rPr lang="en-US" altLang="ko-KR" b="1" baseline="0" dirty="0" smtClean="0"/>
+              <a:t>DB</a:t>
+            </a:r>
+            <a:r>
+              <a:rPr lang="ko-KR" altLang="en-US" b="1" baseline="0" dirty="0" smtClean="0"/>
+              <a:t>를 사용하기로 결정하였습니다</a:t>
+            </a:r>
+            <a:r>
+              <a:rPr lang="en-US" altLang="ko-KR" b="1" baseline="0" dirty="0" smtClean="0"/>
+              <a:t>.</a:t>
+            </a:r>
+            <a:r>
+              <a:rPr lang="ko-KR" altLang="en-US" b="1" baseline="0" dirty="0" smtClean="0"/>
+              <a:t>  </a:t>
+            </a:r>
             <a:endParaRPr lang="en-US" altLang="ko-KR" b="1" baseline="0" dirty="0"/>
           </a:p>
         </p:txBody>
@@ -2103,7 +2746,14 @@
           <a:bodyPr/>
           <a:lstStyle/>
           <a:p>
-            <a:endParaRPr lang="en-US" altLang="ko-KR" b="1" baseline="0" dirty="0"/>
+            <a:r>
+              <a:rPr lang="ko-KR" altLang="en-US" b="1" baseline="0" dirty="0" smtClean="0"/>
+              <a:t>다음으로 저희 서비스는 악성코드 분석 전문가가 보다 효율적으로 분석하기 위해 분석 요청된 파일과 유사한 파일을 찾아 그 결과를 제공합니다</a:t>
+            </a:r>
+            <a:r>
+              <a:rPr lang="en-US" altLang="ko-KR" b="1" baseline="0" dirty="0" smtClean="0"/>
+              <a:t>.</a:t>
+            </a:r>
           </a:p>
         </p:txBody>
       </p:sp>
@@ -2187,7 +2837,45 @@
           <a:bodyPr/>
           <a:lstStyle/>
           <a:p>
-            <a:endParaRPr lang="en-US" altLang="ko-KR" b="1" baseline="0" dirty="0"/>
+            <a:r>
+              <a:rPr lang="ko-KR" altLang="en-US" b="1" baseline="0" dirty="0" smtClean="0"/>
+              <a:t>파일들의 유사도 검색을 위해 </a:t>
+            </a:r>
+            <a:r>
+              <a:rPr lang="en-US" altLang="ko-KR" b="1" baseline="0" dirty="0" err="1" smtClean="0"/>
+              <a:t>SSDeep</a:t>
+            </a:r>
+            <a:r>
+              <a:rPr lang="ko-KR" altLang="en-US" b="1" baseline="0" dirty="0" smtClean="0"/>
+              <a:t>이라는 유사도 검사 툴을 사용하게 되었습니다</a:t>
+            </a:r>
+            <a:r>
+              <a:rPr lang="en-US" altLang="ko-KR" b="1" baseline="0" dirty="0" smtClean="0"/>
+              <a:t>.</a:t>
+            </a:r>
+          </a:p>
+          <a:p>
+            <a:r>
+              <a:rPr lang="en-US" altLang="ko-KR" b="1" baseline="0" dirty="0" err="1" smtClean="0"/>
+              <a:t>SSDeep</a:t>
+            </a:r>
+            <a:r>
+              <a:rPr lang="ko-KR" altLang="en-US" b="1" baseline="0" dirty="0" smtClean="0"/>
+              <a:t>은 기존의 해시와 달리 그에 맞는 비교 가능한 </a:t>
+            </a:r>
+            <a:r>
+              <a:rPr lang="en-US" altLang="ko-KR" b="1" baseline="0" dirty="0" smtClean="0"/>
+              <a:t>hash </a:t>
+            </a:r>
+            <a:r>
+              <a:rPr lang="ko-KR" altLang="en-US" b="1" baseline="0" dirty="0" smtClean="0"/>
+              <a:t>값을 도출하는 프로그램입니다</a:t>
+            </a:r>
+            <a:r>
+              <a:rPr lang="en-US" altLang="ko-KR" b="1" baseline="0" dirty="0" smtClean="0"/>
+              <a:t>. </a:t>
+            </a:r>
+            <a:endParaRPr lang="en-US" altLang="ko-KR" b="1" baseline="0" dirty="0" smtClean="0"/>
           </a:p>
         </p:txBody>
       </p:sp>
@@ -2271,7 +2959,47 @@
           <a:bodyPr/>
           <a:lstStyle/>
           <a:p>
-            <a:endParaRPr lang="en-US" altLang="ko-KR" b="1" baseline="0" dirty="0"/>
+            <a:r>
+              <a:rPr lang="ko-KR" altLang="en-US" b="1" baseline="0" dirty="0" err="1" smtClean="0"/>
+              <a:t>역인덱싱의</a:t>
+            </a:r>
+            <a:r>
+              <a:rPr lang="ko-KR" altLang="en-US" b="1" baseline="0" dirty="0" smtClean="0"/>
+              <a:t> </a:t>
+            </a:r>
+            <a:r>
+              <a:rPr lang="ko-KR" altLang="en-US" b="1" baseline="0" dirty="0" err="1" smtClean="0"/>
+              <a:t>전처리를</a:t>
+            </a:r>
+            <a:r>
+              <a:rPr lang="ko-KR" altLang="en-US" b="1" baseline="0" dirty="0" smtClean="0"/>
+              <a:t> 위해 </a:t>
+            </a:r>
+            <a:r>
+              <a:rPr lang="en-US" altLang="ko-KR" b="1" baseline="0" dirty="0" smtClean="0"/>
+              <a:t>N-gram </a:t>
+            </a:r>
+            <a:r>
+              <a:rPr lang="ko-KR" altLang="en-US" b="1" baseline="0" dirty="0" err="1" smtClean="0"/>
+              <a:t>토크나이즈</a:t>
+            </a:r>
+            <a:r>
+              <a:rPr lang="ko-KR" altLang="en-US" b="1" baseline="0" dirty="0" smtClean="0"/>
+              <a:t> 기법 중 </a:t>
+            </a:r>
+            <a:r>
+              <a:rPr lang="en-US" altLang="ko-KR" b="1" baseline="0" dirty="0" smtClean="0"/>
+              <a:t>3Gram</a:t>
+            </a:r>
+            <a:r>
+              <a:rPr lang="ko-KR" altLang="en-US" b="1" baseline="0" dirty="0" smtClean="0"/>
+              <a:t>을 사용하여 해시를 쪼겠습니다</a:t>
+            </a:r>
+            <a:r>
+              <a:rPr lang="en-US" altLang="ko-KR" b="1" baseline="0" dirty="0" smtClean="0"/>
+              <a:t>.</a:t>
+            </a:r>
+            <a:endParaRPr lang="en-US" altLang="ko-KR" b="1" baseline="0" dirty="0" smtClean="0"/>
           </a:p>
         </p:txBody>
       </p:sp>
@@ -2355,6 +3083,30 @@
           <a:bodyPr/>
           <a:lstStyle/>
           <a:p>
+            <a:r>
+              <a:rPr lang="ko-KR" altLang="en-US" b="1" baseline="0" dirty="0" smtClean="0"/>
+              <a:t>저희는 토큰의 빠른 검색을 위해 역 인덱싱 기법을 사용 하였고 이를 지원하는 </a:t>
+            </a:r>
+            <a:r>
+              <a:rPr lang="ko-KR" altLang="en-US" b="1" baseline="0" dirty="0" err="1" smtClean="0"/>
+              <a:t>엘라스틱</a:t>
+            </a:r>
+            <a:r>
+              <a:rPr lang="ko-KR" altLang="en-US" b="1" baseline="0" dirty="0" smtClean="0"/>
+              <a:t> </a:t>
+            </a:r>
+            <a:r>
+              <a:rPr lang="ko-KR" altLang="en-US" b="1" baseline="0" dirty="0" err="1" smtClean="0"/>
+              <a:t>서치를</a:t>
+            </a:r>
+            <a:r>
+              <a:rPr lang="ko-KR" altLang="en-US" b="1" baseline="0" dirty="0" smtClean="0"/>
+              <a:t> 도입하였습니다</a:t>
+            </a:r>
+            <a:r>
+              <a:rPr lang="en-US" altLang="ko-KR" b="1" baseline="0" dirty="0" smtClean="0"/>
+              <a:t>.</a:t>
+            </a:r>
             <a:endParaRPr lang="en-US" altLang="ko-KR" b="1" baseline="0" dirty="0"/>
           </a:p>
         </p:txBody>
@@ -2439,6 +3191,40 @@
           <a:bodyPr/>
           <a:lstStyle/>
           <a:p>
+            <a:r>
+              <a:rPr lang="ko-KR" altLang="en-US" b="1" baseline="0" dirty="0" smtClean="0"/>
+              <a:t>저희는 </a:t>
+            </a:r>
+            <a:r>
+              <a:rPr lang="ko-KR" altLang="en-US" b="1" baseline="0" dirty="0" smtClean="0"/>
+              <a:t>악성으로 의심되는 파일을 분석하고</a:t>
+            </a:r>
+            <a:r>
+              <a:rPr lang="en-US" altLang="ko-KR" b="1" baseline="0" dirty="0" smtClean="0"/>
+              <a:t>, </a:t>
+            </a:r>
+            <a:r>
+              <a:rPr lang="ko-KR" altLang="en-US" b="1" baseline="0" dirty="0" smtClean="0"/>
+              <a:t>분석 결과를 악성코드 분석 전문가에게 </a:t>
+            </a:r>
+            <a:r>
+              <a:rPr lang="ko-KR" altLang="en-US" b="1" baseline="0" dirty="0" smtClean="0"/>
+              <a:t>제공하는 것을 목표로 합니다</a:t>
+            </a:r>
+            <a:r>
+              <a:rPr lang="en-US" altLang="ko-KR" b="1" baseline="0" dirty="0" smtClean="0"/>
+              <a:t>.</a:t>
+            </a:r>
+          </a:p>
+          <a:p>
+            <a:r>
+              <a:rPr lang="ko-KR" altLang="en-US" b="1" baseline="0" dirty="0" smtClean="0"/>
+              <a:t>나아가 이를 오픈소스 소프트웨어로 개발하는 것을 목표로 합니다</a:t>
+            </a:r>
+            <a:r>
+              <a:rPr lang="en-US" altLang="ko-KR" b="1" baseline="0" dirty="0" smtClean="0"/>
+              <a:t>.</a:t>
+            </a:r>
             <a:endParaRPr lang="en-US" altLang="ko-KR" b="1" baseline="0" dirty="0"/>
           </a:p>
         </p:txBody>
@@ -2523,6 +3309,38 @@
           <a:bodyPr/>
           <a:lstStyle/>
           <a:p>
+            <a:r>
+              <a:rPr lang="en-US" altLang="ko-KR" b="1" baseline="0" dirty="0" smtClean="0"/>
+              <a:t> </a:t>
+            </a:r>
+            <a:r>
+              <a:rPr lang="ko-KR" altLang="en-US" b="1" baseline="0" dirty="0" smtClean="0"/>
+              <a:t>준비된 해시들의 역 인덱싱이 완료되면 새로 업로드한 파일의 </a:t>
+            </a:r>
+            <a:r>
+              <a:rPr lang="en-US" altLang="ko-KR" b="1" baseline="0" dirty="0" err="1" smtClean="0"/>
+              <a:t>ssdeep</a:t>
+            </a:r>
+            <a:r>
+              <a:rPr lang="ko-KR" altLang="en-US" b="1" baseline="0" dirty="0" smtClean="0"/>
+              <a:t>해시를 </a:t>
+            </a:r>
+            <a:r>
+              <a:rPr lang="ko-KR" altLang="en-US" b="1" baseline="0" dirty="0" err="1" smtClean="0"/>
+              <a:t>토크나이징하여</a:t>
+            </a:r>
+            <a:r>
+              <a:rPr lang="ko-KR" altLang="en-US" b="1" baseline="0" dirty="0" smtClean="0"/>
+              <a:t> 쿼리를 보내면 최종적으로 유사한 파일을 찾게 됩니다</a:t>
+            </a:r>
+            <a:r>
+              <a:rPr lang="en-US" altLang="ko-KR" b="1" baseline="0" dirty="0" smtClean="0"/>
+              <a:t>.</a:t>
+            </a:r>
+            <a:r>
+              <a:rPr lang="ko-KR" altLang="en-US" b="1" baseline="0" dirty="0" smtClean="0"/>
+              <a:t> </a:t>
+            </a:r>
             <a:endParaRPr lang="en-US" altLang="ko-KR" b="1" baseline="0" dirty="0"/>
           </a:p>
         </p:txBody>
@@ -2607,7 +3425,33 @@
           <a:bodyPr/>
           <a:lstStyle/>
           <a:p>
-            <a:endParaRPr lang="en-US" altLang="ko-KR" b="1" baseline="0" dirty="0"/>
+            <a:r>
+              <a:rPr lang="ko-KR" altLang="en-US" b="0" baseline="0" dirty="0" smtClean="0"/>
+              <a:t>장고를 이용하여</a:t>
+            </a:r>
+            <a:r>
+              <a:rPr lang="en-US" altLang="ko-KR" b="0" baseline="0" dirty="0" smtClean="0"/>
+              <a:t> </a:t>
+            </a:r>
+            <a:r>
+              <a:rPr lang="ko-KR" altLang="en-US" b="0" baseline="0" dirty="0" smtClean="0"/>
+              <a:t>웹을 통해 사용자가 악성으로 의심되는 파일을 업로드 하고</a:t>
+            </a:r>
+            <a:r>
+              <a:rPr lang="en-US" altLang="ko-KR" b="0" baseline="0" dirty="0" smtClean="0"/>
+              <a:t>, </a:t>
+            </a:r>
+            <a:r>
+              <a:rPr lang="ko-KR" altLang="en-US" b="0" baseline="0" dirty="0" smtClean="0"/>
+              <a:t>분석 결과를 볼 수 있게 하였습니다</a:t>
+            </a:r>
+            <a:r>
+              <a:rPr lang="en-US" altLang="ko-KR" b="0" baseline="0" dirty="0" smtClean="0"/>
+              <a:t>.</a:t>
+            </a:r>
+          </a:p>
+          <a:p>
+            <a:endParaRPr lang="en-US" altLang="ko-KR" b="0" baseline="0" dirty="0"/>
           </a:p>
         </p:txBody>
       </p:sp>
@@ -2691,7 +3535,23 @@
           <a:bodyPr/>
           <a:lstStyle/>
           <a:p>
-            <a:endParaRPr lang="en-US" altLang="ko-KR" b="1" baseline="0" dirty="0"/>
+            <a:r>
+              <a:rPr lang="ko-KR" altLang="en-US" b="0" baseline="0" dirty="0" smtClean="0"/>
+              <a:t>사용자의 브라우저 크기에 따라 반응하는 웹을 만들기 위해 </a:t>
+            </a:r>
+            <a:r>
+              <a:rPr lang="en-US" altLang="ko-KR" b="0" baseline="0" dirty="0" smtClean="0"/>
+              <a:t>Bootstrap</a:t>
+            </a:r>
+            <a:r>
+              <a:rPr lang="ko-KR" altLang="en-US" b="0" baseline="0" dirty="0" smtClean="0"/>
+              <a:t>을 사용하여 제작하였습니다</a:t>
+            </a:r>
+            <a:r>
+              <a:rPr lang="en-US" altLang="ko-KR" b="0" baseline="0" dirty="0" smtClean="0"/>
+              <a:t>.</a:t>
+            </a:r>
+            <a:endParaRPr lang="en-US" altLang="ko-KR" b="0" baseline="0" dirty="0"/>
           </a:p>
         </p:txBody>
       </p:sp>
@@ -2775,7 +3635,41 @@
           <a:bodyPr/>
           <a:lstStyle/>
           <a:p>
-            <a:endParaRPr lang="en-US" altLang="ko-KR" b="1" baseline="0" dirty="0"/>
+            <a:r>
+              <a:rPr lang="ko-KR" altLang="en-US" b="0" baseline="0" dirty="0" smtClean="0"/>
+              <a:t>사용자가 정적</a:t>
+            </a:r>
+            <a:r>
+              <a:rPr lang="en-US" altLang="ko-KR" b="0" baseline="0" dirty="0" smtClean="0"/>
+              <a:t>, </a:t>
+            </a:r>
+            <a:r>
+              <a:rPr lang="ko-KR" altLang="en-US" b="0" baseline="0" dirty="0" smtClean="0"/>
+              <a:t>동적</a:t>
+            </a:r>
+            <a:r>
+              <a:rPr lang="en-US" altLang="ko-KR" b="0" baseline="0" dirty="0" smtClean="0"/>
+              <a:t>, </a:t>
+            </a:r>
+            <a:r>
+              <a:rPr lang="ko-KR" altLang="en-US" b="0" baseline="0" dirty="0" smtClean="0"/>
+              <a:t>혼합 분석 중에 선택 할 수 있도록 하였고</a:t>
+            </a:r>
+            <a:r>
+              <a:rPr lang="en-US" altLang="ko-KR" b="0" baseline="0" dirty="0" smtClean="0"/>
+              <a:t>,</a:t>
+            </a:r>
+          </a:p>
+          <a:p>
+            <a:r>
+              <a:rPr lang="ko-KR" altLang="en-US" b="0" baseline="0" dirty="0" smtClean="0"/>
+              <a:t>파일 업로드 방식은 드래그 앤 드롭이나 파일을 선택하는 두가지 방식을 이용할 수 있습니다</a:t>
+            </a:r>
+            <a:r>
+              <a:rPr lang="en-US" altLang="ko-KR" b="0" baseline="0" dirty="0" smtClean="0"/>
+              <a:t>.</a:t>
+            </a:r>
+            <a:endParaRPr lang="en-US" altLang="ko-KR" b="0" baseline="0" dirty="0"/>
           </a:p>
         </p:txBody>
       </p:sp>
@@ -2859,7 +3753,35 @@
           <a:bodyPr/>
           <a:lstStyle/>
           <a:p>
-            <a:endParaRPr lang="en-US" altLang="ko-KR" b="1" baseline="0" dirty="0"/>
+            <a:r>
+              <a:rPr lang="ko-KR" altLang="en-US" b="0" baseline="0" dirty="0" smtClean="0"/>
+              <a:t>파일의 분석이 완료되면 파일 정보</a:t>
+            </a:r>
+            <a:r>
+              <a:rPr lang="en-US" altLang="ko-KR" b="0" baseline="0" dirty="0" smtClean="0"/>
+              <a:t>, AI, </a:t>
+            </a:r>
+            <a:r>
+              <a:rPr lang="ko-KR" altLang="en-US" b="0" baseline="0" dirty="0" err="1" smtClean="0"/>
+              <a:t>시그니처</a:t>
+            </a:r>
+            <a:r>
+              <a:rPr lang="en-US" altLang="ko-KR" b="0" baseline="0" dirty="0" smtClean="0"/>
+              <a:t>, </a:t>
+            </a:r>
+            <a:r>
+              <a:rPr lang="ko-KR" altLang="en-US" b="0" baseline="0" dirty="0" err="1" smtClean="0"/>
+              <a:t>유사파일에</a:t>
+            </a:r>
+            <a:r>
+              <a:rPr lang="ko-KR" altLang="en-US" b="0" baseline="0" dirty="0" smtClean="0"/>
+              <a:t> 대한 분석 결과를 알기 쉽게 보여줍니다</a:t>
+            </a:r>
+            <a:r>
+              <a:rPr lang="en-US" altLang="ko-KR" b="0" baseline="0" dirty="0" smtClean="0"/>
+              <a:t>.</a:t>
+            </a:r>
+            <a:endParaRPr lang="en-US" altLang="ko-KR" b="0" baseline="0" dirty="0"/>
           </a:p>
         </p:txBody>
       </p:sp>
@@ -3111,6 +4033,68 @@
           <a:bodyPr/>
           <a:lstStyle/>
           <a:p>
+            <a:r>
+              <a:rPr lang="ko-KR" altLang="en-US" b="1" baseline="0" dirty="0" err="1" smtClean="0"/>
+              <a:t>라벨링의</a:t>
+            </a:r>
+            <a:r>
+              <a:rPr lang="ko-KR" altLang="en-US" b="1" baseline="0" dirty="0" smtClean="0"/>
+              <a:t> 경우에는 추출해낸 악성코드의 정적</a:t>
+            </a:r>
+            <a:r>
+              <a:rPr lang="en-US" altLang="ko-KR" b="1" baseline="0" dirty="0" smtClean="0"/>
+              <a:t>/</a:t>
+            </a:r>
+            <a:r>
+              <a:rPr lang="ko-KR" altLang="en-US" b="1" baseline="0" dirty="0" smtClean="0"/>
+              <a:t>동적 정보에서 뽑은 </a:t>
+            </a:r>
+            <a:r>
+              <a:rPr lang="ko-KR" altLang="en-US" b="1" baseline="0" dirty="0" err="1" smtClean="0"/>
+              <a:t>특징점을</a:t>
+            </a:r>
+            <a:r>
+              <a:rPr lang="ko-KR" altLang="en-US" b="1" baseline="0" dirty="0" smtClean="0"/>
+              <a:t> 이용하여 실험하고 실험 결과를 토대로 기존에 사용하던 </a:t>
+            </a:r>
+            <a:r>
+              <a:rPr lang="en-US" altLang="ko-KR" b="1" baseline="0" dirty="0" smtClean="0"/>
+              <a:t>7</a:t>
+            </a:r>
+            <a:r>
+              <a:rPr lang="ko-KR" altLang="en-US" b="1" baseline="0" dirty="0" smtClean="0"/>
+              <a:t>가지 라벨에서 더욱 세분화된 라벨을 사용할 예정입니다</a:t>
+            </a:r>
+            <a:r>
+              <a:rPr lang="en-US" altLang="ko-KR" b="1" baseline="0" dirty="0" smtClean="0"/>
+              <a:t>.</a:t>
+            </a:r>
+          </a:p>
+          <a:p>
+            <a:r>
+              <a:rPr lang="ko-KR" altLang="en-US" b="1" baseline="0" dirty="0" smtClean="0"/>
+              <a:t>또</a:t>
+            </a:r>
+            <a:r>
+              <a:rPr lang="en-US" altLang="ko-KR" b="1" baseline="0" dirty="0" smtClean="0"/>
+              <a:t>, </a:t>
+            </a:r>
+            <a:r>
+              <a:rPr lang="ko-KR" altLang="en-US" b="1" baseline="0" dirty="0" smtClean="0"/>
+              <a:t>현재 </a:t>
+            </a:r>
+            <a:r>
+              <a:rPr lang="en-US" altLang="ko-KR" b="1" baseline="0" dirty="0" smtClean="0"/>
+              <a:t>AWS </a:t>
+            </a:r>
+            <a:r>
+              <a:rPr lang="ko-KR" altLang="en-US" b="1" baseline="0" dirty="0" smtClean="0"/>
+              <a:t>콘솔을 이용하고 분석 결과가 없는 파일을 직접 분석 요청하는 등 수동적이었던 점을 모두 자동화할 예정입니다</a:t>
+            </a:r>
+            <a:r>
+              <a:rPr lang="en-US" altLang="ko-KR" b="1" baseline="0" dirty="0" smtClean="0"/>
+              <a:t>.</a:t>
+            </a:r>
             <a:endParaRPr lang="en-US" altLang="ko-KR" b="1" baseline="0" dirty="0"/>
           </a:p>
         </p:txBody>
@@ -3195,6 +4179,74 @@
           <a:bodyPr/>
           <a:lstStyle/>
           <a:p>
+            <a:r>
+              <a:rPr lang="ko-KR" altLang="en-US" dirty="0"/>
+              <a:t>첫 번째</a:t>
+            </a:r>
+            <a:r>
+              <a:rPr lang="en-US" altLang="ko-KR" dirty="0"/>
+              <a:t>, </a:t>
+            </a:r>
+            <a:r>
+              <a:rPr lang="ko-KR" altLang="en-US" dirty="0"/>
+              <a:t>지영이 이야기</a:t>
+            </a:r>
+            <a:r>
+              <a:rPr lang="ko-KR" altLang="en-US" baseline="0" dirty="0"/>
+              <a:t>  동아리</a:t>
+            </a:r>
+            <a:r>
+              <a:rPr lang="en-US" altLang="ko-KR" baseline="0" dirty="0"/>
+              <a:t>: 30~40</a:t>
+            </a:r>
+            <a:r>
+              <a:rPr lang="ko-KR" altLang="en-US" baseline="0" dirty="0"/>
+              <a:t>명 총무가 한 명</a:t>
+            </a:r>
+            <a:endParaRPr lang="en-US" altLang="ko-KR" baseline="0" dirty="0"/>
+          </a:p>
+          <a:p>
+            <a:endParaRPr lang="en-US" altLang="ko-KR" baseline="0" dirty="0"/>
+          </a:p>
+          <a:p>
+            <a:r>
+              <a:rPr lang="ko-KR" altLang="en-US" baseline="0" dirty="0"/>
+              <a:t>일일이 입금했는지 </a:t>
+            </a:r>
+            <a:r>
+              <a:rPr lang="ko-KR" altLang="en-US" baseline="0" dirty="0" err="1"/>
+              <a:t>안했는지</a:t>
+            </a:r>
+            <a:r>
+              <a:rPr lang="ko-KR" altLang="en-US" baseline="0" dirty="0"/>
+              <a:t> </a:t>
+            </a:r>
+            <a:r>
+              <a:rPr lang="ko-KR" altLang="en-US" baseline="0" dirty="0" err="1"/>
+              <a:t>알아봐야하고</a:t>
+            </a:r>
+            <a:r>
+              <a:rPr lang="ko-KR" altLang="en-US" baseline="0" dirty="0"/>
+              <a:t> 입금 </a:t>
+            </a:r>
+            <a:r>
+              <a:rPr lang="ko-KR" altLang="en-US" baseline="0" dirty="0" err="1"/>
+              <a:t>안한</a:t>
+            </a:r>
+            <a:r>
+              <a:rPr lang="ko-KR" altLang="en-US" baseline="0" dirty="0"/>
+              <a:t> 사람들은 또 전화를 </a:t>
+            </a:r>
+            <a:r>
+              <a:rPr lang="ko-KR" altLang="en-US" baseline="0" dirty="0" err="1"/>
+              <a:t>돌려야하죠</a:t>
+            </a:r>
+            <a:r>
+              <a:rPr lang="en-US" altLang="ko-KR" baseline="0" dirty="0"/>
+              <a:t>.</a:t>
+            </a:r>
+          </a:p>
+          <a:p>
             <a:endParaRPr lang="en-US" altLang="ko-KR" b="1" baseline="0" dirty="0"/>
           </a:p>
         </p:txBody>
@@ -3279,7 +4331,68 @@
           <a:bodyPr/>
           <a:lstStyle/>
           <a:p>
-            <a:endParaRPr lang="en-US" altLang="ko-KR" b="1" baseline="0" dirty="0"/>
+            <a:r>
+              <a:rPr lang="ko-KR" altLang="en-US" b="0" baseline="0" dirty="0" smtClean="0"/>
+              <a:t>웹에서는 현재 제공중인 정적 분석 뿐만 아니라 동적</a:t>
+            </a:r>
+            <a:r>
+              <a:rPr lang="en-US" altLang="ko-KR" b="0" baseline="0" dirty="0" smtClean="0"/>
+              <a:t>, </a:t>
+            </a:r>
+            <a:r>
+              <a:rPr lang="ko-KR" altLang="en-US" b="0" baseline="0" dirty="0" smtClean="0"/>
+              <a:t>혼합 분석 기능을 모두 제공할 것입니다</a:t>
+            </a:r>
+            <a:r>
+              <a:rPr lang="en-US" altLang="ko-KR" b="0" baseline="0" dirty="0" smtClean="0"/>
+              <a:t>.</a:t>
+            </a:r>
+          </a:p>
+          <a:p>
+            <a:r>
+              <a:rPr lang="ko-KR" altLang="en-US" b="0" baseline="0" dirty="0" smtClean="0"/>
+              <a:t>또한 </a:t>
+            </a:r>
+            <a:r>
+              <a:rPr lang="ko-KR" altLang="en-US" b="0" baseline="0" dirty="0" err="1" smtClean="0"/>
+              <a:t>동적분석</a:t>
+            </a:r>
+            <a:r>
+              <a:rPr lang="ko-KR" altLang="en-US" b="0" baseline="0" dirty="0" smtClean="0"/>
+              <a:t> 시에 나타나는 파일의 </a:t>
+            </a:r>
+            <a:r>
+              <a:rPr lang="en-US" altLang="ko-KR" b="0" baseline="0" dirty="0" smtClean="0"/>
+              <a:t>C&amp;C </a:t>
+            </a:r>
+            <a:r>
+              <a:rPr lang="ko-KR" altLang="en-US" b="0" baseline="0" dirty="0" smtClean="0"/>
+              <a:t>서버를 </a:t>
+            </a:r>
+            <a:r>
+              <a:rPr lang="ko-KR" altLang="en-US" b="0" baseline="0" dirty="0" err="1" smtClean="0"/>
+              <a:t>시각화하고</a:t>
+            </a:r>
+            <a:r>
+              <a:rPr lang="en-US" altLang="ko-KR" b="0" baseline="0" dirty="0" smtClean="0"/>
+              <a:t>,</a:t>
+            </a:r>
+            <a:r>
+              <a:rPr lang="ko-KR" altLang="en-US" b="0" baseline="0" dirty="0" smtClean="0"/>
+              <a:t> </a:t>
+            </a:r>
+            <a:endParaRPr lang="en-US" altLang="ko-KR" b="0" baseline="0" dirty="0" smtClean="0"/>
+          </a:p>
+          <a:p>
+            <a:r>
+              <a:rPr lang="ko-KR" altLang="en-US" b="0" baseline="0" dirty="0" smtClean="0"/>
+              <a:t>표나 그래프를 통해 각종 자료를 제공할 것 입니다</a:t>
+            </a:r>
+            <a:r>
+              <a:rPr lang="en-US" altLang="ko-KR" b="0" baseline="0" dirty="0" smtClean="0"/>
+              <a:t>.</a:t>
+            </a:r>
+            <a:endParaRPr lang="en-US" altLang="ko-KR" b="0" baseline="0" dirty="0"/>
           </a:p>
         </p:txBody>
       </p:sp>
@@ -3363,6 +4476,112 @@
           <a:bodyPr/>
           <a:lstStyle/>
           <a:p>
+            <a:r>
+              <a:rPr lang="ko-KR" altLang="en-US" b="1" baseline="0" dirty="0" smtClean="0"/>
+              <a:t>저희 서비스는 이와 같이 동작합니다</a:t>
+            </a:r>
+            <a:r>
+              <a:rPr lang="en-US" altLang="ko-KR" b="1" baseline="0" dirty="0" smtClean="0"/>
+              <a:t>.</a:t>
+            </a:r>
+          </a:p>
+          <a:p>
+            <a:r>
+              <a:rPr lang="ko-KR" altLang="en-US" b="1" baseline="0" dirty="0" smtClean="0"/>
+              <a:t>유저가 </a:t>
+            </a:r>
+            <a:r>
+              <a:rPr lang="ko-KR" altLang="en-US" b="1" baseline="0" dirty="0" smtClean="0"/>
+              <a:t>업로드한 파일에 대한 </a:t>
+            </a:r>
+            <a:r>
+              <a:rPr lang="ko-KR" altLang="en-US" b="1" baseline="0" dirty="0" smtClean="0"/>
+              <a:t>분석 리포트가 </a:t>
+            </a:r>
+            <a:r>
+              <a:rPr lang="ko-KR" altLang="en-US" b="1" baseline="0" dirty="0" smtClean="0"/>
+              <a:t>데이타베이스에 있으면</a:t>
+            </a:r>
+            <a:r>
+              <a:rPr lang="en-US" altLang="ko-KR" b="1" baseline="0" dirty="0" smtClean="0"/>
+              <a:t>, </a:t>
+            </a:r>
+            <a:r>
+              <a:rPr lang="ko-KR" altLang="en-US" b="1" baseline="0" dirty="0" smtClean="0"/>
+              <a:t>그 </a:t>
+            </a:r>
+            <a:r>
+              <a:rPr lang="ko-KR" altLang="en-US" b="1" baseline="0" dirty="0" smtClean="0"/>
+              <a:t>리포트를 웹을 </a:t>
+            </a:r>
+            <a:r>
+              <a:rPr lang="ko-KR" altLang="en-US" b="1" baseline="0" dirty="0" smtClean="0"/>
+              <a:t>통해 사용자에게 보여줍니다</a:t>
+            </a:r>
+            <a:r>
+              <a:rPr lang="en-US" altLang="ko-KR" b="1" baseline="0" dirty="0" smtClean="0"/>
+              <a:t>.</a:t>
+            </a:r>
+          </a:p>
+          <a:p>
+            <a:r>
+              <a:rPr lang="ko-KR" altLang="en-US" b="1" baseline="0" dirty="0" smtClean="0"/>
+              <a:t>분석 </a:t>
+            </a:r>
+            <a:r>
+              <a:rPr lang="ko-KR" altLang="en-US" b="1" baseline="0" dirty="0" smtClean="0"/>
+              <a:t>리포트가 </a:t>
+            </a:r>
+            <a:r>
+              <a:rPr lang="ko-KR" altLang="en-US" b="1" baseline="0" dirty="0" smtClean="0"/>
+              <a:t>없으면</a:t>
+            </a:r>
+            <a:r>
+              <a:rPr lang="en-US" altLang="ko-KR" b="1" baseline="0" dirty="0" smtClean="0"/>
+              <a:t> </a:t>
+            </a:r>
+            <a:r>
+              <a:rPr lang="ko-KR" altLang="en-US" b="1" baseline="0" dirty="0" smtClean="0"/>
+              <a:t>정적</a:t>
+            </a:r>
+            <a:r>
+              <a:rPr lang="en-US" altLang="ko-KR" b="1" baseline="0" dirty="0" smtClean="0"/>
+              <a:t>, </a:t>
+            </a:r>
+            <a:r>
+              <a:rPr lang="ko-KR" altLang="en-US" b="1" baseline="0" dirty="0" smtClean="0"/>
+              <a:t>동적 분석을 각각 진행 후 리포트를 생성하고</a:t>
+            </a:r>
+            <a:r>
+              <a:rPr lang="en-US" altLang="ko-KR" b="1" baseline="0" dirty="0" smtClean="0"/>
+              <a:t>, </a:t>
+            </a:r>
+            <a:r>
+              <a:rPr lang="ko-KR" altLang="en-US" b="1" baseline="0" dirty="0" smtClean="0"/>
+              <a:t>리포트로부터 추출한 피처를 이용해 학습된 모델로부터 탐지 결과를 구합니다</a:t>
+            </a:r>
+            <a:r>
+              <a:rPr lang="en-US" altLang="ko-KR" b="1" baseline="0" dirty="0" smtClean="0"/>
+              <a:t>.</a:t>
+            </a:r>
+          </a:p>
+          <a:p>
+            <a:r>
+              <a:rPr lang="ko-KR" altLang="en-US" b="1" baseline="0" dirty="0" smtClean="0"/>
+              <a:t>이 결과들은 데이터베이스에 저장되고</a:t>
+            </a:r>
+            <a:r>
+              <a:rPr lang="en-US" altLang="ko-KR" b="1" baseline="0" dirty="0" smtClean="0"/>
+              <a:t>, </a:t>
+            </a:r>
+            <a:r>
+              <a:rPr lang="ko-KR" altLang="en-US" b="1" baseline="0" dirty="0" smtClean="0"/>
+              <a:t>웹을 통해 사용자에게 보여줍니다</a:t>
+            </a:r>
+            <a:r>
+              <a:rPr lang="en-US" altLang="ko-KR" b="1" baseline="0" dirty="0" smtClean="0"/>
+              <a:t>.</a:t>
+            </a:r>
             <a:endParaRPr lang="en-US" altLang="ko-KR" b="1" baseline="0" dirty="0"/>
           </a:p>
         </p:txBody>
@@ -3393,7 +4612,7 @@
     </p:spTree>
     <p:extLst>
       <p:ext uri="{BB962C8B-B14F-4D97-AF65-F5344CB8AC3E}">
-        <p14:creationId xmlns:p14="http://schemas.microsoft.com/office/powerpoint/2010/main" val="856650515"/>
+        <p14:creationId xmlns:p14="http://schemas.microsoft.com/office/powerpoint/2010/main" val="2242462619"/>
       </p:ext>
     </p:extLst>
   </p:cSld>
@@ -3447,7 +4666,7 @@
           <a:bodyPr/>
           <a:lstStyle/>
           <a:p>
-            <a:endParaRPr lang="en-US" altLang="ko-KR" b="1" baseline="0" dirty="0"/>
+            <a:endParaRPr lang="ko-KR" altLang="en-US" dirty="0"/>
           </a:p>
         </p:txBody>
       </p:sp>
@@ -3469,90 +4688,6 @@
             <a:fld id="{3063B5E6-5293-4DC1-8AE7-C513290765EB}" type="slidenum">
               <a:rPr lang="ko-KR" altLang="en-US" smtClean="0"/>
               <a:t>40</a:t>
-            </a:fld>
-            <a:endParaRPr lang="ko-KR" altLang="en-US"/>
-          </a:p>
-        </p:txBody>
-      </p:sp>
-    </p:spTree>
-    <p:extLst>
-      <p:ext uri="{BB962C8B-B14F-4D97-AF65-F5344CB8AC3E}">
-        <p14:creationId xmlns:p14="http://schemas.microsoft.com/office/powerpoint/2010/main" val="438843296"/>
-      </p:ext>
-    </p:extLst>
-  </p:cSld>
-  <p:clrMapOvr>
-    <a:masterClrMapping/>
-  </p:clrMapOvr>
-</p:notes>
-</file>
-
-<file path=ppt/notesSlides/notesSlide41.xml><?xml version="1.0" encoding="utf-8"?>
-<p:notes xmlns:a="http://schemas.openxmlformats.org/drawingml/2006/main" xmlns:r="http://schemas.openxmlformats.org/officeDocument/2006/relationships" xmlns:p="http://schemas.openxmlformats.org/presentationml/2006/main">
-  <p:cSld>
-    <p:spTree>
-      <p:nvGrpSpPr>
-        <p:cNvPr id="1" name=""/>
-        <p:cNvGrpSpPr/>
-        <p:nvPr/>
-      </p:nvGrpSpPr>
-      <p:grpSpPr>
-        <a:xfrm>
-          <a:off x="0" y="0"/>
-          <a:ext cx="0" cy="0"/>
-          <a:chOff x="0" y="0"/>
-          <a:chExt cx="0" cy="0"/>
-        </a:xfrm>
-      </p:grpSpPr>
-      <p:sp>
-        <p:nvSpPr>
-          <p:cNvPr id="2" name="슬라이드 이미지 개체 틀 1"/>
-          <p:cNvSpPr>
-            <a:spLocks noGrp="1" noRot="1" noChangeAspect="1"/>
-          </p:cNvSpPr>
-          <p:nvPr>
-            <p:ph type="sldImg"/>
-          </p:nvPr>
-        </p:nvSpPr>
-        <p:spPr/>
-      </p:sp>
-      <p:sp>
-        <p:nvSpPr>
-          <p:cNvPr id="3" name="슬라이드 노트 개체 틀 2"/>
-          <p:cNvSpPr>
-            <a:spLocks noGrp="1"/>
-          </p:cNvSpPr>
-          <p:nvPr>
-            <p:ph type="body" idx="1"/>
-          </p:nvPr>
-        </p:nvSpPr>
-        <p:spPr/>
-        <p:txBody>
-          <a:bodyPr/>
-          <a:lstStyle/>
-          <a:p>
-            <a:endParaRPr lang="ko-KR" altLang="en-US" dirty="0"/>
-          </a:p>
-        </p:txBody>
-      </p:sp>
-      <p:sp>
-        <p:nvSpPr>
-          <p:cNvPr id="4" name="슬라이드 번호 개체 틀 3"/>
-          <p:cNvSpPr>
-            <a:spLocks noGrp="1"/>
-          </p:cNvSpPr>
-          <p:nvPr>
-            <p:ph type="sldNum" sz="quarter" idx="10"/>
-          </p:nvPr>
-        </p:nvSpPr>
-        <p:spPr/>
-        <p:txBody>
-          <a:bodyPr/>
-          <a:lstStyle/>
-          <a:p>
-            <a:fld id="{3063B5E6-5293-4DC1-8AE7-C513290765EB}" type="slidenum">
-              <a:rPr lang="ko-KR" altLang="en-US" smtClean="0"/>
-              <a:t>41</a:t>
             </a:fld>
             <a:endParaRPr lang="ko-KR" altLang="en-US"/>
           </a:p>
@@ -3615,6 +4750,22 @@
           <a:bodyPr/>
           <a:lstStyle/>
           <a:p>
+            <a:r>
+              <a:rPr lang="ko-KR" altLang="en-US" b="1" dirty="0" smtClean="0"/>
+              <a:t>저희의 수행 내용은 </a:t>
+            </a:r>
+            <a:r>
+              <a:rPr lang="en-US" altLang="ko-KR" b="1" dirty="0" smtClean="0"/>
+              <a:t>6</a:t>
+            </a:r>
+            <a:r>
+              <a:rPr lang="ko-KR" altLang="en-US" b="1" dirty="0" smtClean="0"/>
+              <a:t>가지의 카테고리로 분류됩니다</a:t>
+            </a:r>
+            <a:r>
+              <a:rPr lang="en-US" altLang="ko-KR" b="1" dirty="0" smtClean="0"/>
+              <a:t>.</a:t>
+            </a:r>
             <a:endParaRPr lang="en-US" altLang="ko-KR" b="1" baseline="0" dirty="0"/>
           </a:p>
         </p:txBody>
@@ -3699,7 +4850,83 @@
           <a:bodyPr/>
           <a:lstStyle/>
           <a:p>
-            <a:endParaRPr lang="en-US" altLang="ko-KR" b="1" baseline="0" dirty="0"/>
+            <a:r>
+              <a:rPr lang="ko-KR" altLang="en-US" b="0" baseline="0" dirty="0" smtClean="0"/>
+              <a:t>먼저</a:t>
+            </a:r>
+            <a:r>
+              <a:rPr lang="en-US" altLang="ko-KR" b="0" baseline="0" dirty="0" smtClean="0"/>
+              <a:t>, </a:t>
+            </a:r>
+            <a:r>
+              <a:rPr lang="ko-KR" altLang="en-US" b="0" baseline="0" dirty="0" err="1" smtClean="0"/>
+              <a:t>정적분석</a:t>
+            </a:r>
+            <a:r>
+              <a:rPr lang="ko-KR" altLang="en-US" b="0" baseline="0" dirty="0" smtClean="0"/>
+              <a:t> 입니다</a:t>
+            </a:r>
+            <a:r>
+              <a:rPr lang="en-US" altLang="ko-KR" b="0" baseline="0" dirty="0" smtClean="0"/>
+              <a:t>.</a:t>
+            </a:r>
+          </a:p>
+          <a:p>
+            <a:r>
+              <a:rPr lang="ko-KR" altLang="en-US" b="0" baseline="0" dirty="0" smtClean="0"/>
+              <a:t>저희는 정적 분석 결과를 이용하는 모델을 만들기 위해 </a:t>
+            </a:r>
+            <a:r>
+              <a:rPr lang="en-US" altLang="ko-KR" b="0" baseline="0" dirty="0" err="1" smtClean="0"/>
+              <a:t>MutantX</a:t>
+            </a:r>
+            <a:r>
+              <a:rPr lang="en-US" altLang="ko-KR" b="0" baseline="0" dirty="0" smtClean="0"/>
+              <a:t> </a:t>
+            </a:r>
+            <a:r>
+              <a:rPr lang="ko-KR" altLang="en-US" b="0" baseline="0" dirty="0" smtClean="0"/>
+              <a:t>라는 논문을 읽었고</a:t>
+            </a:r>
+            <a:r>
+              <a:rPr lang="en-US" altLang="ko-KR" b="0" baseline="0" dirty="0" smtClean="0"/>
+              <a:t>, </a:t>
+            </a:r>
+          </a:p>
+          <a:p>
+            <a:r>
+              <a:rPr lang="ko-KR" altLang="en-US" b="0" baseline="0" dirty="0" smtClean="0"/>
+              <a:t>이 논문에 따르면 악성코드 데이터 셋을 </a:t>
+            </a:r>
+            <a:r>
+              <a:rPr lang="ko-KR" altLang="en-US" b="0" baseline="0" dirty="0" err="1" smtClean="0"/>
+              <a:t>디스어셈블</a:t>
+            </a:r>
+            <a:r>
+              <a:rPr lang="ko-KR" altLang="en-US" b="0" baseline="0" dirty="0" smtClean="0"/>
+              <a:t> 한 다음</a:t>
+            </a:r>
+            <a:r>
+              <a:rPr lang="en-US" altLang="ko-KR" b="0" baseline="0" dirty="0" smtClean="0"/>
+              <a:t>, </a:t>
+            </a:r>
+            <a:r>
+              <a:rPr lang="ko-KR" altLang="en-US" b="0" baseline="0" dirty="0" smtClean="0"/>
+              <a:t>명령어를 가공한 </a:t>
+            </a:r>
+            <a:r>
+              <a:rPr lang="ko-KR" altLang="en-US" b="0" baseline="0" dirty="0" err="1" smtClean="0"/>
+              <a:t>피쳐를</a:t>
+            </a:r>
+            <a:r>
+              <a:rPr lang="ko-KR" altLang="en-US" b="0" baseline="0" dirty="0" smtClean="0"/>
+              <a:t> 사용한다는 정보를 수집하였습니다</a:t>
+            </a:r>
+            <a:r>
+              <a:rPr lang="en-US" altLang="ko-KR" b="0" baseline="0" dirty="0" smtClean="0"/>
+              <a:t>.</a:t>
+            </a:r>
+            <a:endParaRPr lang="en-US" altLang="ko-KR" b="0" baseline="0" dirty="0"/>
           </a:p>
         </p:txBody>
       </p:sp>
@@ -3783,6 +5010,77 @@
           <a:bodyPr/>
           <a:lstStyle/>
           <a:p>
+            <a:r>
+              <a:rPr lang="ko-KR" altLang="en-US" b="1" dirty="0" smtClean="0"/>
+              <a:t>파일을 </a:t>
+            </a:r>
+            <a:r>
+              <a:rPr lang="ko-KR" altLang="en-US" b="1" dirty="0" err="1" smtClean="0"/>
+              <a:t>디스어셈블</a:t>
+            </a:r>
+            <a:r>
+              <a:rPr lang="ko-KR" altLang="en-US" b="1" dirty="0" smtClean="0"/>
+              <a:t> 하기 위해 </a:t>
+            </a:r>
+            <a:r>
+              <a:rPr lang="en-US" altLang="ko-KR" b="1" dirty="0" smtClean="0"/>
+              <a:t>IDA pro</a:t>
+            </a:r>
+            <a:r>
+              <a:rPr lang="ko-KR" altLang="en-US" b="1" dirty="0" smtClean="0"/>
+              <a:t>라는 소프트웨어를 이용해 </a:t>
+            </a:r>
+            <a:r>
+              <a:rPr lang="en-US" altLang="ko-KR" b="1" dirty="0" err="1" smtClean="0"/>
+              <a:t>idb</a:t>
+            </a:r>
+            <a:r>
+              <a:rPr lang="en-US" altLang="ko-KR" b="1" baseline="0" dirty="0" smtClean="0"/>
+              <a:t> </a:t>
+            </a:r>
+            <a:r>
+              <a:rPr lang="ko-KR" altLang="en-US" b="1" dirty="0" smtClean="0"/>
+              <a:t>파일로부터 </a:t>
+            </a:r>
+            <a:r>
+              <a:rPr lang="ko-KR" altLang="en-US" b="1" dirty="0" err="1" smtClean="0"/>
+              <a:t>오피코드</a:t>
+            </a:r>
+            <a:r>
+              <a:rPr lang="ko-KR" altLang="en-US" b="1" dirty="0" smtClean="0"/>
+              <a:t> 시퀀스를 추출해 </a:t>
+            </a:r>
+            <a:r>
+              <a:rPr lang="en-US" altLang="ko-KR" b="1" dirty="0" smtClean="0"/>
+              <a:t>N-gram</a:t>
+            </a:r>
+            <a:r>
+              <a:rPr lang="ko-KR" altLang="en-US" b="1" dirty="0" smtClean="0"/>
+              <a:t>기법을 통해 가공한 다음 </a:t>
+            </a:r>
+            <a:endParaRPr lang="en-US" altLang="ko-KR" b="1" dirty="0" smtClean="0"/>
+          </a:p>
+          <a:p>
+            <a:r>
+              <a:rPr lang="ko-KR" altLang="en-US" b="1" dirty="0" err="1" smtClean="0"/>
+              <a:t>피쳐해싱</a:t>
+            </a:r>
+            <a:r>
+              <a:rPr lang="ko-KR" altLang="en-US" b="1" dirty="0" smtClean="0"/>
+              <a:t> 기법을 이용해 딥 러닝에 사용될 </a:t>
+            </a:r>
+            <a:r>
+              <a:rPr lang="ko-KR" altLang="en-US" b="1" dirty="0" err="1" smtClean="0"/>
+              <a:t>피쳐를</a:t>
+            </a:r>
+            <a:r>
+              <a:rPr lang="ko-KR" altLang="en-US" b="1" dirty="0" smtClean="0"/>
+              <a:t> 만들었습니다</a:t>
+            </a:r>
+            <a:r>
+              <a:rPr lang="en-US" altLang="ko-KR" b="1" dirty="0" smtClean="0"/>
+              <a:t>.</a:t>
+            </a:r>
             <a:endParaRPr lang="en-US" altLang="ko-KR" b="1" baseline="0" dirty="0"/>
           </a:p>
         </p:txBody>
@@ -3867,6 +5165,66 @@
           <a:bodyPr/>
           <a:lstStyle/>
           <a:p>
+            <a:r>
+              <a:rPr lang="ko-KR" altLang="en-US" b="1" baseline="0" dirty="0" smtClean="0"/>
+              <a:t>다음은 </a:t>
+            </a:r>
+            <a:r>
+              <a:rPr lang="ko-KR" altLang="en-US" b="1" baseline="0" dirty="0" err="1" smtClean="0"/>
+              <a:t>동적분석</a:t>
+            </a:r>
+            <a:r>
+              <a:rPr lang="ko-KR" altLang="en-US" b="1" baseline="0" dirty="0" smtClean="0"/>
+              <a:t> 입니다</a:t>
+            </a:r>
+            <a:r>
+              <a:rPr lang="en-US" altLang="ko-KR" b="1" baseline="0" dirty="0" smtClean="0"/>
+              <a:t>.</a:t>
+            </a:r>
+          </a:p>
+          <a:p>
+            <a:r>
+              <a:rPr lang="ko-KR" altLang="en-US" b="1" baseline="0" dirty="0" err="1" smtClean="0"/>
+              <a:t>동적분석을</a:t>
+            </a:r>
+            <a:r>
+              <a:rPr lang="ko-KR" altLang="en-US" b="1" baseline="0" dirty="0" smtClean="0"/>
+              <a:t> 위해 오픈소스 소프트웨어인 </a:t>
+            </a:r>
+            <a:r>
+              <a:rPr lang="ko-KR" altLang="en-US" b="1" baseline="0" dirty="0" err="1" smtClean="0"/>
+              <a:t>쿠쿠샌드박스를</a:t>
+            </a:r>
+            <a:r>
+              <a:rPr lang="ko-KR" altLang="en-US" b="1" baseline="0" dirty="0" smtClean="0"/>
+              <a:t> 이용합니다</a:t>
+            </a:r>
+            <a:r>
+              <a:rPr lang="en-US" altLang="ko-KR" b="1" baseline="0" dirty="0" smtClean="0"/>
+              <a:t>.</a:t>
+            </a:r>
+          </a:p>
+          <a:p>
+            <a:r>
+              <a:rPr lang="ko-KR" altLang="en-US" b="1" baseline="0" dirty="0" err="1" smtClean="0"/>
+              <a:t>쿠쿠샌드박스는</a:t>
+            </a:r>
+            <a:r>
+              <a:rPr lang="ko-KR" altLang="en-US" b="1" baseline="0" dirty="0" smtClean="0"/>
+              <a:t> 비정상적인 접근을 탐지하기 위해 의도적으로 설치해 둔 시스템인 </a:t>
+            </a:r>
+            <a:r>
+              <a:rPr lang="ko-KR" altLang="en-US" b="1" baseline="0" dirty="0" err="1" smtClean="0"/>
+              <a:t>허니팟에</a:t>
+            </a:r>
+            <a:r>
+              <a:rPr lang="ko-KR" altLang="en-US" b="1" baseline="0" dirty="0" smtClean="0"/>
+              <a:t> 기초합니다</a:t>
+            </a:r>
+            <a:r>
+              <a:rPr lang="en-US" altLang="ko-KR" b="1" baseline="0" dirty="0" smtClean="0"/>
+              <a:t>.</a:t>
+            </a:r>
             <a:endParaRPr lang="en-US" altLang="ko-KR" b="1" baseline="0" dirty="0"/>
           </a:p>
         </p:txBody>
@@ -3951,6 +5309,59 @@
           <a:bodyPr/>
           <a:lstStyle/>
           <a:p>
+            <a:r>
+              <a:rPr lang="ko-KR" altLang="en-US" b="1" baseline="0" dirty="0" err="1" smtClean="0"/>
+              <a:t>쿠쿠샌드박스는</a:t>
+            </a:r>
+            <a:r>
+              <a:rPr lang="ko-KR" altLang="en-US" b="1" baseline="0" dirty="0" smtClean="0"/>
+              <a:t> 웹 인터페이스를 제공합니다</a:t>
+            </a:r>
+            <a:r>
+              <a:rPr lang="en-US" altLang="ko-KR" b="1" baseline="0" dirty="0" smtClean="0"/>
+              <a:t>. </a:t>
+            </a:r>
+          </a:p>
+          <a:p>
+            <a:r>
+              <a:rPr lang="ko-KR" altLang="en-US" b="1" baseline="0" dirty="0" smtClean="0"/>
+              <a:t>분석을 위해서는 웹 인터페이스를 이용하여 드래그 앤 </a:t>
+            </a:r>
+            <a:r>
+              <a:rPr lang="ko-KR" altLang="en-US" b="1" baseline="0" dirty="0" err="1" smtClean="0"/>
+              <a:t>드랍으로</a:t>
+            </a:r>
+            <a:r>
+              <a:rPr lang="ko-KR" altLang="en-US" b="1" baseline="0" dirty="0" smtClean="0"/>
+              <a:t> 파일을 업로드할 수 있지만 </a:t>
+            </a:r>
+            <a:endParaRPr lang="en-US" altLang="ko-KR" b="1" baseline="0" dirty="0" smtClean="0"/>
+          </a:p>
+          <a:p>
+            <a:r>
+              <a:rPr lang="ko-KR" altLang="en-US" b="1" baseline="0" dirty="0" smtClean="0"/>
+              <a:t>본 프로젝트에서는 </a:t>
+            </a:r>
+            <a:r>
+              <a:rPr lang="ko-KR" altLang="en-US" b="1" baseline="0" dirty="0" err="1" smtClean="0"/>
+              <a:t>동적분석의</a:t>
+            </a:r>
+            <a:r>
+              <a:rPr lang="ko-KR" altLang="en-US" b="1" baseline="0" dirty="0" smtClean="0"/>
+              <a:t> 자동화를 위해 </a:t>
+            </a:r>
+            <a:r>
+              <a:rPr lang="en-US" altLang="ko-KR" b="1" baseline="0" dirty="0" smtClean="0"/>
+              <a:t>rest </a:t>
+            </a:r>
+            <a:r>
+              <a:rPr lang="en-US" altLang="ko-KR" b="1" baseline="0" dirty="0" err="1" smtClean="0"/>
+              <a:t>api</a:t>
+            </a:r>
+            <a:r>
+              <a:rPr lang="en-US" altLang="ko-KR" b="1" baseline="0" dirty="0" smtClean="0"/>
+              <a:t> </a:t>
+            </a:r>
             <a:endParaRPr lang="en-US" altLang="ko-KR" b="1" baseline="0" dirty="0"/>
           </a:p>
         </p:txBody>
@@ -4170,7 +5581,7 @@
           <a:p>
             <a:fld id="{C80845E8-CBA7-44A4-9BF1-8C4D3ADDFD61}" type="datetime1">
               <a:rPr lang="ko-KR" altLang="en-US" smtClean="0"/>
-              <a:t>2018-04-12</a:t>
+              <a:t>2018-04-13</a:t>
             </a:fld>
             <a:endParaRPr lang="ko-KR" altLang="en-US"/>
           </a:p>
@@ -4333,7 +5744,7 @@
           <a:p>
             <a:fld id="{C86104A9-899E-4AC6-9CB4-CA4F376DAF36}" type="datetime1">
               <a:rPr lang="ko-KR" altLang="en-US" smtClean="0"/>
-              <a:t>2018-04-12</a:t>
+              <a:t>2018-04-13</a:t>
             </a:fld>
             <a:endParaRPr lang="ko-KR" altLang="en-US"/>
           </a:p>
@@ -4506,7 +5917,7 @@
           <a:p>
             <a:fld id="{DE1F30FA-6B24-4CAA-94A7-9D2E79AE220B}" type="datetime1">
               <a:rPr lang="ko-KR" altLang="en-US" smtClean="0"/>
-              <a:t>2018-04-12</a:t>
+              <a:t>2018-04-13</a:t>
             </a:fld>
             <a:endParaRPr lang="ko-KR" altLang="en-US"/>
           </a:p>
@@ -4669,7 +6080,7 @@
           <a:p>
             <a:fld id="{70C2F5F3-A3F3-46E4-83A8-03969F735684}" type="datetime1">
               <a:rPr lang="ko-KR" altLang="en-US" smtClean="0"/>
-              <a:t>2018-04-12</a:t>
+              <a:t>2018-04-13</a:t>
             </a:fld>
             <a:endParaRPr lang="ko-KR" altLang="en-US"/>
           </a:p>
@@ -4909,7 +6320,7 @@
           <a:p>
             <a:fld id="{7916381C-D0DD-49C2-8578-01F6C479D610}" type="datetime1">
               <a:rPr lang="ko-KR" altLang="en-US" smtClean="0"/>
-              <a:t>2018-04-12</a:t>
+              <a:t>2018-04-13</a:t>
             </a:fld>
             <a:endParaRPr lang="ko-KR" altLang="en-US"/>
           </a:p>
@@ -5189,7 +6600,7 @@
           <a:p>
             <a:fld id="{D2E5FB1D-EDC3-4737-8564-6FFA4A3708C6}" type="datetime1">
               <a:rPr lang="ko-KR" altLang="en-US" smtClean="0"/>
-              <a:t>2018-04-12</a:t>
+              <a:t>2018-04-13</a:t>
             </a:fld>
             <a:endParaRPr lang="ko-KR" altLang="en-US"/>
           </a:p>
@@ -5603,7 +7014,7 @@
           <a:p>
             <a:fld id="{B9A81808-F509-4AD9-B1CD-8E817FA5DBE1}" type="datetime1">
               <a:rPr lang="ko-KR" altLang="en-US" smtClean="0"/>
-              <a:t>2018-04-12</a:t>
+              <a:t>2018-04-13</a:t>
             </a:fld>
             <a:endParaRPr lang="ko-KR" altLang="en-US"/>
           </a:p>
@@ -5715,7 +7126,7 @@
           <a:p>
             <a:fld id="{FE88A038-DEAF-4AB2-A497-6002EEC10D23}" type="datetime1">
               <a:rPr lang="ko-KR" altLang="en-US" smtClean="0"/>
-              <a:t>2018-04-12</a:t>
+              <a:t>2018-04-13</a:t>
             </a:fld>
             <a:endParaRPr lang="ko-KR" altLang="en-US"/>
           </a:p>
@@ -5805,7 +7216,7 @@
           <a:p>
             <a:fld id="{25919578-08C0-4E9B-8879-A8F91A412045}" type="datetime1">
               <a:rPr lang="ko-KR" altLang="en-US" smtClean="0"/>
-              <a:t>2018-04-12</a:t>
+              <a:t>2018-04-13</a:t>
             </a:fld>
             <a:endParaRPr lang="ko-KR" altLang="en-US"/>
           </a:p>
@@ -6427,7 +7838,7 @@
           <a:p>
             <a:fld id="{029B22D2-D0AD-4828-99F8-63D3E6407467}" type="datetime1">
               <a:rPr lang="ko-KR" altLang="en-US" smtClean="0"/>
-              <a:t>2018-04-12</a:t>
+              <a:t>2018-04-13</a:t>
             </a:fld>
             <a:endParaRPr lang="ko-KR" altLang="en-US"/>
           </a:p>
@@ -6674,7 +8085,7 @@
           <a:p>
             <a:fld id="{5770740F-69BD-4571-962C-D37471F06B18}" type="datetime1">
               <a:rPr lang="ko-KR" altLang="en-US" smtClean="0"/>
-              <a:t>2018-04-12</a:t>
+              <a:t>2018-04-13</a:t>
             </a:fld>
             <a:endParaRPr lang="ko-KR" altLang="en-US"/>
           </a:p>
@@ -6880,7 +8291,7 @@
           <a:p>
             <a:fld id="{5B17AB5E-8CDC-439A-8C42-236AAEEF8422}" type="datetime1">
               <a:rPr lang="ko-KR" altLang="en-US" smtClean="0"/>
-              <a:t>2018-04-12</a:t>
+              <a:t>2018-04-13</a:t>
             </a:fld>
             <a:endParaRPr lang="ko-KR" altLang="en-US"/>
           </a:p>
@@ -7418,7 +8829,7 @@
         </p:nvSpPr>
         <p:spPr>
           <a:xfrm>
-            <a:off x="4414555" y="2610997"/>
+            <a:off x="4414555" y="2601666"/>
             <a:ext cx="4020872" cy="276999"/>
           </a:xfrm>
           <a:prstGeom prst="rect">
@@ -7806,7 +9217,7 @@
         </p:nvSpPr>
         <p:spPr>
           <a:xfrm>
-            <a:off x="6704258" y="2632974"/>
+            <a:off x="6704258" y="2631972"/>
             <a:ext cx="1016625" cy="1862048"/>
           </a:xfrm>
           <a:prstGeom prst="rect">
@@ -8071,6 +9482,13 @@
   <p:transition>
     <p:fade/>
   </p:transition>
+  <p:timing>
+    <p:tnLst>
+      <p:par>
+        <p:cTn id="1" dur="indefinite" restart="never" nodeType="tmRoot"/>
+      </p:par>
+    </p:tnLst>
+  </p:timing>
 </p:sld>
 </file>
 
@@ -8788,6 +10206,13 @@
   <p:transition>
     <p:fade/>
   </p:transition>
+  <p:timing>
+    <p:tnLst>
+      <p:par>
+        <p:cTn id="1" dur="indefinite" restart="never" nodeType="tmRoot"/>
+      </p:par>
+    </p:tnLst>
+  </p:timing>
 </p:sld>
 </file>
 
@@ -9669,6 +11094,13 @@
   <p:transition>
     <p:fade/>
   </p:transition>
+  <p:timing>
+    <p:tnLst>
+      <p:par>
+        <p:cTn id="1" dur="indefinite" restart="never" nodeType="tmRoot"/>
+      </p:par>
+    </p:tnLst>
+  </p:timing>
 </p:sld>
 </file>
 
@@ -10963,6 +12395,13 @@
   <p:transition>
     <p:fade/>
   </p:transition>
+  <p:timing>
+    <p:tnLst>
+      <p:par>
+        <p:cTn id="1" dur="indefinite" restart="never" nodeType="tmRoot"/>
+      </p:par>
+    </p:tnLst>
+  </p:timing>
 </p:sld>
 </file>
 
@@ -12018,6 +13457,13 @@
   <p:transition>
     <p:fade/>
   </p:transition>
+  <p:timing>
+    <p:tnLst>
+      <p:par>
+        <p:cTn id="1" dur="indefinite" restart="never" nodeType="tmRoot"/>
+      </p:par>
+    </p:tnLst>
+  </p:timing>
 </p:sld>
 </file>
 
@@ -12698,6 +14144,13 @@
   <p:transition>
     <p:fade/>
   </p:transition>
+  <p:timing>
+    <p:tnLst>
+      <p:par>
+        <p:cTn id="1" dur="indefinite" restart="never" nodeType="tmRoot"/>
+      </p:par>
+    </p:tnLst>
+  </p:timing>
 </p:sld>
 </file>
 
@@ -13359,6 +14812,13 @@
   <p:transition>
     <p:fade/>
   </p:transition>
+  <p:timing>
+    <p:tnLst>
+      <p:par>
+        <p:cTn id="1" dur="indefinite" restart="never" nodeType="tmRoot"/>
+      </p:par>
+    </p:tnLst>
+  </p:timing>
 </p:sld>
 </file>
 
@@ -13831,6 +15291,13 @@
   <p:transition>
     <p:fade/>
   </p:transition>
+  <p:timing>
+    <p:tnLst>
+      <p:par>
+        <p:cTn id="1" dur="indefinite" restart="never" nodeType="tmRoot"/>
+      </p:par>
+    </p:tnLst>
+  </p:timing>
 </p:sld>
 </file>
 
@@ -14372,6 +15839,13 @@
   <p:transition>
     <p:fade/>
   </p:transition>
+  <p:timing>
+    <p:tnLst>
+      <p:par>
+        <p:cTn id="1" dur="indefinite" restart="never" nodeType="tmRoot"/>
+      </p:par>
+    </p:tnLst>
+  </p:timing>
 </p:sld>
 </file>
 
@@ -15923,6 +17397,13 @@
   <p:transition>
     <p:fade/>
   </p:transition>
+  <p:timing>
+    <p:tnLst>
+      <p:par>
+        <p:cTn id="1" dur="indefinite" restart="never" nodeType="tmRoot"/>
+      </p:par>
+    </p:tnLst>
+  </p:timing>
 </p:sld>
 </file>
 
@@ -16652,6 +18133,13 @@
   <p:transition>
     <p:fade/>
   </p:transition>
+  <p:timing>
+    <p:tnLst>
+      <p:par>
+        <p:cTn id="1" dur="indefinite" restart="never" nodeType="tmRoot"/>
+      </p:par>
+    </p:tnLst>
+  </p:timing>
 </p:sld>
 </file>
 
@@ -17451,6 +18939,13 @@
   <p:transition>
     <p:fade/>
   </p:transition>
+  <p:timing>
+    <p:tnLst>
+      <p:par>
+        <p:cTn id="1" dur="indefinite" restart="never" nodeType="tmRoot"/>
+      </p:par>
+    </p:tnLst>
+  </p:timing>
 </p:sld>
 </file>
 
@@ -18232,6 +19727,13 @@
   <p:transition>
     <p:fade/>
   </p:transition>
+  <p:timing>
+    <p:tnLst>
+      <p:par>
+        <p:cTn id="1" dur="indefinite" restart="never" nodeType="tmRoot"/>
+      </p:par>
+    </p:tnLst>
+  </p:timing>
 </p:sld>
 </file>
 
@@ -20412,17 +21914,27 @@
                 <a:latin typeface="나눔고딕" panose="020B0600000101010101" charset="-127"/>
                 <a:ea typeface="나눔고딕" panose="020B0600000101010101" charset="-127"/>
               </a:rPr>
-              <a:t>대량의 악성코드</a:t>
-            </a:r>
-            <a:r>
-              <a:rPr lang="ko-KR" altLang="ko-KR" sz="1600" dirty="0">
+              <a:t>대량의 </a:t>
+            </a:r>
+            <a:r>
+              <a:rPr lang="ko-KR" altLang="ko-KR" sz="1600" b="1" dirty="0" smtClean="0">
                 <a:solidFill>
                   <a:schemeClr val="bg1"/>
                 </a:solidFill>
                 <a:latin typeface="나눔고딕" panose="020B0600000101010101" charset="-127"/>
                 <a:ea typeface="나눔고딕" panose="020B0600000101010101" charset="-127"/>
               </a:rPr>
-              <a:t> 샘플 </a:t>
+              <a:t>악성코드</a:t>
+            </a:r>
+            <a:r>
+              <a:rPr lang="ko-KR" altLang="ko-KR" sz="1600" dirty="0" smtClean="0">
+                <a:solidFill>
+                  <a:schemeClr val="bg1"/>
+                </a:solidFill>
+                <a:latin typeface="나눔고딕" panose="020B0600000101010101" charset="-127"/>
+                <a:ea typeface="나눔고딕" panose="020B0600000101010101" charset="-127"/>
+              </a:rPr>
+              <a:t> </a:t>
             </a:r>
             <a:r>
               <a:rPr lang="ko-KR" altLang="ko-KR" sz="1600" dirty="0" err="1">
@@ -24256,9 +25768,9 @@
         <p:grpSpPr>
           <a:xfrm>
             <a:off x="971600" y="1592096"/>
-            <a:ext cx="7128792" cy="3885632"/>
+            <a:ext cx="7128792" cy="3887529"/>
             <a:chOff x="1115616" y="1439885"/>
-            <a:chExt cx="7128792" cy="3885632"/>
+            <a:chExt cx="7128792" cy="3887529"/>
           </a:xfrm>
         </p:grpSpPr>
         <p:pic>
@@ -24299,8 +25811,8 @@
           </p:nvSpPr>
           <p:spPr>
             <a:xfrm>
-              <a:off x="2555776" y="5017740"/>
-              <a:ext cx="4350743" cy="307777"/>
+              <a:off x="2594185" y="5019637"/>
+              <a:ext cx="4243662" cy="307777"/>
             </a:xfrm>
             <a:prstGeom prst="rect">
               <a:avLst/>
@@ -24316,7 +25828,7 @@
             <a:lstStyle/>
             <a:p>
               <a:r>
-                <a:rPr lang="ko-KR" altLang="en-US" sz="1400" b="1" spc="-130" dirty="0" err="1">
+                <a:rPr lang="ko-KR" altLang="en-US" sz="1400" b="1" spc="-130" dirty="0" err="1" smtClean="0">
                   <a:ln>
                     <a:solidFill>
                       <a:schemeClr val="accent1">
@@ -24331,10 +25843,64 @@
                   <a:ea typeface="나눔고딕" panose="020D0604000000000000" pitchFamily="50" charset="-127"/>
                   <a:cs typeface="Arial Unicode MS" panose="020B0604020202020204" pitchFamily="50" charset="-127"/>
                 </a:rPr>
-                <a:t>스트링</a:t>
+                <a:t>역인덱싱의</a:t>
               </a:r>
               <a:r>
-                <a:rPr lang="ko-KR" altLang="en-US" sz="1400" b="1" spc="-130" dirty="0">
+                <a:rPr lang="ko-KR" altLang="en-US" sz="1400" b="1" spc="-130" dirty="0" smtClean="0">
+                  <a:ln>
+                    <a:solidFill>
+                      <a:schemeClr val="accent1">
+                        <a:alpha val="0"/>
+                      </a:schemeClr>
+                    </a:solidFill>
+                  </a:ln>
+                  <a:solidFill>
+                    <a:schemeClr val="bg1"/>
+                  </a:solidFill>
+                  <a:latin typeface="나눔고딕" panose="020D0604000000000000" pitchFamily="50" charset="-127"/>
+                  <a:ea typeface="나눔고딕" panose="020D0604000000000000" pitchFamily="50" charset="-127"/>
+                  <a:cs typeface="Arial Unicode MS" panose="020B0604020202020204" pitchFamily="50" charset="-127"/>
+                </a:rPr>
+                <a:t> 전처리 위해 </a:t>
+              </a:r>
+              <a:r>
+                <a:rPr lang="en-US" altLang="ko-KR" sz="1400" b="1" spc="-130" dirty="0" smtClean="0">
+                  <a:ln>
+                    <a:solidFill>
+                      <a:schemeClr val="accent1">
+                        <a:alpha val="0"/>
+                      </a:schemeClr>
+                    </a:solidFill>
+                  </a:ln>
+                  <a:solidFill>
+                    <a:schemeClr val="bg1"/>
+                  </a:solidFill>
+                  <a:latin typeface="나눔고딕" panose="020D0604000000000000" pitchFamily="50" charset="-127"/>
+                  <a:ea typeface="나눔고딕" panose="020D0604000000000000" pitchFamily="50" charset="-127"/>
+                  <a:cs typeface="Arial Unicode MS" panose="020B0604020202020204" pitchFamily="50" charset="-127"/>
+                </a:rPr>
+                <a:t>N-Gram </a:t>
+              </a:r>
+              <a:r>
+                <a:rPr lang="en-US" altLang="ko-KR" sz="1400" b="1" spc="-130" dirty="0">
+                  <a:ln>
+                    <a:solidFill>
+                      <a:schemeClr val="accent1">
+                        <a:alpha val="0"/>
+                      </a:schemeClr>
+                    </a:solidFill>
+                  </a:ln>
+                  <a:solidFill>
+                    <a:schemeClr val="bg1"/>
+                  </a:solidFill>
+                  <a:latin typeface="나눔고딕" panose="020D0604000000000000" pitchFamily="50" charset="-127"/>
+                  <a:ea typeface="나눔고딕" panose="020D0604000000000000" pitchFamily="50" charset="-127"/>
+                  <a:cs typeface="Arial Unicode MS" panose="020B0604020202020204" pitchFamily="50" charset="-127"/>
+                </a:rPr>
+                <a:t>Tokenize </a:t>
+              </a:r>
+              <a:r>
+                <a:rPr lang="en-US" altLang="ko-KR" sz="1400" b="1" spc="-130" dirty="0" smtClean="0">
                   <a:ln>
                     <a:solidFill>
                       <a:schemeClr val="accent1">
@@ -24352,7 +25918,7 @@
                 <a:t> </a:t>
               </a:r>
               <a:r>
-                <a:rPr lang="ko-KR" altLang="en-US" sz="1400" b="1" spc="-130" dirty="0" err="1">
+                <a:rPr lang="ko-KR" altLang="en-US" sz="1400" b="1" spc="-130" dirty="0" smtClean="0">
                   <a:ln>
                     <a:solidFill>
                       <a:schemeClr val="accent1">
@@ -24367,10 +25933,10 @@
                   <a:ea typeface="나눔고딕" panose="020D0604000000000000" pitchFamily="50" charset="-127"/>
                   <a:cs typeface="Arial Unicode MS" panose="020B0604020202020204" pitchFamily="50" charset="-127"/>
                 </a:rPr>
-                <a:t>매칭을</a:t>
+                <a:t>중 </a:t>
               </a:r>
               <a:r>
-                <a:rPr lang="ko-KR" altLang="en-US" sz="1400" b="1" spc="-130" dirty="0">
+                <a:rPr lang="en-US" altLang="ko-KR" sz="1400" b="1" spc="-130" dirty="0" smtClean="0">
                   <a:ln>
                     <a:solidFill>
                       <a:schemeClr val="accent1">
@@ -24385,10 +25951,10 @@
                   <a:ea typeface="나눔고딕" panose="020D0604000000000000" pitchFamily="50" charset="-127"/>
                   <a:cs typeface="Arial Unicode MS" panose="020B0604020202020204" pitchFamily="50" charset="-127"/>
                 </a:rPr>
-                <a:t> 하기 위해 </a:t>
+                <a:t>3-gram</a:t>
               </a:r>
               <a:r>
-                <a:rPr lang="en-US" altLang="ko-KR" sz="1400" b="1" spc="-130" dirty="0">
+                <a:rPr lang="ko-KR" altLang="en-US" sz="1400" b="1" spc="-130" dirty="0" smtClean="0">
                   <a:ln>
                     <a:solidFill>
                       <a:schemeClr val="accent1">
@@ -24403,26 +25969,23 @@
                   <a:ea typeface="나눔고딕" panose="020D0604000000000000" pitchFamily="50" charset="-127"/>
                   <a:cs typeface="Arial Unicode MS" panose="020B0604020202020204" pitchFamily="50" charset="-127"/>
                 </a:rPr>
-                <a:t>N-Gram Tokenize </a:t>
+                <a:t>을 이용</a:t>
               </a:r>
-              <a:r>
-                <a:rPr lang="ko-KR" altLang="en-US" sz="1400" b="1" spc="-130" dirty="0">
-                  <a:ln>
-                    <a:solidFill>
-                      <a:schemeClr val="accent1">
-                        <a:alpha val="0"/>
-                      </a:schemeClr>
-                    </a:solidFill>
-                  </a:ln>
+              <a:endParaRPr lang="ko-KR" altLang="en-US" sz="1400" b="1" spc="-130" dirty="0">
+                <a:ln>
                   <a:solidFill>
-                    <a:schemeClr val="bg1"/>
+                    <a:schemeClr val="accent1">
+                      <a:alpha val="0"/>
+                    </a:schemeClr>
                   </a:solidFill>
-                  <a:latin typeface="나눔고딕" panose="020D0604000000000000" pitchFamily="50" charset="-127"/>
-                  <a:ea typeface="나눔고딕" panose="020D0604000000000000" pitchFamily="50" charset="-127"/>
-                  <a:cs typeface="Arial Unicode MS" panose="020B0604020202020204" pitchFamily="50" charset="-127"/>
-                </a:rPr>
-                <a:t>를 이용하여 전 처리</a:t>
-              </a:r>
+                </a:ln>
+                <a:solidFill>
+                  <a:schemeClr val="bg1"/>
+                </a:solidFill>
+                <a:latin typeface="나눔고딕" panose="020D0604000000000000" pitchFamily="50" charset="-127"/>
+                <a:ea typeface="나눔고딕" panose="020D0604000000000000" pitchFamily="50" charset="-127"/>
+                <a:cs typeface="Arial Unicode MS" panose="020B0604020202020204" pitchFamily="50" charset="-127"/>
+              </a:endParaRPr>
             </a:p>
           </p:txBody>
         </p:sp>
@@ -25117,7 +26680,7 @@
                 <a:t>된 </a:t>
               </a:r>
               <a:r>
-                <a:rPr lang="en-US" altLang="ko-KR" sz="1400" b="1" spc="-130" dirty="0">
+                <a:rPr lang="en-US" altLang="ko-KR" sz="1400" b="1" spc="-130" dirty="0" smtClean="0">
                   <a:ln>
                     <a:solidFill>
                       <a:schemeClr val="accent1">
@@ -25150,7 +26713,43 @@
                   <a:ea typeface="나눔고딕" panose="020D0604000000000000" pitchFamily="50" charset="-127"/>
                   <a:cs typeface="Arial Unicode MS" panose="020B0604020202020204" pitchFamily="50" charset="-127"/>
                 </a:rPr>
-                <a:t>를 빠른 검색 을</a:t>
+                <a:t>의</a:t>
+              </a:r>
+              <a:r>
+                <a:rPr lang="ko-KR" altLang="en-US" sz="1400" b="1" spc="-130" dirty="0" smtClean="0">
+                  <a:ln>
+                    <a:solidFill>
+                      <a:schemeClr val="accent1">
+                        <a:alpha val="0"/>
+                      </a:schemeClr>
+                    </a:solidFill>
+                  </a:ln>
+                  <a:solidFill>
+                    <a:schemeClr val="bg1"/>
+                  </a:solidFill>
+                  <a:latin typeface="나눔고딕" panose="020D0604000000000000" pitchFamily="50" charset="-127"/>
+                  <a:ea typeface="나눔고딕" panose="020D0604000000000000" pitchFamily="50" charset="-127"/>
+                  <a:cs typeface="Arial Unicode MS" panose="020B0604020202020204" pitchFamily="50" charset="-127"/>
+                </a:rPr>
+                <a:t> </a:t>
+              </a:r>
+              <a:r>
+                <a:rPr lang="ko-KR" altLang="en-US" sz="1400" b="1" spc="-130" dirty="0">
+                  <a:ln>
+                    <a:solidFill>
+                      <a:schemeClr val="accent1">
+                        <a:alpha val="0"/>
+                      </a:schemeClr>
+                    </a:solidFill>
+                  </a:ln>
+                  <a:solidFill>
+                    <a:schemeClr val="bg1"/>
+                  </a:solidFill>
+                  <a:latin typeface="나눔고딕" panose="020D0604000000000000" pitchFamily="50" charset="-127"/>
+                  <a:ea typeface="나눔고딕" panose="020D0604000000000000" pitchFamily="50" charset="-127"/>
+                  <a:cs typeface="Arial Unicode MS" panose="020B0604020202020204" pitchFamily="50" charset="-127"/>
+                </a:rPr>
+                <a:t>빠른 검색 을</a:t>
               </a:r>
               <a:r>
                 <a:rPr lang="en-US" altLang="ko-KR" sz="1400" b="1" spc="-130" dirty="0">
@@ -26214,6 +27813,13 @@
   <p:transition>
     <p:fade/>
   </p:transition>
+  <p:timing>
+    <p:tnLst>
+      <p:par>
+        <p:cTn id="1" dur="indefinite" restart="never" nodeType="tmRoot"/>
+      </p:par>
+    </p:tnLst>
+  </p:timing>
 </p:sld>
 </file>
 
@@ -34174,14 +35780,14 @@
           <a:p>
             <a:pPr algn="ctr"/>
             <a:r>
-              <a:rPr lang="ko-KR" altLang="en-US" dirty="0" err="1">
+              <a:rPr lang="ko-KR" altLang="en-US" dirty="0" smtClean="0">
                 <a:solidFill>
                   <a:srgbClr val="FAC11E"/>
                 </a:solidFill>
                 <a:latin typeface="나눔고딕 ExtraBold" panose="020D0904000000000000" pitchFamily="50" charset="-127"/>
                 <a:ea typeface="나눔고딕 ExtraBold" panose="020D0904000000000000" pitchFamily="50" charset="-127"/>
               </a:rPr>
-              <a:t>라벨링</a:t>
+              <a:t>리포트</a:t>
             </a:r>
             <a:endParaRPr lang="ko-KR" altLang="en-US" dirty="0">
               <a:solidFill>
@@ -34586,7 +36192,7 @@
     </p:spTree>
     <p:extLst>
       <p:ext uri="{BB962C8B-B14F-4D97-AF65-F5344CB8AC3E}">
-        <p14:creationId xmlns:p14="http://schemas.microsoft.com/office/powerpoint/2010/main" val="3955342593"/>
+        <p14:creationId xmlns:p14="http://schemas.microsoft.com/office/powerpoint/2010/main" val="1645657423"/>
       </p:ext>
     </p:extLst>
   </p:cSld>
@@ -34596,6 +36202,13 @@
   <p:transition>
     <p:fade/>
   </p:transition>
+  <p:timing>
+    <p:tnLst>
+      <p:par>
+        <p:cTn id="1" dur="indefinite" restart="never" nodeType="tmRoot"/>
+      </p:par>
+    </p:tnLst>
+  </p:timing>
 </p:sld>
 </file>
 
@@ -34618,26 +36231,20 @@
       </p:grpSpPr>
       <p:sp>
         <p:nvSpPr>
-          <p:cNvPr id="9" name="직사각형 8">
-            <a:extLst>
-              <a:ext uri="{FF2B5EF4-FFF2-40B4-BE49-F238E27FC236}">
-                <a16:creationId xmlns:a16="http://schemas.microsoft.com/office/drawing/2014/main" id="{B80EA028-891F-4936-A7EB-77DD1CDB957B}"/>
-              </a:ext>
-            </a:extLst>
-          </p:cNvPr>
+          <p:cNvPr id="2" name="직사각형 1"/>
           <p:cNvSpPr/>
           <p:nvPr/>
         </p:nvSpPr>
         <p:spPr>
           <a:xfrm>
-            <a:off x="8866979" y="5437875"/>
-            <a:ext cx="288032" cy="269342"/>
+            <a:off x="-4240" y="0"/>
+            <a:ext cx="9144000" cy="5715000"/>
           </a:xfrm>
           <a:prstGeom prst="rect">
             <a:avLst/>
           </a:prstGeom>
           <a:solidFill>
-            <a:srgbClr val="F16461"/>
+            <a:schemeClr val="bg1"/>
           </a:solidFill>
           <a:ln>
             <a:noFill/>
@@ -34660,85 +36267,29 @@
           </a:fontRef>
         </p:style>
         <p:txBody>
-          <a:bodyPr rtlCol="0" anchor="ctr"/>
+          <a:bodyPr rot="0" spcFirstLastPara="0" vertOverflow="overflow" horzOverflow="overflow" vert="horz" wrap="square" lIns="91440" tIns="45720" rIns="91440" bIns="45720" numCol="1" spcCol="0" rtlCol="0" fromWordArt="0" anchor="ctr" anchorCtr="0" forceAA="0" compatLnSpc="1">
+            <a:prstTxWarp prst="textNoShape">
+              <a:avLst/>
+            </a:prstTxWarp>
+            <a:noAutofit/>
+          </a:bodyPr>
           <a:lstStyle/>
           <a:p>
             <a:pPr algn="ctr"/>
-            <a:endParaRPr lang="ko-KR" altLang="en-US"/>
-          </a:p>
-        </p:txBody>
-      </p:sp>
-      <p:sp>
-        <p:nvSpPr>
-          <p:cNvPr id="6" name="TextBox 5"/>
-          <p:cNvSpPr txBox="1"/>
-          <p:nvPr/>
-        </p:nvSpPr>
-        <p:spPr>
-          <a:xfrm>
-            <a:off x="230416" y="168152"/>
-            <a:ext cx="1447832" cy="400110"/>
-          </a:xfrm>
-          <a:prstGeom prst="rect">
-            <a:avLst/>
-          </a:prstGeom>
-          <a:noFill/>
-        </p:spPr>
-        <p:txBody>
-          <a:bodyPr wrap="none" rtlCol="0">
-            <a:spAutoFit/>
-          </a:bodyPr>
-          <a:lstStyle/>
-          <a:p>
-            <a:r>
-              <a:rPr lang="en-US" altLang="ko-KR" sz="2000" spc="-200" dirty="0">
-                <a:ln>
-                  <a:solidFill>
-                    <a:schemeClr val="accent1">
-                      <a:alpha val="0"/>
-                    </a:schemeClr>
-                  </a:solidFill>
-                </a:ln>
-                <a:solidFill>
-                  <a:srgbClr val="F16461"/>
-                </a:solidFill>
-                <a:latin typeface="나눔고딕 ExtraBold" panose="020D0904000000000000" pitchFamily="50" charset="-127"/>
-                <a:ea typeface="나눔고딕 ExtraBold" panose="020D0904000000000000" pitchFamily="50" charset="-127"/>
-                <a:cs typeface="Arial Unicode MS" panose="020B0604020202020204" pitchFamily="50" charset="-127"/>
-              </a:rPr>
-              <a:t>05. </a:t>
-            </a:r>
-            <a:r>
-              <a:rPr lang="ko-KR" altLang="en-US" sz="2000" spc="-200" dirty="0">
-                <a:ln>
-                  <a:solidFill>
-                    <a:schemeClr val="accent1">
-                      <a:alpha val="0"/>
-                    </a:schemeClr>
-                  </a:solidFill>
-                </a:ln>
-                <a:solidFill>
-                  <a:srgbClr val="F16461"/>
-                </a:solidFill>
-                <a:latin typeface="나눔고딕 ExtraBold" panose="020D0904000000000000" pitchFamily="50" charset="-127"/>
-                <a:ea typeface="나눔고딕 ExtraBold" panose="020D0904000000000000" pitchFamily="50" charset="-127"/>
-                <a:cs typeface="Arial Unicode MS" panose="020B0604020202020204" pitchFamily="50" charset="-127"/>
-              </a:rPr>
-              <a:t>시연 영상</a:t>
-            </a:r>
-          </a:p>
-        </p:txBody>
-      </p:sp>
-      <p:sp>
-        <p:nvSpPr>
-          <p:cNvPr id="8" name="직사각형 7"/>
+            <a:endParaRPr lang="ko-KR" altLang="en-US" dirty="0"/>
+          </a:p>
+        </p:txBody>
+      </p:sp>
+      <p:sp>
+        <p:nvSpPr>
+          <p:cNvPr id="28" name="직사각형 27"/>
           <p:cNvSpPr/>
           <p:nvPr/>
         </p:nvSpPr>
         <p:spPr>
-          <a:xfrm rot="5400000">
-            <a:off x="25528" y="439175"/>
-            <a:ext cx="416755" cy="39927"/>
+          <a:xfrm>
+            <a:off x="0" y="0"/>
+            <a:ext cx="9144000" cy="83976"/>
           </a:xfrm>
           <a:prstGeom prst="rect">
             <a:avLst/>
@@ -34767,309 +36318,6 @@
           </a:fontRef>
         </p:style>
         <p:txBody>
-          <a:bodyPr lIns="121944" tIns="60972" rIns="121944" bIns="60972" rtlCol="0" anchor="ctr"/>
-          <a:lstStyle/>
-          <a:p>
-            <a:pPr algn="ctr"/>
-            <a:endParaRPr lang="ko-KR" altLang="en-US">
-              <a:solidFill>
-                <a:srgbClr val="FAC11E"/>
-              </a:solidFill>
-            </a:endParaRPr>
-          </a:p>
-        </p:txBody>
-      </p:sp>
-      <p:sp>
-        <p:nvSpPr>
-          <p:cNvPr id="10" name="슬라이드 번호 개체 틀 9"/>
-          <p:cNvSpPr>
-            <a:spLocks noGrp="1"/>
-          </p:cNvSpPr>
-          <p:nvPr>
-            <p:ph type="sldNum" sz="quarter" idx="12"/>
-          </p:nvPr>
-        </p:nvSpPr>
-        <p:spPr/>
-        <p:txBody>
-          <a:bodyPr/>
-          <a:lstStyle/>
-          <a:p>
-            <a:fld id="{4BEDD84E-25D4-4983-8AA1-2863C96F08D9}" type="slidenum">
-              <a:rPr lang="ko-KR" altLang="en-US" smtClean="0"/>
-              <a:t>40</a:t>
-            </a:fld>
-            <a:endParaRPr lang="ko-KR" altLang="en-US"/>
-          </a:p>
-        </p:txBody>
-      </p:sp>
-      <p:sp>
-        <p:nvSpPr>
-          <p:cNvPr id="22" name="직사각형 21">
-            <a:extLst>
-              <a:ext uri="{FF2B5EF4-FFF2-40B4-BE49-F238E27FC236}">
-                <a16:creationId xmlns:a16="http://schemas.microsoft.com/office/drawing/2014/main" id="{54536421-3965-417F-AF99-9CE8719C3575}"/>
-              </a:ext>
-            </a:extLst>
-          </p:cNvPr>
-          <p:cNvSpPr/>
-          <p:nvPr/>
-        </p:nvSpPr>
-        <p:spPr>
-          <a:xfrm>
-            <a:off x="8172400" y="121196"/>
-            <a:ext cx="864096" cy="610688"/>
-          </a:xfrm>
-          <a:prstGeom prst="rect">
-            <a:avLst/>
-          </a:prstGeom>
-          <a:solidFill>
-            <a:schemeClr val="bg1"/>
-          </a:solidFill>
-          <a:ln>
-            <a:solidFill>
-              <a:schemeClr val="bg1"/>
-            </a:solidFill>
-          </a:ln>
-        </p:spPr>
-        <p:style>
-          <a:lnRef idx="2">
-            <a:schemeClr val="accent1">
-              <a:shade val="50000"/>
-            </a:schemeClr>
-          </a:lnRef>
-          <a:fillRef idx="1">
-            <a:schemeClr val="accent1"/>
-          </a:fillRef>
-          <a:effectRef idx="0">
-            <a:schemeClr val="accent1"/>
-          </a:effectRef>
-          <a:fontRef idx="minor">
-            <a:schemeClr val="lt1"/>
-          </a:fontRef>
-        </p:style>
-        <p:txBody>
-          <a:bodyPr rtlCol="0" anchor="ctr"/>
-          <a:lstStyle/>
-          <a:p>
-            <a:pPr algn="ctr"/>
-            <a:endParaRPr lang="ko-KR" altLang="en-US"/>
-          </a:p>
-        </p:txBody>
-      </p:sp>
-      <p:sp>
-        <p:nvSpPr>
-          <p:cNvPr id="25" name="직사각형 24">
-            <a:extLst>
-              <a:ext uri="{FF2B5EF4-FFF2-40B4-BE49-F238E27FC236}">
-                <a16:creationId xmlns:a16="http://schemas.microsoft.com/office/drawing/2014/main" id="{6B2246FC-CDBF-4D94-ADE6-B085F1D01D47}"/>
-              </a:ext>
-            </a:extLst>
-          </p:cNvPr>
-          <p:cNvSpPr/>
-          <p:nvPr/>
-        </p:nvSpPr>
-        <p:spPr>
-          <a:xfrm>
-            <a:off x="0" y="0"/>
-            <a:ext cx="9144000" cy="83976"/>
-          </a:xfrm>
-          <a:prstGeom prst="rect">
-            <a:avLst/>
-          </a:prstGeom>
-          <a:solidFill>
-            <a:srgbClr val="F16461"/>
-          </a:solidFill>
-          <a:ln>
-            <a:noFill/>
-          </a:ln>
-        </p:spPr>
-        <p:style>
-          <a:lnRef idx="2">
-            <a:schemeClr val="accent1">
-              <a:shade val="50000"/>
-            </a:schemeClr>
-          </a:lnRef>
-          <a:fillRef idx="1">
-            <a:schemeClr val="accent1"/>
-          </a:fillRef>
-          <a:effectRef idx="0">
-            <a:schemeClr val="accent1"/>
-          </a:effectRef>
-          <a:fontRef idx="minor">
-            <a:schemeClr val="lt1"/>
-          </a:fontRef>
-        </p:style>
-        <p:txBody>
-          <a:bodyPr rot="0" spcFirstLastPara="0" vertOverflow="overflow" horzOverflow="overflow" vert="horz" wrap="square" lIns="91440" tIns="45720" rIns="91440" bIns="45720" numCol="1" spcCol="0" rtlCol="0" fromWordArt="0" anchor="ctr" anchorCtr="0" forceAA="0" compatLnSpc="1">
-            <a:prstTxWarp prst="textNoShape">
-              <a:avLst/>
-            </a:prstTxWarp>
-            <a:noAutofit/>
-          </a:bodyPr>
-          <a:lstStyle/>
-          <a:p>
-            <a:pPr algn="ctr"/>
-            <a:endParaRPr lang="ko-KR" altLang="en-US" dirty="0">
-              <a:solidFill>
-                <a:srgbClr val="FAC11E"/>
-              </a:solidFill>
-            </a:endParaRPr>
-          </a:p>
-        </p:txBody>
-      </p:sp>
-      <p:pic>
-        <p:nvPicPr>
-          <p:cNvPr id="3" name="그림 2">
-            <a:hlinkClick r:id="rId3"/>
-            <a:extLst>
-              <a:ext uri="{FF2B5EF4-FFF2-40B4-BE49-F238E27FC236}">
-                <a16:creationId xmlns:a16="http://schemas.microsoft.com/office/drawing/2014/main" id="{B49D4D79-4E2A-4458-839D-87844488C273}"/>
-              </a:ext>
-            </a:extLst>
-          </p:cNvPr>
-          <p:cNvPicPr>
-            <a:picLocks noChangeAspect="1"/>
-          </p:cNvPicPr>
-          <p:nvPr/>
-        </p:nvPicPr>
-        <p:blipFill>
-          <a:blip r:embed="rId4"/>
-          <a:stretch>
-            <a:fillRect/>
-          </a:stretch>
-        </p:blipFill>
-        <p:spPr>
-          <a:xfrm>
-            <a:off x="1012554" y="1129308"/>
-            <a:ext cx="7156216" cy="4015333"/>
-          </a:xfrm>
-          <a:prstGeom prst="rect">
-            <a:avLst/>
-          </a:prstGeom>
-        </p:spPr>
-      </p:pic>
-    </p:spTree>
-    <p:extLst>
-      <p:ext uri="{BB962C8B-B14F-4D97-AF65-F5344CB8AC3E}">
-        <p14:creationId xmlns:p14="http://schemas.microsoft.com/office/powerpoint/2010/main" val="3447046545"/>
-      </p:ext>
-    </p:extLst>
-  </p:cSld>
-  <p:clrMapOvr>
-    <a:masterClrMapping/>
-  </p:clrMapOvr>
-  <p:transition>
-    <p:fade/>
-  </p:transition>
-</p:sld>
-</file>
-
-<file path=ppt/slides/slide41.xml><?xml version="1.0" encoding="utf-8"?>
-<p:sld xmlns:a="http://schemas.openxmlformats.org/drawingml/2006/main" xmlns:r="http://schemas.openxmlformats.org/officeDocument/2006/relationships" xmlns:p="http://schemas.openxmlformats.org/presentationml/2006/main">
-  <p:cSld>
-    <p:spTree>
-      <p:nvGrpSpPr>
-        <p:cNvPr id="1" name=""/>
-        <p:cNvGrpSpPr/>
-        <p:nvPr/>
-      </p:nvGrpSpPr>
-      <p:grpSpPr>
-        <a:xfrm>
-          <a:off x="0" y="0"/>
-          <a:ext cx="0" cy="0"/>
-          <a:chOff x="0" y="0"/>
-          <a:chExt cx="0" cy="0"/>
-        </a:xfrm>
-      </p:grpSpPr>
-      <p:sp>
-        <p:nvSpPr>
-          <p:cNvPr id="2" name="직사각형 1"/>
-          <p:cNvSpPr/>
-          <p:nvPr/>
-        </p:nvSpPr>
-        <p:spPr>
-          <a:xfrm>
-            <a:off x="-4240" y="0"/>
-            <a:ext cx="9144000" cy="5715000"/>
-          </a:xfrm>
-          <a:prstGeom prst="rect">
-            <a:avLst/>
-          </a:prstGeom>
-          <a:solidFill>
-            <a:schemeClr val="bg1"/>
-          </a:solidFill>
-          <a:ln>
-            <a:noFill/>
-          </a:ln>
-        </p:spPr>
-        <p:style>
-          <a:lnRef idx="2">
-            <a:schemeClr val="accent1">
-              <a:shade val="50000"/>
-            </a:schemeClr>
-          </a:lnRef>
-          <a:fillRef idx="1">
-            <a:schemeClr val="accent1"/>
-          </a:fillRef>
-          <a:effectRef idx="0">
-            <a:schemeClr val="accent1"/>
-          </a:effectRef>
-          <a:fontRef idx="minor">
-            <a:schemeClr val="lt1"/>
-          </a:fontRef>
-        </p:style>
-        <p:txBody>
-          <a:bodyPr rot="0" spcFirstLastPara="0" vertOverflow="overflow" horzOverflow="overflow" vert="horz" wrap="square" lIns="91440" tIns="45720" rIns="91440" bIns="45720" numCol="1" spcCol="0" rtlCol="0" fromWordArt="0" anchor="ctr" anchorCtr="0" forceAA="0" compatLnSpc="1">
-            <a:prstTxWarp prst="textNoShape">
-              <a:avLst/>
-            </a:prstTxWarp>
-            <a:noAutofit/>
-          </a:bodyPr>
-          <a:lstStyle/>
-          <a:p>
-            <a:pPr algn="ctr"/>
-            <a:endParaRPr lang="ko-KR" altLang="en-US" dirty="0"/>
-          </a:p>
-        </p:txBody>
-      </p:sp>
-      <p:sp>
-        <p:nvSpPr>
-          <p:cNvPr id="28" name="직사각형 27"/>
-          <p:cNvSpPr/>
-          <p:nvPr/>
-        </p:nvSpPr>
-        <p:spPr>
-          <a:xfrm>
-            <a:off x="0" y="0"/>
-            <a:ext cx="9144000" cy="83976"/>
-          </a:xfrm>
-          <a:prstGeom prst="rect">
-            <a:avLst/>
-          </a:prstGeom>
-          <a:solidFill>
-            <a:srgbClr val="FFD422"/>
-          </a:solidFill>
-          <a:ln>
-            <a:noFill/>
-          </a:ln>
-        </p:spPr>
-        <p:style>
-          <a:lnRef idx="2">
-            <a:schemeClr val="accent1">
-              <a:shade val="50000"/>
-            </a:schemeClr>
-          </a:lnRef>
-          <a:fillRef idx="1">
-            <a:schemeClr val="accent1"/>
-          </a:fillRef>
-          <a:effectRef idx="0">
-            <a:schemeClr val="accent1"/>
-          </a:effectRef>
-          <a:fontRef idx="minor">
-            <a:schemeClr val="lt1"/>
-          </a:fontRef>
-        </p:style>
-        <p:txBody>
           <a:bodyPr rot="0" spcFirstLastPara="0" vertOverflow="overflow" horzOverflow="overflow" vert="horz" wrap="square" lIns="91440" tIns="45720" rIns="91440" bIns="45720" numCol="1" spcCol="0" rtlCol="0" fromWordArt="0" anchor="ctr" anchorCtr="0" forceAA="0" compatLnSpc="1">
             <a:prstTxWarp prst="textNoShape">
               <a:avLst/>
@@ -35125,7 +36373,7 @@
                   </a:solidFill>
                 </a:ln>
                 <a:solidFill>
-                  <a:srgbClr val="FFD422"/>
+                  <a:srgbClr val="F16461"/>
                 </a:solidFill>
                 <a:latin typeface="나눔고딕 ExtraBold" panose="020D0904000000000000" pitchFamily="50" charset="-127"/>
                 <a:ea typeface="나눔고딕 ExtraBold" panose="020D0904000000000000" pitchFamily="50" charset="-127"/>
@@ -35141,7 +36389,7 @@
                 </a:solidFill>
               </a:ln>
               <a:solidFill>
-                <a:srgbClr val="FFD422"/>
+                <a:srgbClr val="F16461"/>
               </a:solidFill>
               <a:latin typeface="나눔고딕 ExtraBold" panose="020D0904000000000000" pitchFamily="50" charset="-127"/>
               <a:ea typeface="나눔고딕 ExtraBold" panose="020D0904000000000000" pitchFamily="50" charset="-127"/>
@@ -36294,6 +37542,13 @@
   <p:transition>
     <p:fade/>
   </p:transition>
+  <p:timing>
+    <p:tnLst>
+      <p:par>
+        <p:cTn id="1" dur="indefinite" restart="never" nodeType="tmRoot"/>
+      </p:par>
+    </p:tnLst>
+  </p:timing>
 </p:sld>
 </file>
 
@@ -36950,6 +38205,13 @@
   <p:transition>
     <p:fade/>
   </p:transition>
+  <p:timing>
+    <p:tnLst>
+      <p:par>
+        <p:cTn id="1" dur="indefinite" restart="never" nodeType="tmRoot"/>
+      </p:par>
+    </p:tnLst>
+  </p:timing>
 </p:sld>
 </file>
 
@@ -38090,6 +39352,13 @@
   <p:transition>
     <p:fade/>
   </p:transition>
+  <p:timing>
+    <p:tnLst>
+      <p:par>
+        <p:cTn id="1" dur="indefinite" restart="never" nodeType="tmRoot"/>
+      </p:par>
+    </p:tnLst>
+  </p:timing>
 </p:sld>
 </file>
 
@@ -38639,6 +39908,13 @@
   <p:transition>
     <p:fade/>
   </p:transition>
+  <p:timing>
+    <p:tnLst>
+      <p:par>
+        <p:cTn id="1" dur="indefinite" restart="never" nodeType="tmRoot"/>
+      </p:par>
+    </p:tnLst>
+  </p:timing>
 </p:sld>
 </file>
 
@@ -39178,7 +40454,7 @@
         <p:spPr>
           <a:xfrm>
             <a:off x="4685131" y="3773859"/>
-            <a:ext cx="3170420" cy="307777"/>
+            <a:ext cx="3197029" cy="307777"/>
           </a:xfrm>
           <a:prstGeom prst="rect">
             <a:avLst/>
@@ -39227,7 +40503,25 @@
                 <a:ea typeface="나눔고딕" panose="020D0604000000000000" pitchFamily="50" charset="-127"/>
                 <a:cs typeface="Arial Unicode MS" panose="020B0604020202020204" pitchFamily="50" charset="-127"/>
               </a:rPr>
-              <a:t>를 </a:t>
+              <a:t>를 이용하여 </a:t>
+            </a:r>
+            <a:r>
+              <a:rPr lang="ko-KR" altLang="en-US" sz="1400" b="1" spc="-130" dirty="0" smtClean="0">
+                <a:ln>
+                  <a:solidFill>
+                    <a:schemeClr val="accent1">
+                      <a:alpha val="0"/>
+                    </a:schemeClr>
+                  </a:solidFill>
+                </a:ln>
+                <a:solidFill>
+                  <a:schemeClr val="bg1"/>
+                </a:solidFill>
+                <a:latin typeface="나눔고딕" panose="020D0604000000000000" pitchFamily="50" charset="-127"/>
+                <a:ea typeface="나눔고딕" panose="020D0604000000000000" pitchFamily="50" charset="-127"/>
+                <a:cs typeface="Arial Unicode MS" panose="020B0604020202020204" pitchFamily="50" charset="-127"/>
+              </a:rPr>
+              <a:t>파일을 </a:t>
             </a:r>
             <a:r>
               <a:rPr lang="ko-KR" altLang="en-US" sz="1400" b="1" spc="-130" dirty="0">
@@ -39245,7 +40539,7 @@
                 <a:ea typeface="나눔고딕" panose="020D0604000000000000" pitchFamily="50" charset="-127"/>
                 <a:cs typeface="Arial Unicode MS" panose="020B0604020202020204" pitchFamily="50" charset="-127"/>
               </a:rPr>
-              <a:t>이용하여 파일을 업로드하는 방법</a:t>
+              <a:t>업로드하는 방법</a:t>
             </a:r>
           </a:p>
         </p:txBody>
@@ -39396,6 +40690,13 @@
   <p:transition>
     <p:fade/>
   </p:transition>
+  <p:timing>
+    <p:tnLst>
+      <p:par>
+        <p:cTn id="1" dur="indefinite" restart="never" nodeType="tmRoot"/>
+      </p:par>
+    </p:tnLst>
+  </p:timing>
 </p:sld>
 </file>
 
